--- a/design/dossier-conception.pptx
+++ b/design/dossier-conception.pptx
@@ -117,6 +117,11 @@
       </a:defRPr>
     </a:lvl9pPr>
   </p:defaultTextStyle>
+  <p:extLst>
+    <p:ext uri="{EFAFB233-063F-42B5-8137-9DF3F51BA10A}">
+      <p15:sldGuideLst xmlns:p15="http://schemas.microsoft.com/office/powerpoint/2012/main"/>
+    </p:ext>
+  </p:extLst>
 </p:presentation>
 </file>
 
@@ -8382,7 +8387,7 @@
         </p:nvSpPr>
         <p:spPr>
           <a:xfrm>
-            <a:off x="0" y="380712"/>
+            <a:off x="-7144" y="174260"/>
             <a:ext cx="12192000" cy="584775"/>
           </a:xfrm>
           <a:prstGeom prst="rect">
@@ -8702,6 +8707,751 @@
           <a:ln>
             <a:noFill/>
           </a:ln>
+        </p:spPr>
+        <p:style>
+          <a:lnRef idx="2">
+            <a:schemeClr val="accent1">
+              <a:shade val="50000"/>
+            </a:schemeClr>
+          </a:lnRef>
+          <a:fillRef idx="1">
+            <a:schemeClr val="accent1"/>
+          </a:fillRef>
+          <a:effectRef idx="0">
+            <a:schemeClr val="accent1"/>
+          </a:effectRef>
+          <a:fontRef idx="minor">
+            <a:schemeClr val="lt1"/>
+          </a:fontRef>
+        </p:style>
+        <p:txBody>
+          <a:bodyPr rtlCol="0" anchor="ctr"/>
+          <a:lstStyle/>
+          <a:p>
+            <a:pPr algn="ctr"/>
+            <a:endParaRPr lang="fr-FR"/>
+          </a:p>
+        </p:txBody>
+      </p:sp>
+      <p:sp>
+        <p:nvSpPr>
+          <p:cNvPr id="4" name="Rectangle : coins arrondis 3">
+            <a:extLst>
+              <a:ext uri="{FF2B5EF4-FFF2-40B4-BE49-F238E27FC236}">
+                <a16:creationId xmlns:a16="http://schemas.microsoft.com/office/drawing/2014/main" id="{7A2B6A96-A707-4274-8D69-532BBE1236D4}"/>
+              </a:ext>
+            </a:extLst>
+          </p:cNvPr>
+          <p:cNvSpPr/>
+          <p:nvPr/>
+        </p:nvSpPr>
+        <p:spPr>
+          <a:xfrm>
+            <a:off x="534173" y="4312225"/>
+            <a:ext cx="2355468" cy="1282651"/>
+          </a:xfrm>
+          <a:prstGeom prst="roundRect">
+            <a:avLst/>
+          </a:prstGeom>
+          <a:solidFill>
+            <a:srgbClr val="FFFFFA"/>
+          </a:solidFill>
+          <a:ln>
+            <a:solidFill>
+              <a:schemeClr val="accent1">
+                <a:lumMod val="60000"/>
+                <a:lumOff val="40000"/>
+              </a:schemeClr>
+            </a:solidFill>
+          </a:ln>
+        </p:spPr>
+        <p:style>
+          <a:lnRef idx="2">
+            <a:schemeClr val="accent1">
+              <a:shade val="50000"/>
+            </a:schemeClr>
+          </a:lnRef>
+          <a:fillRef idx="1">
+            <a:schemeClr val="accent1"/>
+          </a:fillRef>
+          <a:effectRef idx="0">
+            <a:schemeClr val="accent1"/>
+          </a:effectRef>
+          <a:fontRef idx="minor">
+            <a:schemeClr val="lt1"/>
+          </a:fontRef>
+        </p:style>
+        <p:txBody>
+          <a:bodyPr rtlCol="0" anchor="ctr"/>
+          <a:lstStyle/>
+          <a:p>
+            <a:pPr algn="ctr"/>
+            <a:endParaRPr lang="fr-FR"/>
+          </a:p>
+        </p:txBody>
+      </p:sp>
+      <p:sp>
+        <p:nvSpPr>
+          <p:cNvPr id="5" name="ZoneTexte 4">
+            <a:extLst>
+              <a:ext uri="{FF2B5EF4-FFF2-40B4-BE49-F238E27FC236}">
+                <a16:creationId xmlns:a16="http://schemas.microsoft.com/office/drawing/2014/main" id="{FE3BF379-F9C5-47D5-B164-68E533FB8DB3}"/>
+              </a:ext>
+            </a:extLst>
+          </p:cNvPr>
+          <p:cNvSpPr txBox="1"/>
+          <p:nvPr/>
+        </p:nvSpPr>
+        <p:spPr>
+          <a:xfrm>
+            <a:off x="947992" y="5824925"/>
+            <a:ext cx="1726723" cy="738664"/>
+          </a:xfrm>
+          <a:prstGeom prst="rect">
+            <a:avLst/>
+          </a:prstGeom>
+          <a:noFill/>
+        </p:spPr>
+        <p:txBody>
+          <a:bodyPr wrap="square" rtlCol="0">
+            <a:spAutoFit/>
+          </a:bodyPr>
+          <a:lstStyle/>
+          <a:p>
+            <a:r>
+              <a:rPr lang="fr-FR" sz="1400" dirty="0">
+                <a:latin typeface="Circular Std Black" panose="020B0A04020101010102" pitchFamily="34" charset="0"/>
+                <a:cs typeface="Circular Std Black" panose="020B0A04020101010102" pitchFamily="34" charset="0"/>
+              </a:rPr>
+              <a:t>HEX: #FFFFFA</a:t>
+            </a:r>
+          </a:p>
+          <a:p>
+            <a:r>
+              <a:rPr lang="fr-FR" sz="1400" dirty="0">
+                <a:latin typeface="Circular Std Black" panose="020B0A04020101010102" pitchFamily="34" charset="0"/>
+                <a:cs typeface="Circular Std Black" panose="020B0A04020101010102" pitchFamily="34" charset="0"/>
+              </a:rPr>
+              <a:t>RVB: 255/255/250</a:t>
+            </a:r>
+          </a:p>
+          <a:p>
+            <a:r>
+              <a:rPr lang="fr-FR" sz="1400" dirty="0">
+                <a:latin typeface="Circular Std Black" panose="020B0A04020101010102" pitchFamily="34" charset="0"/>
+                <a:cs typeface="Circular Std Black" panose="020B0A04020101010102" pitchFamily="34" charset="0"/>
+              </a:rPr>
+              <a:t>CMJN: 0/0/2/0</a:t>
+            </a:r>
+          </a:p>
+        </p:txBody>
+      </p:sp>
+      <p:sp>
+        <p:nvSpPr>
+          <p:cNvPr id="7" name="Rectangle : coins arrondis 6">
+            <a:extLst>
+              <a:ext uri="{FF2B5EF4-FFF2-40B4-BE49-F238E27FC236}">
+                <a16:creationId xmlns:a16="http://schemas.microsoft.com/office/drawing/2014/main" id="{3B8C28B5-233B-44B6-B595-540F7E7172EC}"/>
+              </a:ext>
+            </a:extLst>
+          </p:cNvPr>
+          <p:cNvSpPr/>
+          <p:nvPr/>
+        </p:nvSpPr>
+        <p:spPr>
+          <a:xfrm>
+            <a:off x="2676138" y="4312226"/>
+            <a:ext cx="2355468" cy="1282651"/>
+          </a:xfrm>
+          <a:prstGeom prst="roundRect">
+            <a:avLst/>
+          </a:prstGeom>
+          <a:solidFill>
+            <a:srgbClr val="515052"/>
+          </a:solidFill>
+          <a:ln>
+            <a:solidFill>
+              <a:schemeClr val="accent1">
+                <a:lumMod val="60000"/>
+                <a:lumOff val="40000"/>
+              </a:schemeClr>
+            </a:solidFill>
+          </a:ln>
+        </p:spPr>
+        <p:style>
+          <a:lnRef idx="2">
+            <a:schemeClr val="accent1">
+              <a:shade val="50000"/>
+            </a:schemeClr>
+          </a:lnRef>
+          <a:fillRef idx="1">
+            <a:schemeClr val="accent1"/>
+          </a:fillRef>
+          <a:effectRef idx="0">
+            <a:schemeClr val="accent1"/>
+          </a:effectRef>
+          <a:fontRef idx="minor">
+            <a:schemeClr val="lt1"/>
+          </a:fontRef>
+        </p:style>
+        <p:txBody>
+          <a:bodyPr rtlCol="0" anchor="ctr"/>
+          <a:lstStyle/>
+          <a:p>
+            <a:pPr algn="ctr"/>
+            <a:endParaRPr lang="fr-FR"/>
+          </a:p>
+        </p:txBody>
+      </p:sp>
+      <p:sp>
+        <p:nvSpPr>
+          <p:cNvPr id="8" name="ZoneTexte 7">
+            <a:extLst>
+              <a:ext uri="{FF2B5EF4-FFF2-40B4-BE49-F238E27FC236}">
+                <a16:creationId xmlns:a16="http://schemas.microsoft.com/office/drawing/2014/main" id="{AEBA3350-4CED-4230-B14D-20D14F9C5E9D}"/>
+              </a:ext>
+            </a:extLst>
+          </p:cNvPr>
+          <p:cNvSpPr txBox="1"/>
+          <p:nvPr/>
+        </p:nvSpPr>
+        <p:spPr>
+          <a:xfrm>
+            <a:off x="3113521" y="5814534"/>
+            <a:ext cx="1631373" cy="738664"/>
+          </a:xfrm>
+          <a:prstGeom prst="rect">
+            <a:avLst/>
+          </a:prstGeom>
+          <a:noFill/>
+        </p:spPr>
+        <p:txBody>
+          <a:bodyPr wrap="square" rtlCol="0">
+            <a:spAutoFit/>
+          </a:bodyPr>
+          <a:lstStyle/>
+          <a:p>
+            <a:r>
+              <a:rPr lang="fr-FR" sz="1400" dirty="0">
+                <a:latin typeface="Circular Std Black" panose="020B0A04020101010102" pitchFamily="34" charset="0"/>
+                <a:cs typeface="Circular Std Black" panose="020B0A04020101010102" pitchFamily="34" charset="0"/>
+              </a:rPr>
+              <a:t>HEX: #515052</a:t>
+            </a:r>
+          </a:p>
+          <a:p>
+            <a:r>
+              <a:rPr lang="fr-FR" sz="1400" dirty="0">
+                <a:latin typeface="Circular Std Black" panose="020B0A04020101010102" pitchFamily="34" charset="0"/>
+                <a:cs typeface="Circular Std Black" panose="020B0A04020101010102" pitchFamily="34" charset="0"/>
+              </a:rPr>
+              <a:t>RVB: 81/80/82</a:t>
+            </a:r>
+          </a:p>
+          <a:p>
+            <a:r>
+              <a:rPr lang="fr-FR" sz="1400" dirty="0">
+                <a:latin typeface="Circular Std Black" panose="020B0A04020101010102" pitchFamily="34" charset="0"/>
+                <a:cs typeface="Circular Std Black" panose="020B0A04020101010102" pitchFamily="34" charset="0"/>
+              </a:rPr>
+              <a:t>CMJN: 1/2/0/68</a:t>
+            </a:r>
+          </a:p>
+        </p:txBody>
+      </p:sp>
+      <p:sp>
+        <p:nvSpPr>
+          <p:cNvPr id="9" name="Rectangle : coins arrondis 8">
+            <a:extLst>
+              <a:ext uri="{FF2B5EF4-FFF2-40B4-BE49-F238E27FC236}">
+                <a16:creationId xmlns:a16="http://schemas.microsoft.com/office/drawing/2014/main" id="{4F889287-1588-4CE1-98D4-E901C97EE2C5}"/>
+              </a:ext>
+            </a:extLst>
+          </p:cNvPr>
+          <p:cNvSpPr/>
+          <p:nvPr/>
+        </p:nvSpPr>
+        <p:spPr>
+          <a:xfrm>
+            <a:off x="4798288" y="4312224"/>
+            <a:ext cx="2355468" cy="1282651"/>
+          </a:xfrm>
+          <a:prstGeom prst="roundRect">
+            <a:avLst/>
+          </a:prstGeom>
+          <a:solidFill>
+            <a:srgbClr val="333138"/>
+          </a:solidFill>
+          <a:ln>
+            <a:solidFill>
+              <a:schemeClr val="accent1">
+                <a:lumMod val="60000"/>
+                <a:lumOff val="40000"/>
+              </a:schemeClr>
+            </a:solidFill>
+          </a:ln>
+        </p:spPr>
+        <p:style>
+          <a:lnRef idx="2">
+            <a:schemeClr val="accent1">
+              <a:shade val="50000"/>
+            </a:schemeClr>
+          </a:lnRef>
+          <a:fillRef idx="1">
+            <a:schemeClr val="accent1"/>
+          </a:fillRef>
+          <a:effectRef idx="0">
+            <a:schemeClr val="accent1"/>
+          </a:effectRef>
+          <a:fontRef idx="minor">
+            <a:schemeClr val="lt1"/>
+          </a:fontRef>
+        </p:style>
+        <p:txBody>
+          <a:bodyPr rtlCol="0" anchor="ctr"/>
+          <a:lstStyle/>
+          <a:p>
+            <a:pPr algn="ctr"/>
+            <a:endParaRPr lang="fr-FR"/>
+          </a:p>
+        </p:txBody>
+      </p:sp>
+      <p:sp>
+        <p:nvSpPr>
+          <p:cNvPr id="10" name="ZoneTexte 9">
+            <a:extLst>
+              <a:ext uri="{FF2B5EF4-FFF2-40B4-BE49-F238E27FC236}">
+                <a16:creationId xmlns:a16="http://schemas.microsoft.com/office/drawing/2014/main" id="{002E75EA-EFE6-493E-86CD-5A896BAA2A28}"/>
+              </a:ext>
+            </a:extLst>
+          </p:cNvPr>
+          <p:cNvSpPr txBox="1"/>
+          <p:nvPr/>
+        </p:nvSpPr>
+        <p:spPr>
+          <a:xfrm>
+            <a:off x="5337458" y="5821917"/>
+            <a:ext cx="1726722" cy="738664"/>
+          </a:xfrm>
+          <a:prstGeom prst="rect">
+            <a:avLst/>
+          </a:prstGeom>
+          <a:noFill/>
+        </p:spPr>
+        <p:txBody>
+          <a:bodyPr wrap="square" rtlCol="0">
+            <a:spAutoFit/>
+          </a:bodyPr>
+          <a:lstStyle/>
+          <a:p>
+            <a:r>
+              <a:rPr lang="fr-FR" sz="1400" dirty="0">
+                <a:latin typeface="Circular Std Black" panose="020B0A04020101010102" pitchFamily="34" charset="0"/>
+                <a:cs typeface="Circular Std Black" panose="020B0A04020101010102" pitchFamily="34" charset="0"/>
+              </a:rPr>
+              <a:t>HEX: #333138</a:t>
+            </a:r>
+          </a:p>
+          <a:p>
+            <a:r>
+              <a:rPr lang="fr-FR" sz="1400" dirty="0">
+                <a:latin typeface="Circular Std Black" panose="020B0A04020101010102" pitchFamily="34" charset="0"/>
+                <a:cs typeface="Circular Std Black" panose="020B0A04020101010102" pitchFamily="34" charset="0"/>
+              </a:rPr>
+              <a:t>RVB: 51/49/46</a:t>
+            </a:r>
+          </a:p>
+          <a:p>
+            <a:r>
+              <a:rPr lang="fr-FR" sz="1400" dirty="0">
+                <a:latin typeface="Circular Std Black" panose="020B0A04020101010102" pitchFamily="34" charset="0"/>
+                <a:cs typeface="Circular Std Black" panose="020B0A04020101010102" pitchFamily="34" charset="0"/>
+              </a:rPr>
+              <a:t>CMJN: 9/13/0/78</a:t>
+            </a:r>
+          </a:p>
+        </p:txBody>
+      </p:sp>
+      <p:sp>
+        <p:nvSpPr>
+          <p:cNvPr id="11" name="Rectangle : coins arrondis 10">
+            <a:extLst>
+              <a:ext uri="{FF2B5EF4-FFF2-40B4-BE49-F238E27FC236}">
+                <a16:creationId xmlns:a16="http://schemas.microsoft.com/office/drawing/2014/main" id="{2B3D5A56-ADD7-4C19-9FE1-A7473398A703}"/>
+              </a:ext>
+            </a:extLst>
+          </p:cNvPr>
+          <p:cNvSpPr/>
+          <p:nvPr/>
+        </p:nvSpPr>
+        <p:spPr>
+          <a:xfrm>
+            <a:off x="6947100" y="4312223"/>
+            <a:ext cx="2423560" cy="1282651"/>
+          </a:xfrm>
+          <a:prstGeom prst="roundRect">
+            <a:avLst/>
+          </a:prstGeom>
+          <a:solidFill>
+            <a:srgbClr val="000103"/>
+          </a:solidFill>
+          <a:ln>
+            <a:solidFill>
+              <a:schemeClr val="accent1">
+                <a:lumMod val="60000"/>
+                <a:lumOff val="40000"/>
+              </a:schemeClr>
+            </a:solidFill>
+          </a:ln>
+        </p:spPr>
+        <p:style>
+          <a:lnRef idx="2">
+            <a:schemeClr val="accent1">
+              <a:shade val="50000"/>
+            </a:schemeClr>
+          </a:lnRef>
+          <a:fillRef idx="1">
+            <a:schemeClr val="accent1"/>
+          </a:fillRef>
+          <a:effectRef idx="0">
+            <a:schemeClr val="accent1"/>
+          </a:effectRef>
+          <a:fontRef idx="minor">
+            <a:schemeClr val="lt1"/>
+          </a:fontRef>
+        </p:style>
+        <p:txBody>
+          <a:bodyPr rtlCol="0" anchor="ctr"/>
+          <a:lstStyle/>
+          <a:p>
+            <a:pPr algn="ctr"/>
+            <a:endParaRPr lang="fr-FR"/>
+          </a:p>
+        </p:txBody>
+      </p:sp>
+      <p:sp>
+        <p:nvSpPr>
+          <p:cNvPr id="12" name="ZoneTexte 11">
+            <a:extLst>
+              <a:ext uri="{FF2B5EF4-FFF2-40B4-BE49-F238E27FC236}">
+                <a16:creationId xmlns:a16="http://schemas.microsoft.com/office/drawing/2014/main" id="{59C0412F-35B5-44DB-BA91-3A9F76C62BE3}"/>
+              </a:ext>
+            </a:extLst>
+          </p:cNvPr>
+          <p:cNvSpPr txBox="1"/>
+          <p:nvPr/>
+        </p:nvSpPr>
+        <p:spPr>
+          <a:xfrm>
+            <a:off x="7553303" y="5821917"/>
+            <a:ext cx="2042843" cy="738664"/>
+          </a:xfrm>
+          <a:prstGeom prst="rect">
+            <a:avLst/>
+          </a:prstGeom>
+          <a:noFill/>
+        </p:spPr>
+        <p:txBody>
+          <a:bodyPr wrap="square" rtlCol="0">
+            <a:spAutoFit/>
+          </a:bodyPr>
+          <a:lstStyle/>
+          <a:p>
+            <a:r>
+              <a:rPr lang="fr-FR" sz="1400" dirty="0">
+                <a:latin typeface="Circular Std Black" panose="020B0A04020101010102" pitchFamily="34" charset="0"/>
+                <a:cs typeface="Circular Std Black" panose="020B0A04020101010102" pitchFamily="34" charset="0"/>
+              </a:rPr>
+              <a:t>HEX: #000103</a:t>
+            </a:r>
+          </a:p>
+          <a:p>
+            <a:r>
+              <a:rPr lang="fr-FR" sz="1400" dirty="0">
+                <a:latin typeface="Circular Std Black" panose="020B0A04020101010102" pitchFamily="34" charset="0"/>
+                <a:cs typeface="Circular Std Black" panose="020B0A04020101010102" pitchFamily="34" charset="0"/>
+              </a:rPr>
+              <a:t>RVB: 0/1/3</a:t>
+            </a:r>
+          </a:p>
+          <a:p>
+            <a:r>
+              <a:rPr lang="fr-FR" sz="1400" dirty="0">
+                <a:latin typeface="Circular Std Black" panose="020B0A04020101010102" pitchFamily="34" charset="0"/>
+                <a:cs typeface="Circular Std Black" panose="020B0A04020101010102" pitchFamily="34" charset="0"/>
+              </a:rPr>
+              <a:t>CMJN: 100/67/0/99</a:t>
+            </a:r>
+          </a:p>
+        </p:txBody>
+      </p:sp>
+      <p:cxnSp>
+        <p:nvCxnSpPr>
+          <p:cNvPr id="14" name="Connecteur droit 13">
+            <a:extLst>
+              <a:ext uri="{FF2B5EF4-FFF2-40B4-BE49-F238E27FC236}">
+                <a16:creationId xmlns:a16="http://schemas.microsoft.com/office/drawing/2014/main" id="{E61E7FD5-04C1-4B5B-903D-36E716AEC900}"/>
+              </a:ext>
+            </a:extLst>
+          </p:cNvPr>
+          <p:cNvCxnSpPr/>
+          <p:nvPr/>
+        </p:nvCxnSpPr>
+        <p:spPr>
+          <a:xfrm>
+            <a:off x="1569027" y="5594878"/>
+            <a:ext cx="0" cy="227039"/>
+          </a:xfrm>
+          <a:prstGeom prst="line">
+            <a:avLst/>
+          </a:prstGeom>
+        </p:spPr>
+        <p:style>
+          <a:lnRef idx="1">
+            <a:schemeClr val="dk1"/>
+          </a:lnRef>
+          <a:fillRef idx="0">
+            <a:schemeClr val="dk1"/>
+          </a:fillRef>
+          <a:effectRef idx="0">
+            <a:schemeClr val="dk1"/>
+          </a:effectRef>
+          <a:fontRef idx="minor">
+            <a:schemeClr val="tx1"/>
+          </a:fontRef>
+        </p:style>
+      </p:cxnSp>
+      <p:cxnSp>
+        <p:nvCxnSpPr>
+          <p:cNvPr id="16" name="Connecteur droit 15">
+            <a:extLst>
+              <a:ext uri="{FF2B5EF4-FFF2-40B4-BE49-F238E27FC236}">
+                <a16:creationId xmlns:a16="http://schemas.microsoft.com/office/drawing/2014/main" id="{F4A6E453-E79A-40D6-B435-972121B56502}"/>
+              </a:ext>
+            </a:extLst>
+          </p:cNvPr>
+          <p:cNvCxnSpPr/>
+          <p:nvPr/>
+        </p:nvCxnSpPr>
+        <p:spPr>
+          <a:xfrm>
+            <a:off x="3761509" y="5587495"/>
+            <a:ext cx="0" cy="227039"/>
+          </a:xfrm>
+          <a:prstGeom prst="line">
+            <a:avLst/>
+          </a:prstGeom>
+        </p:spPr>
+        <p:style>
+          <a:lnRef idx="1">
+            <a:schemeClr val="dk1"/>
+          </a:lnRef>
+          <a:fillRef idx="0">
+            <a:schemeClr val="dk1"/>
+          </a:fillRef>
+          <a:effectRef idx="0">
+            <a:schemeClr val="dk1"/>
+          </a:effectRef>
+          <a:fontRef idx="minor">
+            <a:schemeClr val="tx1"/>
+          </a:fontRef>
+        </p:style>
+      </p:cxnSp>
+      <p:cxnSp>
+        <p:nvCxnSpPr>
+          <p:cNvPr id="18" name="Connecteur droit 17">
+            <a:extLst>
+              <a:ext uri="{FF2B5EF4-FFF2-40B4-BE49-F238E27FC236}">
+                <a16:creationId xmlns:a16="http://schemas.microsoft.com/office/drawing/2014/main" id="{AC8492E6-4F45-4990-9485-6079855D4248}"/>
+              </a:ext>
+            </a:extLst>
+          </p:cNvPr>
+          <p:cNvCxnSpPr>
+            <a:cxnSpLocks/>
+          </p:cNvCxnSpPr>
+          <p:nvPr/>
+        </p:nvCxnSpPr>
+        <p:spPr>
+          <a:xfrm>
+            <a:off x="5922818" y="5594878"/>
+            <a:ext cx="0" cy="227039"/>
+          </a:xfrm>
+          <a:prstGeom prst="line">
+            <a:avLst/>
+          </a:prstGeom>
+        </p:spPr>
+        <p:style>
+          <a:lnRef idx="1">
+            <a:schemeClr val="dk1"/>
+          </a:lnRef>
+          <a:fillRef idx="0">
+            <a:schemeClr val="dk1"/>
+          </a:fillRef>
+          <a:effectRef idx="0">
+            <a:schemeClr val="dk1"/>
+          </a:effectRef>
+          <a:fontRef idx="minor">
+            <a:schemeClr val="tx1"/>
+          </a:fontRef>
+        </p:style>
+      </p:cxnSp>
+      <p:cxnSp>
+        <p:nvCxnSpPr>
+          <p:cNvPr id="21" name="Connecteur droit 20">
+            <a:extLst>
+              <a:ext uri="{FF2B5EF4-FFF2-40B4-BE49-F238E27FC236}">
+                <a16:creationId xmlns:a16="http://schemas.microsoft.com/office/drawing/2014/main" id="{278D5532-F7EF-45F7-8700-413699D52ED3}"/>
+              </a:ext>
+            </a:extLst>
+          </p:cNvPr>
+          <p:cNvCxnSpPr/>
+          <p:nvPr/>
+        </p:nvCxnSpPr>
+        <p:spPr>
+          <a:xfrm>
+            <a:off x="8157029" y="5594878"/>
+            <a:ext cx="0" cy="227039"/>
+          </a:xfrm>
+          <a:prstGeom prst="line">
+            <a:avLst/>
+          </a:prstGeom>
+        </p:spPr>
+        <p:style>
+          <a:lnRef idx="1">
+            <a:schemeClr val="dk1"/>
+          </a:lnRef>
+          <a:fillRef idx="0">
+            <a:schemeClr val="dk1"/>
+          </a:fillRef>
+          <a:effectRef idx="0">
+            <a:schemeClr val="dk1"/>
+          </a:effectRef>
+          <a:fontRef idx="minor">
+            <a:schemeClr val="tx1"/>
+          </a:fontRef>
+        </p:style>
+      </p:cxnSp>
+      <p:sp>
+        <p:nvSpPr>
+          <p:cNvPr id="2" name="ZoneTexte 1">
+            <a:extLst>
+              <a:ext uri="{FF2B5EF4-FFF2-40B4-BE49-F238E27FC236}">
+                <a16:creationId xmlns:a16="http://schemas.microsoft.com/office/drawing/2014/main" id="{60811274-1485-4861-8B94-94D85487627C}"/>
+              </a:ext>
+            </a:extLst>
+          </p:cNvPr>
+          <p:cNvSpPr txBox="1"/>
+          <p:nvPr/>
+        </p:nvSpPr>
+        <p:spPr>
+          <a:xfrm>
+            <a:off x="647822" y="1452008"/>
+            <a:ext cx="4032561" cy="338554"/>
+          </a:xfrm>
+          <a:prstGeom prst="rect">
+            <a:avLst/>
+          </a:prstGeom>
+          <a:noFill/>
+        </p:spPr>
+        <p:txBody>
+          <a:bodyPr wrap="square" rtlCol="0">
+            <a:spAutoFit/>
+          </a:bodyPr>
+          <a:lstStyle/>
+          <a:p>
+            <a:r>
+              <a:rPr lang="fr-FR" sz="1600" dirty="0">
+                <a:latin typeface="Circular Std Black" panose="020B0A04020101010102" pitchFamily="34" charset="0"/>
+                <a:cs typeface="Circular Std Black" panose="020B0A04020101010102" pitchFamily="34" charset="0"/>
+              </a:rPr>
+              <a:t>Circular Std Black</a:t>
+            </a:r>
+          </a:p>
+        </p:txBody>
+      </p:sp>
+      <p:sp>
+        <p:nvSpPr>
+          <p:cNvPr id="3" name="ZoneTexte 2">
+            <a:extLst>
+              <a:ext uri="{FF2B5EF4-FFF2-40B4-BE49-F238E27FC236}">
+                <a16:creationId xmlns:a16="http://schemas.microsoft.com/office/drawing/2014/main" id="{EA4E2C2B-8290-49C7-9007-89896C092EE5}"/>
+              </a:ext>
+            </a:extLst>
+          </p:cNvPr>
+          <p:cNvSpPr txBox="1"/>
+          <p:nvPr/>
+        </p:nvSpPr>
+        <p:spPr>
+          <a:xfrm>
+            <a:off x="647822" y="1905481"/>
+            <a:ext cx="3652981" cy="923330"/>
+          </a:xfrm>
+          <a:prstGeom prst="rect">
+            <a:avLst/>
+          </a:prstGeom>
+          <a:noFill/>
+        </p:spPr>
+        <p:txBody>
+          <a:bodyPr wrap="square" rtlCol="0">
+            <a:spAutoFit/>
+          </a:bodyPr>
+          <a:lstStyle/>
+          <a:p>
+            <a:r>
+              <a:rPr lang="fr-FR" dirty="0"/>
+              <a:t>ABCDEFGHIJKLMNOPQRSTUVWXYZ</a:t>
+            </a:r>
+          </a:p>
+          <a:p>
+            <a:r>
+              <a:rPr lang="fr-FR" dirty="0"/>
+              <a:t>abcdefghijklmnopqrstuvwxyz</a:t>
+            </a:r>
+          </a:p>
+          <a:p>
+            <a:r>
+              <a:rPr lang="fr-FR" dirty="0"/>
+              <a:t>0123456789</a:t>
+            </a:r>
+          </a:p>
+        </p:txBody>
+      </p:sp>
+      <p:sp>
+        <p:nvSpPr>
+          <p:cNvPr id="19" name="Rectangle : coins arrondis 18">
+            <a:extLst>
+              <a:ext uri="{FF2B5EF4-FFF2-40B4-BE49-F238E27FC236}">
+                <a16:creationId xmlns:a16="http://schemas.microsoft.com/office/drawing/2014/main" id="{DBB13465-D9AA-47D1-949F-727E92F13BD0}"/>
+              </a:ext>
+            </a:extLst>
+          </p:cNvPr>
+          <p:cNvSpPr/>
+          <p:nvPr/>
+        </p:nvSpPr>
+        <p:spPr>
+          <a:xfrm>
+            <a:off x="534173" y="1371600"/>
+            <a:ext cx="3766630" cy="1569028"/>
+          </a:xfrm>
+          <a:prstGeom prst="roundRect">
+            <a:avLst/>
+          </a:prstGeom>
+          <a:noFill/>
+          <a:ln w="38100">
+            <a:solidFill>
+              <a:schemeClr val="accent1">
+                <a:lumMod val="60000"/>
+                <a:lumOff val="40000"/>
+              </a:schemeClr>
+            </a:solidFill>
+          </a:ln>
+          <a:effectLst>
+            <a:outerShdw blurRad="63500" sx="102000" sy="102000" algn="ctr" rotWithShape="0">
+              <a:prstClr val="black">
+                <a:alpha val="40000"/>
+              </a:prstClr>
+            </a:outerShdw>
+          </a:effectLst>
         </p:spPr>
         <p:style>
           <a:lnRef idx="2">

--- a/design/dossier-conception.pptx
+++ b/design/dossier-conception.pptx
@@ -8,17 +8,21 @@
     <p:sldId id="257" r:id="rId2"/>
     <p:sldId id="259" r:id="rId3"/>
     <p:sldId id="256" r:id="rId4"/>
-    <p:sldId id="258" r:id="rId5"/>
-    <p:sldId id="260" r:id="rId6"/>
-    <p:sldId id="261" r:id="rId7"/>
-    <p:sldId id="265" r:id="rId8"/>
-    <p:sldId id="263" r:id="rId9"/>
-    <p:sldId id="264" r:id="rId10"/>
-    <p:sldId id="266" r:id="rId11"/>
-    <p:sldId id="267" r:id="rId12"/>
-    <p:sldId id="268" r:id="rId13"/>
-    <p:sldId id="269" r:id="rId14"/>
-    <p:sldId id="262" r:id="rId15"/>
+    <p:sldId id="270" r:id="rId5"/>
+    <p:sldId id="258" r:id="rId6"/>
+    <p:sldId id="260" r:id="rId7"/>
+    <p:sldId id="271" r:id="rId8"/>
+    <p:sldId id="261" r:id="rId9"/>
+    <p:sldId id="265" r:id="rId10"/>
+    <p:sldId id="263" r:id="rId11"/>
+    <p:sldId id="264" r:id="rId12"/>
+    <p:sldId id="266" r:id="rId13"/>
+    <p:sldId id="267" r:id="rId14"/>
+    <p:sldId id="268" r:id="rId15"/>
+    <p:sldId id="269" r:id="rId16"/>
+    <p:sldId id="272" r:id="rId17"/>
+    <p:sldId id="273" r:id="rId18"/>
+    <p:sldId id="262" r:id="rId19"/>
   </p:sldIdLst>
   <p:sldSz cx="12192000" cy="6858000"/>
   <p:notesSz cx="6858000" cy="9144000"/>
@@ -117,6 +121,11 @@
       </a:defRPr>
     </a:lvl9pPr>
   </p:defaultTextStyle>
+  <p:extLst>
+    <p:ext uri="{EFAFB233-063F-42B5-8137-9DF3F51BA10A}">
+      <p15:sldGuideLst xmlns:p15="http://schemas.microsoft.com/office/powerpoint/2012/main"/>
+    </p:ext>
+  </p:extLst>
 </p:presentation>
 </file>
 
@@ -267,7 +276,7 @@
           <a:p>
             <a:fld id="{6954CCDD-B82E-4A0E-9E12-DE1043336CEC}" type="datetimeFigureOut">
               <a:rPr lang="fr-FR" smtClean="0"/>
-              <a:t>05/07/2021</a:t>
+              <a:t>06/07/2021</a:t>
             </a:fld>
             <a:endParaRPr lang="fr-FR"/>
           </a:p>
@@ -465,7 +474,7 @@
           <a:p>
             <a:fld id="{6954CCDD-B82E-4A0E-9E12-DE1043336CEC}" type="datetimeFigureOut">
               <a:rPr lang="fr-FR" smtClean="0"/>
-              <a:t>05/07/2021</a:t>
+              <a:t>06/07/2021</a:t>
             </a:fld>
             <a:endParaRPr lang="fr-FR"/>
           </a:p>
@@ -673,7 +682,7 @@
           <a:p>
             <a:fld id="{6954CCDD-B82E-4A0E-9E12-DE1043336CEC}" type="datetimeFigureOut">
               <a:rPr lang="fr-FR" smtClean="0"/>
-              <a:t>05/07/2021</a:t>
+              <a:t>06/07/2021</a:t>
             </a:fld>
             <a:endParaRPr lang="fr-FR"/>
           </a:p>
@@ -871,7 +880,7 @@
           <a:p>
             <a:fld id="{6954CCDD-B82E-4A0E-9E12-DE1043336CEC}" type="datetimeFigureOut">
               <a:rPr lang="fr-FR" smtClean="0"/>
-              <a:t>05/07/2021</a:t>
+              <a:t>06/07/2021</a:t>
             </a:fld>
             <a:endParaRPr lang="fr-FR"/>
           </a:p>
@@ -1146,7 +1155,7 @@
           <a:p>
             <a:fld id="{6954CCDD-B82E-4A0E-9E12-DE1043336CEC}" type="datetimeFigureOut">
               <a:rPr lang="fr-FR" smtClean="0"/>
-              <a:t>05/07/2021</a:t>
+              <a:t>06/07/2021</a:t>
             </a:fld>
             <a:endParaRPr lang="fr-FR"/>
           </a:p>
@@ -1411,7 +1420,7 @@
           <a:p>
             <a:fld id="{6954CCDD-B82E-4A0E-9E12-DE1043336CEC}" type="datetimeFigureOut">
               <a:rPr lang="fr-FR" smtClean="0"/>
-              <a:t>05/07/2021</a:t>
+              <a:t>06/07/2021</a:t>
             </a:fld>
             <a:endParaRPr lang="fr-FR"/>
           </a:p>
@@ -1823,7 +1832,7 @@
           <a:p>
             <a:fld id="{6954CCDD-B82E-4A0E-9E12-DE1043336CEC}" type="datetimeFigureOut">
               <a:rPr lang="fr-FR" smtClean="0"/>
-              <a:t>05/07/2021</a:t>
+              <a:t>06/07/2021</a:t>
             </a:fld>
             <a:endParaRPr lang="fr-FR"/>
           </a:p>
@@ -1964,7 +1973,7 @@
           <a:p>
             <a:fld id="{6954CCDD-B82E-4A0E-9E12-DE1043336CEC}" type="datetimeFigureOut">
               <a:rPr lang="fr-FR" smtClean="0"/>
-              <a:t>05/07/2021</a:t>
+              <a:t>06/07/2021</a:t>
             </a:fld>
             <a:endParaRPr lang="fr-FR"/>
           </a:p>
@@ -2077,7 +2086,7 @@
           <a:p>
             <a:fld id="{6954CCDD-B82E-4A0E-9E12-DE1043336CEC}" type="datetimeFigureOut">
               <a:rPr lang="fr-FR" smtClean="0"/>
-              <a:t>05/07/2021</a:t>
+              <a:t>06/07/2021</a:t>
             </a:fld>
             <a:endParaRPr lang="fr-FR"/>
           </a:p>
@@ -2388,7 +2397,7 @@
           <a:p>
             <a:fld id="{6954CCDD-B82E-4A0E-9E12-DE1043336CEC}" type="datetimeFigureOut">
               <a:rPr lang="fr-FR" smtClean="0"/>
-              <a:t>05/07/2021</a:t>
+              <a:t>06/07/2021</a:t>
             </a:fld>
             <a:endParaRPr lang="fr-FR"/>
           </a:p>
@@ -2676,7 +2685,7 @@
           <a:p>
             <a:fld id="{6954CCDD-B82E-4A0E-9E12-DE1043336CEC}" type="datetimeFigureOut">
               <a:rPr lang="fr-FR" smtClean="0"/>
-              <a:t>05/07/2021</a:t>
+              <a:t>06/07/2021</a:t>
             </a:fld>
             <a:endParaRPr lang="fr-FR"/>
           </a:p>
@@ -2917,7 +2926,7 @@
           <a:p>
             <a:fld id="{6954CCDD-B82E-4A0E-9E12-DE1043336CEC}" type="datetimeFigureOut">
               <a:rPr lang="fr-FR" smtClean="0"/>
-              <a:t>05/07/2021</a:t>
+              <a:t>06/07/2021</a:t>
             </a:fld>
             <a:endParaRPr lang="fr-FR"/>
           </a:p>
@@ -3719,17 +3728,17 @@
             <a:pPr algn="ctr"/>
             <a:r>
               <a:rPr lang="fr-FR" sz="3200" b="1" dirty="0"/>
-              <a:t>Arborescence</a:t>
+              <a:t>Logo</a:t>
             </a:r>
           </a:p>
         </p:txBody>
       </p:sp>
       <p:sp>
         <p:nvSpPr>
-          <p:cNvPr id="22" name="Triangle rectangle 21">
-            <a:extLst>
-              <a:ext uri="{FF2B5EF4-FFF2-40B4-BE49-F238E27FC236}">
-                <a16:creationId xmlns:a16="http://schemas.microsoft.com/office/drawing/2014/main" id="{A5F7D3F7-A8DA-4882-B231-6ECA1D6B937B}"/>
+          <p:cNvPr id="23" name="Triangle rectangle 22">
+            <a:extLst>
+              <a:ext uri="{FF2B5EF4-FFF2-40B4-BE49-F238E27FC236}">
+                <a16:creationId xmlns:a16="http://schemas.microsoft.com/office/drawing/2014/main" id="{1C352AEB-3521-4B68-AF9C-07003762BDAF}"/>
               </a:ext>
             </a:extLst>
           </p:cNvPr>
@@ -3780,10 +3789,10 @@
       </p:sp>
       <p:sp>
         <p:nvSpPr>
-          <p:cNvPr id="23" name="Triangle rectangle 22">
-            <a:extLst>
-              <a:ext uri="{FF2B5EF4-FFF2-40B4-BE49-F238E27FC236}">
-                <a16:creationId xmlns:a16="http://schemas.microsoft.com/office/drawing/2014/main" id="{3232A79E-48DF-4F11-BB05-9C09DC911F00}"/>
+          <p:cNvPr id="24" name="Triangle rectangle 23">
+            <a:extLst>
+              <a:ext uri="{FF2B5EF4-FFF2-40B4-BE49-F238E27FC236}">
+                <a16:creationId xmlns:a16="http://schemas.microsoft.com/office/drawing/2014/main" id="{19F18013-0D35-4FC0-8A91-5816BCD2DA97}"/>
               </a:ext>
             </a:extLst>
           </p:cNvPr>
@@ -3834,10 +3843,10 @@
       </p:sp>
       <p:sp>
         <p:nvSpPr>
-          <p:cNvPr id="24" name="Triangle rectangle 23">
-            <a:extLst>
-              <a:ext uri="{FF2B5EF4-FFF2-40B4-BE49-F238E27FC236}">
-                <a16:creationId xmlns:a16="http://schemas.microsoft.com/office/drawing/2014/main" id="{B897A02A-BCD9-4E77-BB4F-B0DC2589CFA4}"/>
+          <p:cNvPr id="25" name="Triangle rectangle 24">
+            <a:extLst>
+              <a:ext uri="{FF2B5EF4-FFF2-40B4-BE49-F238E27FC236}">
+                <a16:creationId xmlns:a16="http://schemas.microsoft.com/office/drawing/2014/main" id="{703E9C31-A7E5-4A40-AF76-2BF37094C8B8}"/>
               </a:ext>
             </a:extLst>
           </p:cNvPr>
@@ -3888,10 +3897,10 @@
       </p:sp>
       <p:sp>
         <p:nvSpPr>
-          <p:cNvPr id="25" name="Triangle rectangle 24">
-            <a:extLst>
-              <a:ext uri="{FF2B5EF4-FFF2-40B4-BE49-F238E27FC236}">
-                <a16:creationId xmlns:a16="http://schemas.microsoft.com/office/drawing/2014/main" id="{2E5D904F-7833-4BBF-83D7-A261E1005204}"/>
+          <p:cNvPr id="26" name="Triangle rectangle 25">
+            <a:extLst>
+              <a:ext uri="{FF2B5EF4-FFF2-40B4-BE49-F238E27FC236}">
+                <a16:creationId xmlns:a16="http://schemas.microsoft.com/office/drawing/2014/main" id="{3D3EBB9A-33A8-45F9-A026-AF41142E0CAA}"/>
               </a:ext>
             </a:extLst>
           </p:cNvPr>
@@ -3942,10 +3951,10 @@
       </p:sp>
       <p:sp>
         <p:nvSpPr>
-          <p:cNvPr id="26" name="Triangle rectangle 25">
-            <a:extLst>
-              <a:ext uri="{FF2B5EF4-FFF2-40B4-BE49-F238E27FC236}">
-                <a16:creationId xmlns:a16="http://schemas.microsoft.com/office/drawing/2014/main" id="{37D1F6C9-3C9B-4D49-B87C-D6EDA7D3648E}"/>
+          <p:cNvPr id="27" name="Triangle rectangle 26">
+            <a:extLst>
+              <a:ext uri="{FF2B5EF4-FFF2-40B4-BE49-F238E27FC236}">
+                <a16:creationId xmlns:a16="http://schemas.microsoft.com/office/drawing/2014/main" id="{5295005C-236F-45D0-B885-68F747CE36D8}"/>
               </a:ext>
             </a:extLst>
           </p:cNvPr>
@@ -3996,10 +4005,10 @@
       </p:sp>
       <p:sp>
         <p:nvSpPr>
-          <p:cNvPr id="27" name="Triangle rectangle 26">
-            <a:extLst>
-              <a:ext uri="{FF2B5EF4-FFF2-40B4-BE49-F238E27FC236}">
-                <a16:creationId xmlns:a16="http://schemas.microsoft.com/office/drawing/2014/main" id="{B05D112F-0D24-4667-A8BF-6515131C5497}"/>
+          <p:cNvPr id="28" name="Triangle rectangle 27">
+            <a:extLst>
+              <a:ext uri="{FF2B5EF4-FFF2-40B4-BE49-F238E27FC236}">
+                <a16:creationId xmlns:a16="http://schemas.microsoft.com/office/drawing/2014/main" id="{5E120059-9EE0-4232-974A-B1028CB2BB68}"/>
               </a:ext>
             </a:extLst>
           </p:cNvPr>
@@ -4051,7 +4060,7 @@
     </p:spTree>
     <p:extLst>
       <p:ext uri="{BB962C8B-B14F-4D97-AF65-F5344CB8AC3E}">
-        <p14:creationId xmlns:p14="http://schemas.microsoft.com/office/powerpoint/2010/main" val="3848902161"/>
+        <p14:creationId xmlns:p14="http://schemas.microsoft.com/office/powerpoint/2010/main" val="1302480680"/>
       </p:ext>
     </p:extLst>
   </p:cSld>
@@ -4080,10 +4089,10 @@
       </p:grpSpPr>
       <p:sp>
         <p:nvSpPr>
-          <p:cNvPr id="7" name="ZoneTexte 6">
-            <a:extLst>
-              <a:ext uri="{FF2B5EF4-FFF2-40B4-BE49-F238E27FC236}">
-                <a16:creationId xmlns:a16="http://schemas.microsoft.com/office/drawing/2014/main" id="{2C8B6EA8-1910-4810-918C-B0360DAAAD8A}"/>
+          <p:cNvPr id="6" name="ZoneTexte 5">
+            <a:extLst>
+              <a:ext uri="{FF2B5EF4-FFF2-40B4-BE49-F238E27FC236}">
+                <a16:creationId xmlns:a16="http://schemas.microsoft.com/office/drawing/2014/main" id="{6D4D10E8-E3A3-4FD4-BDD0-79A87FCCDFD5}"/>
               </a:ext>
             </a:extLst>
           </p:cNvPr>
@@ -4109,17 +4118,17 @@
             <a:pPr algn="ctr"/>
             <a:r>
               <a:rPr lang="fr-FR" sz="3200" b="1" dirty="0"/>
-              <a:t>Zoning &amp; wireframe</a:t>
+              <a:t>Charte graphique</a:t>
             </a:r>
           </a:p>
         </p:txBody>
       </p:sp>
       <p:sp>
         <p:nvSpPr>
-          <p:cNvPr id="24" name="Triangle rectangle 23">
-            <a:extLst>
-              <a:ext uri="{FF2B5EF4-FFF2-40B4-BE49-F238E27FC236}">
-                <a16:creationId xmlns:a16="http://schemas.microsoft.com/office/drawing/2014/main" id="{394CE20D-DF0B-42A4-B085-E6D020BED555}"/>
+          <p:cNvPr id="22" name="Triangle rectangle 21">
+            <a:extLst>
+              <a:ext uri="{FF2B5EF4-FFF2-40B4-BE49-F238E27FC236}">
+                <a16:creationId xmlns:a16="http://schemas.microsoft.com/office/drawing/2014/main" id="{BC19DEDF-9050-4C49-B936-D5D7999FE2E6}"/>
               </a:ext>
             </a:extLst>
           </p:cNvPr>
@@ -4170,10 +4179,10 @@
       </p:sp>
       <p:sp>
         <p:nvSpPr>
-          <p:cNvPr id="25" name="Triangle rectangle 24">
-            <a:extLst>
-              <a:ext uri="{FF2B5EF4-FFF2-40B4-BE49-F238E27FC236}">
-                <a16:creationId xmlns:a16="http://schemas.microsoft.com/office/drawing/2014/main" id="{3C24593C-73DB-42D6-B7CA-BE1C81748867}"/>
+          <p:cNvPr id="23" name="Triangle rectangle 22">
+            <a:extLst>
+              <a:ext uri="{FF2B5EF4-FFF2-40B4-BE49-F238E27FC236}">
+                <a16:creationId xmlns:a16="http://schemas.microsoft.com/office/drawing/2014/main" id="{AFEEA887-9BE9-4D87-A0E9-9BDB7AC8A838}"/>
               </a:ext>
             </a:extLst>
           </p:cNvPr>
@@ -4224,10 +4233,10 @@
       </p:sp>
       <p:sp>
         <p:nvSpPr>
-          <p:cNvPr id="26" name="Triangle rectangle 25">
-            <a:extLst>
-              <a:ext uri="{FF2B5EF4-FFF2-40B4-BE49-F238E27FC236}">
-                <a16:creationId xmlns:a16="http://schemas.microsoft.com/office/drawing/2014/main" id="{2820B7E6-8CB5-4A19-A00F-5EE546C0FC74}"/>
+          <p:cNvPr id="24" name="Triangle rectangle 23">
+            <a:extLst>
+              <a:ext uri="{FF2B5EF4-FFF2-40B4-BE49-F238E27FC236}">
+                <a16:creationId xmlns:a16="http://schemas.microsoft.com/office/drawing/2014/main" id="{E620B325-E43C-4A6D-A35A-14C581497397}"/>
               </a:ext>
             </a:extLst>
           </p:cNvPr>
@@ -4278,10 +4287,10 @@
       </p:sp>
       <p:sp>
         <p:nvSpPr>
-          <p:cNvPr id="27" name="Triangle rectangle 26">
-            <a:extLst>
-              <a:ext uri="{FF2B5EF4-FFF2-40B4-BE49-F238E27FC236}">
-                <a16:creationId xmlns:a16="http://schemas.microsoft.com/office/drawing/2014/main" id="{3C31AA80-38A9-48B5-95C8-2D30D056FBBD}"/>
+          <p:cNvPr id="25" name="Triangle rectangle 24">
+            <a:extLst>
+              <a:ext uri="{FF2B5EF4-FFF2-40B4-BE49-F238E27FC236}">
+                <a16:creationId xmlns:a16="http://schemas.microsoft.com/office/drawing/2014/main" id="{5C6EF744-CF2C-4E72-AFE9-71DA4579A05E}"/>
               </a:ext>
             </a:extLst>
           </p:cNvPr>
@@ -4332,10 +4341,10 @@
       </p:sp>
       <p:sp>
         <p:nvSpPr>
-          <p:cNvPr id="28" name="Triangle rectangle 27">
-            <a:extLst>
-              <a:ext uri="{FF2B5EF4-FFF2-40B4-BE49-F238E27FC236}">
-                <a16:creationId xmlns:a16="http://schemas.microsoft.com/office/drawing/2014/main" id="{1E9F18E8-2E84-4DFE-9B21-C6C8F73C5D72}"/>
+          <p:cNvPr id="26" name="Triangle rectangle 25">
+            <a:extLst>
+              <a:ext uri="{FF2B5EF4-FFF2-40B4-BE49-F238E27FC236}">
+                <a16:creationId xmlns:a16="http://schemas.microsoft.com/office/drawing/2014/main" id="{E5DCC439-05AF-4781-8AF3-0863C9F0ACDB}"/>
               </a:ext>
             </a:extLst>
           </p:cNvPr>
@@ -4386,10 +4395,10 @@
       </p:sp>
       <p:sp>
         <p:nvSpPr>
-          <p:cNvPr id="29" name="Triangle rectangle 28">
-            <a:extLst>
-              <a:ext uri="{FF2B5EF4-FFF2-40B4-BE49-F238E27FC236}">
-                <a16:creationId xmlns:a16="http://schemas.microsoft.com/office/drawing/2014/main" id="{F9EB5312-FCB5-44BC-B3DA-F98FF0DFB016}"/>
+          <p:cNvPr id="27" name="Triangle rectangle 26">
+            <a:extLst>
+              <a:ext uri="{FF2B5EF4-FFF2-40B4-BE49-F238E27FC236}">
+                <a16:creationId xmlns:a16="http://schemas.microsoft.com/office/drawing/2014/main" id="{BAC0F6BF-4D4E-480E-8A96-AB4476C9F11F}"/>
               </a:ext>
             </a:extLst>
           </p:cNvPr>
@@ -4441,7 +4450,7 @@
     </p:spTree>
     <p:extLst>
       <p:ext uri="{BB962C8B-B14F-4D97-AF65-F5344CB8AC3E}">
-        <p14:creationId xmlns:p14="http://schemas.microsoft.com/office/powerpoint/2010/main" val="3269211375"/>
+        <p14:creationId xmlns:p14="http://schemas.microsoft.com/office/powerpoint/2010/main" val="3474965173"/>
       </p:ext>
     </p:extLst>
   </p:cSld>
@@ -4470,10 +4479,10 @@
       </p:grpSpPr>
       <p:sp>
         <p:nvSpPr>
-          <p:cNvPr id="7" name="ZoneTexte 6">
-            <a:extLst>
-              <a:ext uri="{FF2B5EF4-FFF2-40B4-BE49-F238E27FC236}">
-                <a16:creationId xmlns:a16="http://schemas.microsoft.com/office/drawing/2014/main" id="{2C8B6EA8-1910-4810-918C-B0360DAAAD8A}"/>
+          <p:cNvPr id="6" name="ZoneTexte 5">
+            <a:extLst>
+              <a:ext uri="{FF2B5EF4-FFF2-40B4-BE49-F238E27FC236}">
+                <a16:creationId xmlns:a16="http://schemas.microsoft.com/office/drawing/2014/main" id="{6D4D10E8-E3A3-4FD4-BDD0-79A87FCCDFD5}"/>
               </a:ext>
             </a:extLst>
           </p:cNvPr>
@@ -4499,7 +4508,7 @@
             <a:pPr algn="ctr"/>
             <a:r>
               <a:rPr lang="fr-FR" sz="3200" b="1" dirty="0"/>
-              <a:t>Maquette</a:t>
+              <a:t>Arborescence</a:t>
             </a:r>
           </a:p>
         </p:txBody>
@@ -4509,7 +4518,7 @@
           <p:cNvPr id="22" name="Triangle rectangle 21">
             <a:extLst>
               <a:ext uri="{FF2B5EF4-FFF2-40B4-BE49-F238E27FC236}">
-                <a16:creationId xmlns:a16="http://schemas.microsoft.com/office/drawing/2014/main" id="{DA26ACA7-D13C-49A9-83E7-61B1DE117760}"/>
+                <a16:creationId xmlns:a16="http://schemas.microsoft.com/office/drawing/2014/main" id="{A5F7D3F7-A8DA-4882-B231-6ECA1D6B937B}"/>
               </a:ext>
             </a:extLst>
           </p:cNvPr>
@@ -4563,7 +4572,7 @@
           <p:cNvPr id="23" name="Triangle rectangle 22">
             <a:extLst>
               <a:ext uri="{FF2B5EF4-FFF2-40B4-BE49-F238E27FC236}">
-                <a16:creationId xmlns:a16="http://schemas.microsoft.com/office/drawing/2014/main" id="{E55FD0F8-65AA-45D9-AE49-752D281B5A7C}"/>
+                <a16:creationId xmlns:a16="http://schemas.microsoft.com/office/drawing/2014/main" id="{3232A79E-48DF-4F11-BB05-9C09DC911F00}"/>
               </a:ext>
             </a:extLst>
           </p:cNvPr>
@@ -4617,7 +4626,7 @@
           <p:cNvPr id="24" name="Triangle rectangle 23">
             <a:extLst>
               <a:ext uri="{FF2B5EF4-FFF2-40B4-BE49-F238E27FC236}">
-                <a16:creationId xmlns:a16="http://schemas.microsoft.com/office/drawing/2014/main" id="{DB36E4A4-A9C9-4D8C-A3DA-4A3382BE859E}"/>
+                <a16:creationId xmlns:a16="http://schemas.microsoft.com/office/drawing/2014/main" id="{B897A02A-BCD9-4E77-BB4F-B0DC2589CFA4}"/>
               </a:ext>
             </a:extLst>
           </p:cNvPr>
@@ -4671,7 +4680,7 @@
           <p:cNvPr id="25" name="Triangle rectangle 24">
             <a:extLst>
               <a:ext uri="{FF2B5EF4-FFF2-40B4-BE49-F238E27FC236}">
-                <a16:creationId xmlns:a16="http://schemas.microsoft.com/office/drawing/2014/main" id="{19725314-79C6-44A8-93AD-915ACF4BDC66}"/>
+                <a16:creationId xmlns:a16="http://schemas.microsoft.com/office/drawing/2014/main" id="{2E5D904F-7833-4BBF-83D7-A261E1005204}"/>
               </a:ext>
             </a:extLst>
           </p:cNvPr>
@@ -4725,7 +4734,7 @@
           <p:cNvPr id="26" name="Triangle rectangle 25">
             <a:extLst>
               <a:ext uri="{FF2B5EF4-FFF2-40B4-BE49-F238E27FC236}">
-                <a16:creationId xmlns:a16="http://schemas.microsoft.com/office/drawing/2014/main" id="{C03BF5B9-853F-4F8B-A41D-EEECB200DCA3}"/>
+                <a16:creationId xmlns:a16="http://schemas.microsoft.com/office/drawing/2014/main" id="{37D1F6C9-3C9B-4D49-B87C-D6EDA7D3648E}"/>
               </a:ext>
             </a:extLst>
           </p:cNvPr>
@@ -4779,7 +4788,7 @@
           <p:cNvPr id="27" name="Triangle rectangle 26">
             <a:extLst>
               <a:ext uri="{FF2B5EF4-FFF2-40B4-BE49-F238E27FC236}">
-                <a16:creationId xmlns:a16="http://schemas.microsoft.com/office/drawing/2014/main" id="{7AD08F64-5C44-44E4-AAAA-D472DB0F0BEE}"/>
+                <a16:creationId xmlns:a16="http://schemas.microsoft.com/office/drawing/2014/main" id="{B05D112F-0D24-4667-A8BF-6515131C5497}"/>
               </a:ext>
             </a:extLst>
           </p:cNvPr>
@@ -4831,7 +4840,7 @@
     </p:spTree>
     <p:extLst>
       <p:ext uri="{BB962C8B-B14F-4D97-AF65-F5344CB8AC3E}">
-        <p14:creationId xmlns:p14="http://schemas.microsoft.com/office/powerpoint/2010/main" val="3185614080"/>
+        <p14:creationId xmlns:p14="http://schemas.microsoft.com/office/powerpoint/2010/main" val="3848902161"/>
       </p:ext>
     </p:extLst>
   </p:cSld>
@@ -4889,6 +4898,786 @@
             <a:pPr algn="ctr"/>
             <a:r>
               <a:rPr lang="fr-FR" sz="3200" b="1" dirty="0"/>
+              <a:t>Zoning &amp; wireframe</a:t>
+            </a:r>
+          </a:p>
+        </p:txBody>
+      </p:sp>
+      <p:sp>
+        <p:nvSpPr>
+          <p:cNvPr id="24" name="Triangle rectangle 23">
+            <a:extLst>
+              <a:ext uri="{FF2B5EF4-FFF2-40B4-BE49-F238E27FC236}">
+                <a16:creationId xmlns:a16="http://schemas.microsoft.com/office/drawing/2014/main" id="{394CE20D-DF0B-42A4-B085-E6D020BED555}"/>
+              </a:ext>
+            </a:extLst>
+          </p:cNvPr>
+          <p:cNvSpPr/>
+          <p:nvPr/>
+        </p:nvSpPr>
+        <p:spPr>
+          <a:xfrm flipH="1">
+            <a:off x="8157029" y="-1104901"/>
+            <a:ext cx="4032590" cy="14592301"/>
+          </a:xfrm>
+          <a:prstGeom prst="rtTriangle">
+            <a:avLst/>
+          </a:prstGeom>
+          <a:solidFill>
+            <a:schemeClr val="accent1">
+              <a:alpha val="30000"/>
+            </a:schemeClr>
+          </a:solidFill>
+          <a:ln>
+            <a:noFill/>
+          </a:ln>
+        </p:spPr>
+        <p:style>
+          <a:lnRef idx="2">
+            <a:schemeClr val="accent1">
+              <a:shade val="50000"/>
+            </a:schemeClr>
+          </a:lnRef>
+          <a:fillRef idx="1">
+            <a:schemeClr val="accent1"/>
+          </a:fillRef>
+          <a:effectRef idx="0">
+            <a:schemeClr val="accent1"/>
+          </a:effectRef>
+          <a:fontRef idx="minor">
+            <a:schemeClr val="lt1"/>
+          </a:fontRef>
+        </p:style>
+        <p:txBody>
+          <a:bodyPr rtlCol="0" anchor="ctr"/>
+          <a:lstStyle/>
+          <a:p>
+            <a:pPr algn="ctr"/>
+            <a:endParaRPr lang="fr-FR"/>
+          </a:p>
+        </p:txBody>
+      </p:sp>
+      <p:sp>
+        <p:nvSpPr>
+          <p:cNvPr id="25" name="Triangle rectangle 24">
+            <a:extLst>
+              <a:ext uri="{FF2B5EF4-FFF2-40B4-BE49-F238E27FC236}">
+                <a16:creationId xmlns:a16="http://schemas.microsoft.com/office/drawing/2014/main" id="{3C24593C-73DB-42D6-B7CA-BE1C81748867}"/>
+              </a:ext>
+            </a:extLst>
+          </p:cNvPr>
+          <p:cNvSpPr/>
+          <p:nvPr/>
+        </p:nvSpPr>
+        <p:spPr>
+          <a:xfrm flipH="1">
+            <a:off x="9104687" y="-1104901"/>
+            <a:ext cx="3084932" cy="14592301"/>
+          </a:xfrm>
+          <a:prstGeom prst="rtTriangle">
+            <a:avLst/>
+          </a:prstGeom>
+          <a:solidFill>
+            <a:schemeClr val="accent1">
+              <a:alpha val="30000"/>
+            </a:schemeClr>
+          </a:solidFill>
+          <a:ln>
+            <a:noFill/>
+          </a:ln>
+        </p:spPr>
+        <p:style>
+          <a:lnRef idx="2">
+            <a:schemeClr val="accent1">
+              <a:shade val="50000"/>
+            </a:schemeClr>
+          </a:lnRef>
+          <a:fillRef idx="1">
+            <a:schemeClr val="accent1"/>
+          </a:fillRef>
+          <a:effectRef idx="0">
+            <a:schemeClr val="accent1"/>
+          </a:effectRef>
+          <a:fontRef idx="minor">
+            <a:schemeClr val="lt1"/>
+          </a:fontRef>
+        </p:style>
+        <p:txBody>
+          <a:bodyPr rtlCol="0" anchor="ctr"/>
+          <a:lstStyle/>
+          <a:p>
+            <a:pPr algn="ctr"/>
+            <a:endParaRPr lang="fr-FR"/>
+          </a:p>
+        </p:txBody>
+      </p:sp>
+      <p:sp>
+        <p:nvSpPr>
+          <p:cNvPr id="26" name="Triangle rectangle 25">
+            <a:extLst>
+              <a:ext uri="{FF2B5EF4-FFF2-40B4-BE49-F238E27FC236}">
+                <a16:creationId xmlns:a16="http://schemas.microsoft.com/office/drawing/2014/main" id="{2820B7E6-8CB5-4A19-A00F-5EE546C0FC74}"/>
+              </a:ext>
+            </a:extLst>
+          </p:cNvPr>
+          <p:cNvSpPr/>
+          <p:nvPr/>
+        </p:nvSpPr>
+        <p:spPr>
+          <a:xfrm flipH="1">
+            <a:off x="10063540" y="-1104901"/>
+            <a:ext cx="2107028" cy="14592301"/>
+          </a:xfrm>
+          <a:prstGeom prst="rtTriangle">
+            <a:avLst/>
+          </a:prstGeom>
+          <a:solidFill>
+            <a:schemeClr val="accent1">
+              <a:alpha val="30000"/>
+            </a:schemeClr>
+          </a:solidFill>
+          <a:ln>
+            <a:noFill/>
+          </a:ln>
+        </p:spPr>
+        <p:style>
+          <a:lnRef idx="2">
+            <a:schemeClr val="accent1">
+              <a:shade val="50000"/>
+            </a:schemeClr>
+          </a:lnRef>
+          <a:fillRef idx="1">
+            <a:schemeClr val="accent1"/>
+          </a:fillRef>
+          <a:effectRef idx="0">
+            <a:schemeClr val="accent1"/>
+          </a:effectRef>
+          <a:fontRef idx="minor">
+            <a:schemeClr val="lt1"/>
+          </a:fontRef>
+        </p:style>
+        <p:txBody>
+          <a:bodyPr rtlCol="0" anchor="ctr"/>
+          <a:lstStyle/>
+          <a:p>
+            <a:pPr algn="ctr"/>
+            <a:endParaRPr lang="fr-FR"/>
+          </a:p>
+        </p:txBody>
+      </p:sp>
+      <p:sp>
+        <p:nvSpPr>
+          <p:cNvPr id="27" name="Triangle rectangle 26">
+            <a:extLst>
+              <a:ext uri="{FF2B5EF4-FFF2-40B4-BE49-F238E27FC236}">
+                <a16:creationId xmlns:a16="http://schemas.microsoft.com/office/drawing/2014/main" id="{3C31AA80-38A9-48B5-95C8-2D30D056FBBD}"/>
+              </a:ext>
+            </a:extLst>
+          </p:cNvPr>
+          <p:cNvSpPr/>
+          <p:nvPr/>
+        </p:nvSpPr>
+        <p:spPr>
+          <a:xfrm flipH="1" flipV="1">
+            <a:off x="10060236" y="-1104902"/>
+            <a:ext cx="2131763" cy="7917674"/>
+          </a:xfrm>
+          <a:prstGeom prst="rtTriangle">
+            <a:avLst/>
+          </a:prstGeom>
+          <a:solidFill>
+            <a:schemeClr val="accent1">
+              <a:alpha val="30000"/>
+            </a:schemeClr>
+          </a:solidFill>
+          <a:ln>
+            <a:noFill/>
+          </a:ln>
+        </p:spPr>
+        <p:style>
+          <a:lnRef idx="2">
+            <a:schemeClr val="accent1">
+              <a:shade val="50000"/>
+            </a:schemeClr>
+          </a:lnRef>
+          <a:fillRef idx="1">
+            <a:schemeClr val="accent1"/>
+          </a:fillRef>
+          <a:effectRef idx="0">
+            <a:schemeClr val="accent1"/>
+          </a:effectRef>
+          <a:fontRef idx="minor">
+            <a:schemeClr val="lt1"/>
+          </a:fontRef>
+        </p:style>
+        <p:txBody>
+          <a:bodyPr rtlCol="0" anchor="ctr"/>
+          <a:lstStyle/>
+          <a:p>
+            <a:pPr algn="ctr"/>
+            <a:endParaRPr lang="fr-FR"/>
+          </a:p>
+        </p:txBody>
+      </p:sp>
+      <p:sp>
+        <p:nvSpPr>
+          <p:cNvPr id="28" name="Triangle rectangle 27">
+            <a:extLst>
+              <a:ext uri="{FF2B5EF4-FFF2-40B4-BE49-F238E27FC236}">
+                <a16:creationId xmlns:a16="http://schemas.microsoft.com/office/drawing/2014/main" id="{1E9F18E8-2E84-4DFE-9B21-C6C8F73C5D72}"/>
+              </a:ext>
+            </a:extLst>
+          </p:cNvPr>
+          <p:cNvSpPr/>
+          <p:nvPr/>
+        </p:nvSpPr>
+        <p:spPr>
+          <a:xfrm flipH="1" flipV="1">
+            <a:off x="10554057" y="-1104902"/>
+            <a:ext cx="1630799" cy="7917674"/>
+          </a:xfrm>
+          <a:prstGeom prst="rtTriangle">
+            <a:avLst/>
+          </a:prstGeom>
+          <a:solidFill>
+            <a:schemeClr val="accent1">
+              <a:alpha val="30000"/>
+            </a:schemeClr>
+          </a:solidFill>
+          <a:ln>
+            <a:noFill/>
+          </a:ln>
+        </p:spPr>
+        <p:style>
+          <a:lnRef idx="2">
+            <a:schemeClr val="accent1">
+              <a:shade val="50000"/>
+            </a:schemeClr>
+          </a:lnRef>
+          <a:fillRef idx="1">
+            <a:schemeClr val="accent1"/>
+          </a:fillRef>
+          <a:effectRef idx="0">
+            <a:schemeClr val="accent1"/>
+          </a:effectRef>
+          <a:fontRef idx="minor">
+            <a:schemeClr val="lt1"/>
+          </a:fontRef>
+        </p:style>
+        <p:txBody>
+          <a:bodyPr rtlCol="0" anchor="ctr"/>
+          <a:lstStyle/>
+          <a:p>
+            <a:pPr algn="ctr"/>
+            <a:endParaRPr lang="fr-FR"/>
+          </a:p>
+        </p:txBody>
+      </p:sp>
+      <p:sp>
+        <p:nvSpPr>
+          <p:cNvPr id="29" name="Triangle rectangle 28">
+            <a:extLst>
+              <a:ext uri="{FF2B5EF4-FFF2-40B4-BE49-F238E27FC236}">
+                <a16:creationId xmlns:a16="http://schemas.microsoft.com/office/drawing/2014/main" id="{F9EB5312-FCB5-44BC-B3DA-F98FF0DFB016}"/>
+              </a:ext>
+            </a:extLst>
+          </p:cNvPr>
+          <p:cNvSpPr/>
+          <p:nvPr/>
+        </p:nvSpPr>
+        <p:spPr>
+          <a:xfrm flipH="1" flipV="1">
+            <a:off x="11078156" y="-1104902"/>
+            <a:ext cx="1113846" cy="7917674"/>
+          </a:xfrm>
+          <a:prstGeom prst="rtTriangle">
+            <a:avLst/>
+          </a:prstGeom>
+          <a:solidFill>
+            <a:schemeClr val="accent1">
+              <a:alpha val="30000"/>
+            </a:schemeClr>
+          </a:solidFill>
+          <a:ln>
+            <a:noFill/>
+          </a:ln>
+        </p:spPr>
+        <p:style>
+          <a:lnRef idx="2">
+            <a:schemeClr val="accent1">
+              <a:shade val="50000"/>
+            </a:schemeClr>
+          </a:lnRef>
+          <a:fillRef idx="1">
+            <a:schemeClr val="accent1"/>
+          </a:fillRef>
+          <a:effectRef idx="0">
+            <a:schemeClr val="accent1"/>
+          </a:effectRef>
+          <a:fontRef idx="minor">
+            <a:schemeClr val="lt1"/>
+          </a:fontRef>
+        </p:style>
+        <p:txBody>
+          <a:bodyPr rtlCol="0" anchor="ctr"/>
+          <a:lstStyle/>
+          <a:p>
+            <a:pPr algn="ctr"/>
+            <a:endParaRPr lang="fr-FR"/>
+          </a:p>
+        </p:txBody>
+      </p:sp>
+    </p:spTree>
+    <p:extLst>
+      <p:ext uri="{BB962C8B-B14F-4D97-AF65-F5344CB8AC3E}">
+        <p14:creationId xmlns:p14="http://schemas.microsoft.com/office/powerpoint/2010/main" val="3269211375"/>
+      </p:ext>
+    </p:extLst>
+  </p:cSld>
+  <p:clrMapOvr>
+    <a:masterClrMapping/>
+  </p:clrMapOvr>
+</p:sld>
+</file>
+
+<file path=ppt/slides/slide14.xml><?xml version="1.0" encoding="utf-8"?>
+<p:sld xmlns:a="http://schemas.openxmlformats.org/drawingml/2006/main" xmlns:r="http://schemas.openxmlformats.org/officeDocument/2006/relationships" xmlns:p="http://schemas.openxmlformats.org/presentationml/2006/main">
+  <p:cSld>
+    <p:spTree>
+      <p:nvGrpSpPr>
+        <p:cNvPr id="1" name=""/>
+        <p:cNvGrpSpPr/>
+        <p:nvPr/>
+      </p:nvGrpSpPr>
+      <p:grpSpPr>
+        <a:xfrm>
+          <a:off x="0" y="0"/>
+          <a:ext cx="0" cy="0"/>
+          <a:chOff x="0" y="0"/>
+          <a:chExt cx="0" cy="0"/>
+        </a:xfrm>
+      </p:grpSpPr>
+      <p:sp>
+        <p:nvSpPr>
+          <p:cNvPr id="7" name="ZoneTexte 6">
+            <a:extLst>
+              <a:ext uri="{FF2B5EF4-FFF2-40B4-BE49-F238E27FC236}">
+                <a16:creationId xmlns:a16="http://schemas.microsoft.com/office/drawing/2014/main" id="{2C8B6EA8-1910-4810-918C-B0360DAAAD8A}"/>
+              </a:ext>
+            </a:extLst>
+          </p:cNvPr>
+          <p:cNvSpPr txBox="1"/>
+          <p:nvPr/>
+        </p:nvSpPr>
+        <p:spPr>
+          <a:xfrm>
+            <a:off x="0" y="380712"/>
+            <a:ext cx="12192000" cy="584775"/>
+          </a:xfrm>
+          <a:prstGeom prst="rect">
+            <a:avLst/>
+          </a:prstGeom>
+          <a:noFill/>
+        </p:spPr>
+        <p:txBody>
+          <a:bodyPr wrap="square" rtlCol="0">
+            <a:spAutoFit/>
+          </a:bodyPr>
+          <a:lstStyle/>
+          <a:p>
+            <a:pPr algn="ctr"/>
+            <a:r>
+              <a:rPr lang="fr-FR" sz="3200" b="1" dirty="0"/>
+              <a:t>Maquette</a:t>
+            </a:r>
+          </a:p>
+        </p:txBody>
+      </p:sp>
+      <p:sp>
+        <p:nvSpPr>
+          <p:cNvPr id="22" name="Triangle rectangle 21">
+            <a:extLst>
+              <a:ext uri="{FF2B5EF4-FFF2-40B4-BE49-F238E27FC236}">
+                <a16:creationId xmlns:a16="http://schemas.microsoft.com/office/drawing/2014/main" id="{DA26ACA7-D13C-49A9-83E7-61B1DE117760}"/>
+              </a:ext>
+            </a:extLst>
+          </p:cNvPr>
+          <p:cNvSpPr/>
+          <p:nvPr/>
+        </p:nvSpPr>
+        <p:spPr>
+          <a:xfrm flipH="1">
+            <a:off x="8157029" y="-1104901"/>
+            <a:ext cx="4032590" cy="14592301"/>
+          </a:xfrm>
+          <a:prstGeom prst="rtTriangle">
+            <a:avLst/>
+          </a:prstGeom>
+          <a:solidFill>
+            <a:schemeClr val="accent1">
+              <a:alpha val="30000"/>
+            </a:schemeClr>
+          </a:solidFill>
+          <a:ln>
+            <a:noFill/>
+          </a:ln>
+        </p:spPr>
+        <p:style>
+          <a:lnRef idx="2">
+            <a:schemeClr val="accent1">
+              <a:shade val="50000"/>
+            </a:schemeClr>
+          </a:lnRef>
+          <a:fillRef idx="1">
+            <a:schemeClr val="accent1"/>
+          </a:fillRef>
+          <a:effectRef idx="0">
+            <a:schemeClr val="accent1"/>
+          </a:effectRef>
+          <a:fontRef idx="minor">
+            <a:schemeClr val="lt1"/>
+          </a:fontRef>
+        </p:style>
+        <p:txBody>
+          <a:bodyPr rtlCol="0" anchor="ctr"/>
+          <a:lstStyle/>
+          <a:p>
+            <a:pPr algn="ctr"/>
+            <a:endParaRPr lang="fr-FR"/>
+          </a:p>
+        </p:txBody>
+      </p:sp>
+      <p:sp>
+        <p:nvSpPr>
+          <p:cNvPr id="23" name="Triangle rectangle 22">
+            <a:extLst>
+              <a:ext uri="{FF2B5EF4-FFF2-40B4-BE49-F238E27FC236}">
+                <a16:creationId xmlns:a16="http://schemas.microsoft.com/office/drawing/2014/main" id="{E55FD0F8-65AA-45D9-AE49-752D281B5A7C}"/>
+              </a:ext>
+            </a:extLst>
+          </p:cNvPr>
+          <p:cNvSpPr/>
+          <p:nvPr/>
+        </p:nvSpPr>
+        <p:spPr>
+          <a:xfrm flipH="1">
+            <a:off x="9104687" y="-1104901"/>
+            <a:ext cx="3084932" cy="14592301"/>
+          </a:xfrm>
+          <a:prstGeom prst="rtTriangle">
+            <a:avLst/>
+          </a:prstGeom>
+          <a:solidFill>
+            <a:schemeClr val="accent1">
+              <a:alpha val="30000"/>
+            </a:schemeClr>
+          </a:solidFill>
+          <a:ln>
+            <a:noFill/>
+          </a:ln>
+        </p:spPr>
+        <p:style>
+          <a:lnRef idx="2">
+            <a:schemeClr val="accent1">
+              <a:shade val="50000"/>
+            </a:schemeClr>
+          </a:lnRef>
+          <a:fillRef idx="1">
+            <a:schemeClr val="accent1"/>
+          </a:fillRef>
+          <a:effectRef idx="0">
+            <a:schemeClr val="accent1"/>
+          </a:effectRef>
+          <a:fontRef idx="minor">
+            <a:schemeClr val="lt1"/>
+          </a:fontRef>
+        </p:style>
+        <p:txBody>
+          <a:bodyPr rtlCol="0" anchor="ctr"/>
+          <a:lstStyle/>
+          <a:p>
+            <a:pPr algn="ctr"/>
+            <a:endParaRPr lang="fr-FR"/>
+          </a:p>
+        </p:txBody>
+      </p:sp>
+      <p:sp>
+        <p:nvSpPr>
+          <p:cNvPr id="24" name="Triangle rectangle 23">
+            <a:extLst>
+              <a:ext uri="{FF2B5EF4-FFF2-40B4-BE49-F238E27FC236}">
+                <a16:creationId xmlns:a16="http://schemas.microsoft.com/office/drawing/2014/main" id="{DB36E4A4-A9C9-4D8C-A3DA-4A3382BE859E}"/>
+              </a:ext>
+            </a:extLst>
+          </p:cNvPr>
+          <p:cNvSpPr/>
+          <p:nvPr/>
+        </p:nvSpPr>
+        <p:spPr>
+          <a:xfrm flipH="1">
+            <a:off x="10063540" y="-1104901"/>
+            <a:ext cx="2107028" cy="14592301"/>
+          </a:xfrm>
+          <a:prstGeom prst="rtTriangle">
+            <a:avLst/>
+          </a:prstGeom>
+          <a:solidFill>
+            <a:schemeClr val="accent1">
+              <a:alpha val="30000"/>
+            </a:schemeClr>
+          </a:solidFill>
+          <a:ln>
+            <a:noFill/>
+          </a:ln>
+        </p:spPr>
+        <p:style>
+          <a:lnRef idx="2">
+            <a:schemeClr val="accent1">
+              <a:shade val="50000"/>
+            </a:schemeClr>
+          </a:lnRef>
+          <a:fillRef idx="1">
+            <a:schemeClr val="accent1"/>
+          </a:fillRef>
+          <a:effectRef idx="0">
+            <a:schemeClr val="accent1"/>
+          </a:effectRef>
+          <a:fontRef idx="minor">
+            <a:schemeClr val="lt1"/>
+          </a:fontRef>
+        </p:style>
+        <p:txBody>
+          <a:bodyPr rtlCol="0" anchor="ctr"/>
+          <a:lstStyle/>
+          <a:p>
+            <a:pPr algn="ctr"/>
+            <a:endParaRPr lang="fr-FR"/>
+          </a:p>
+        </p:txBody>
+      </p:sp>
+      <p:sp>
+        <p:nvSpPr>
+          <p:cNvPr id="25" name="Triangle rectangle 24">
+            <a:extLst>
+              <a:ext uri="{FF2B5EF4-FFF2-40B4-BE49-F238E27FC236}">
+                <a16:creationId xmlns:a16="http://schemas.microsoft.com/office/drawing/2014/main" id="{19725314-79C6-44A8-93AD-915ACF4BDC66}"/>
+              </a:ext>
+            </a:extLst>
+          </p:cNvPr>
+          <p:cNvSpPr/>
+          <p:nvPr/>
+        </p:nvSpPr>
+        <p:spPr>
+          <a:xfrm flipH="1" flipV="1">
+            <a:off x="10060236" y="-1104902"/>
+            <a:ext cx="2131763" cy="7917674"/>
+          </a:xfrm>
+          <a:prstGeom prst="rtTriangle">
+            <a:avLst/>
+          </a:prstGeom>
+          <a:solidFill>
+            <a:schemeClr val="accent1">
+              <a:alpha val="30000"/>
+            </a:schemeClr>
+          </a:solidFill>
+          <a:ln>
+            <a:noFill/>
+          </a:ln>
+        </p:spPr>
+        <p:style>
+          <a:lnRef idx="2">
+            <a:schemeClr val="accent1">
+              <a:shade val="50000"/>
+            </a:schemeClr>
+          </a:lnRef>
+          <a:fillRef idx="1">
+            <a:schemeClr val="accent1"/>
+          </a:fillRef>
+          <a:effectRef idx="0">
+            <a:schemeClr val="accent1"/>
+          </a:effectRef>
+          <a:fontRef idx="minor">
+            <a:schemeClr val="lt1"/>
+          </a:fontRef>
+        </p:style>
+        <p:txBody>
+          <a:bodyPr rtlCol="0" anchor="ctr"/>
+          <a:lstStyle/>
+          <a:p>
+            <a:pPr algn="ctr"/>
+            <a:endParaRPr lang="fr-FR"/>
+          </a:p>
+        </p:txBody>
+      </p:sp>
+      <p:sp>
+        <p:nvSpPr>
+          <p:cNvPr id="26" name="Triangle rectangle 25">
+            <a:extLst>
+              <a:ext uri="{FF2B5EF4-FFF2-40B4-BE49-F238E27FC236}">
+                <a16:creationId xmlns:a16="http://schemas.microsoft.com/office/drawing/2014/main" id="{C03BF5B9-853F-4F8B-A41D-EEECB200DCA3}"/>
+              </a:ext>
+            </a:extLst>
+          </p:cNvPr>
+          <p:cNvSpPr/>
+          <p:nvPr/>
+        </p:nvSpPr>
+        <p:spPr>
+          <a:xfrm flipH="1" flipV="1">
+            <a:off x="10554057" y="-1104902"/>
+            <a:ext cx="1630799" cy="7917674"/>
+          </a:xfrm>
+          <a:prstGeom prst="rtTriangle">
+            <a:avLst/>
+          </a:prstGeom>
+          <a:solidFill>
+            <a:schemeClr val="accent1">
+              <a:alpha val="30000"/>
+            </a:schemeClr>
+          </a:solidFill>
+          <a:ln>
+            <a:noFill/>
+          </a:ln>
+        </p:spPr>
+        <p:style>
+          <a:lnRef idx="2">
+            <a:schemeClr val="accent1">
+              <a:shade val="50000"/>
+            </a:schemeClr>
+          </a:lnRef>
+          <a:fillRef idx="1">
+            <a:schemeClr val="accent1"/>
+          </a:fillRef>
+          <a:effectRef idx="0">
+            <a:schemeClr val="accent1"/>
+          </a:effectRef>
+          <a:fontRef idx="minor">
+            <a:schemeClr val="lt1"/>
+          </a:fontRef>
+        </p:style>
+        <p:txBody>
+          <a:bodyPr rtlCol="0" anchor="ctr"/>
+          <a:lstStyle/>
+          <a:p>
+            <a:pPr algn="ctr"/>
+            <a:endParaRPr lang="fr-FR"/>
+          </a:p>
+        </p:txBody>
+      </p:sp>
+      <p:sp>
+        <p:nvSpPr>
+          <p:cNvPr id="27" name="Triangle rectangle 26">
+            <a:extLst>
+              <a:ext uri="{FF2B5EF4-FFF2-40B4-BE49-F238E27FC236}">
+                <a16:creationId xmlns:a16="http://schemas.microsoft.com/office/drawing/2014/main" id="{7AD08F64-5C44-44E4-AAAA-D472DB0F0BEE}"/>
+              </a:ext>
+            </a:extLst>
+          </p:cNvPr>
+          <p:cNvSpPr/>
+          <p:nvPr/>
+        </p:nvSpPr>
+        <p:spPr>
+          <a:xfrm flipH="1" flipV="1">
+            <a:off x="11078156" y="-1104902"/>
+            <a:ext cx="1113846" cy="7917674"/>
+          </a:xfrm>
+          <a:prstGeom prst="rtTriangle">
+            <a:avLst/>
+          </a:prstGeom>
+          <a:solidFill>
+            <a:schemeClr val="accent1">
+              <a:alpha val="30000"/>
+            </a:schemeClr>
+          </a:solidFill>
+          <a:ln>
+            <a:noFill/>
+          </a:ln>
+        </p:spPr>
+        <p:style>
+          <a:lnRef idx="2">
+            <a:schemeClr val="accent1">
+              <a:shade val="50000"/>
+            </a:schemeClr>
+          </a:lnRef>
+          <a:fillRef idx="1">
+            <a:schemeClr val="accent1"/>
+          </a:fillRef>
+          <a:effectRef idx="0">
+            <a:schemeClr val="accent1"/>
+          </a:effectRef>
+          <a:fontRef idx="minor">
+            <a:schemeClr val="lt1"/>
+          </a:fontRef>
+        </p:style>
+        <p:txBody>
+          <a:bodyPr rtlCol="0" anchor="ctr"/>
+          <a:lstStyle/>
+          <a:p>
+            <a:pPr algn="ctr"/>
+            <a:endParaRPr lang="fr-FR"/>
+          </a:p>
+        </p:txBody>
+      </p:sp>
+    </p:spTree>
+    <p:extLst>
+      <p:ext uri="{BB962C8B-B14F-4D97-AF65-F5344CB8AC3E}">
+        <p14:creationId xmlns:p14="http://schemas.microsoft.com/office/powerpoint/2010/main" val="3185614080"/>
+      </p:ext>
+    </p:extLst>
+  </p:cSld>
+  <p:clrMapOvr>
+    <a:masterClrMapping/>
+  </p:clrMapOvr>
+</p:sld>
+</file>
+
+<file path=ppt/slides/slide15.xml><?xml version="1.0" encoding="utf-8"?>
+<p:sld xmlns:a="http://schemas.openxmlformats.org/drawingml/2006/main" xmlns:r="http://schemas.openxmlformats.org/officeDocument/2006/relationships" xmlns:p="http://schemas.openxmlformats.org/presentationml/2006/main">
+  <p:cSld>
+    <p:spTree>
+      <p:nvGrpSpPr>
+        <p:cNvPr id="1" name=""/>
+        <p:cNvGrpSpPr/>
+        <p:nvPr/>
+      </p:nvGrpSpPr>
+      <p:grpSpPr>
+        <a:xfrm>
+          <a:off x="0" y="0"/>
+          <a:ext cx="0" cy="0"/>
+          <a:chOff x="0" y="0"/>
+          <a:chExt cx="0" cy="0"/>
+        </a:xfrm>
+      </p:grpSpPr>
+      <p:sp>
+        <p:nvSpPr>
+          <p:cNvPr id="7" name="ZoneTexte 6">
+            <a:extLst>
+              <a:ext uri="{FF2B5EF4-FFF2-40B4-BE49-F238E27FC236}">
+                <a16:creationId xmlns:a16="http://schemas.microsoft.com/office/drawing/2014/main" id="{2C8B6EA8-1910-4810-918C-B0360DAAAD8A}"/>
+              </a:ext>
+            </a:extLst>
+          </p:cNvPr>
+          <p:cNvSpPr txBox="1"/>
+          <p:nvPr/>
+        </p:nvSpPr>
+        <p:spPr>
+          <a:xfrm>
+            <a:off x="0" y="380712"/>
+            <a:ext cx="12192000" cy="584775"/>
+          </a:xfrm>
+          <a:prstGeom prst="rect">
+            <a:avLst/>
+          </a:prstGeom>
+          <a:noFill/>
+        </p:spPr>
+        <p:txBody>
+          <a:bodyPr wrap="square" rtlCol="0">
+            <a:spAutoFit/>
+          </a:bodyPr>
+          <a:lstStyle/>
+          <a:p>
+            <a:pPr algn="ctr"/>
+            <a:r>
+              <a:rPr lang="fr-FR" sz="3200" b="1" dirty="0"/>
               <a:t>Prototype</a:t>
             </a:r>
           </a:p>
@@ -5231,7 +6020,787 @@
 </p:sld>
 </file>
 
-<file path=ppt/slides/slide14.xml><?xml version="1.0" encoding="utf-8"?>
+<file path=ppt/slides/slide16.xml><?xml version="1.0" encoding="utf-8"?>
+<p:sld xmlns:a="http://schemas.openxmlformats.org/drawingml/2006/main" xmlns:r="http://schemas.openxmlformats.org/officeDocument/2006/relationships" xmlns:p="http://schemas.openxmlformats.org/presentationml/2006/main">
+  <p:cSld>
+    <p:spTree>
+      <p:nvGrpSpPr>
+        <p:cNvPr id="1" name=""/>
+        <p:cNvGrpSpPr/>
+        <p:nvPr/>
+      </p:nvGrpSpPr>
+      <p:grpSpPr>
+        <a:xfrm>
+          <a:off x="0" y="0"/>
+          <a:ext cx="0" cy="0"/>
+          <a:chOff x="0" y="0"/>
+          <a:chExt cx="0" cy="0"/>
+        </a:xfrm>
+      </p:grpSpPr>
+      <p:sp>
+        <p:nvSpPr>
+          <p:cNvPr id="7" name="ZoneTexte 6">
+            <a:extLst>
+              <a:ext uri="{FF2B5EF4-FFF2-40B4-BE49-F238E27FC236}">
+                <a16:creationId xmlns:a16="http://schemas.microsoft.com/office/drawing/2014/main" id="{2C8B6EA8-1910-4810-918C-B0360DAAAD8A}"/>
+              </a:ext>
+            </a:extLst>
+          </p:cNvPr>
+          <p:cNvSpPr txBox="1"/>
+          <p:nvPr/>
+        </p:nvSpPr>
+        <p:spPr>
+          <a:xfrm>
+            <a:off x="0" y="380712"/>
+            <a:ext cx="12192000" cy="584775"/>
+          </a:xfrm>
+          <a:prstGeom prst="rect">
+            <a:avLst/>
+          </a:prstGeom>
+          <a:noFill/>
+        </p:spPr>
+        <p:txBody>
+          <a:bodyPr wrap="square" rtlCol="0">
+            <a:spAutoFit/>
+          </a:bodyPr>
+          <a:lstStyle/>
+          <a:p>
+            <a:pPr algn="ctr"/>
+            <a:r>
+              <a:rPr lang="fr-FR" sz="3200" b="1" dirty="0"/>
+              <a:t>Technologies utilisées pour l’intégration</a:t>
+            </a:r>
+          </a:p>
+        </p:txBody>
+      </p:sp>
+      <p:sp>
+        <p:nvSpPr>
+          <p:cNvPr id="19" name="Triangle rectangle 18">
+            <a:extLst>
+              <a:ext uri="{FF2B5EF4-FFF2-40B4-BE49-F238E27FC236}">
+                <a16:creationId xmlns:a16="http://schemas.microsoft.com/office/drawing/2014/main" id="{8CEB9BC8-6BD3-4CCA-9D70-21A1B3CC6435}"/>
+              </a:ext>
+            </a:extLst>
+          </p:cNvPr>
+          <p:cNvSpPr/>
+          <p:nvPr/>
+        </p:nvSpPr>
+        <p:spPr>
+          <a:xfrm flipH="1">
+            <a:off x="8157029" y="-1104901"/>
+            <a:ext cx="4032590" cy="14592301"/>
+          </a:xfrm>
+          <a:prstGeom prst="rtTriangle">
+            <a:avLst/>
+          </a:prstGeom>
+          <a:solidFill>
+            <a:schemeClr val="accent1">
+              <a:alpha val="30000"/>
+            </a:schemeClr>
+          </a:solidFill>
+          <a:ln>
+            <a:noFill/>
+          </a:ln>
+        </p:spPr>
+        <p:style>
+          <a:lnRef idx="2">
+            <a:schemeClr val="accent1">
+              <a:shade val="50000"/>
+            </a:schemeClr>
+          </a:lnRef>
+          <a:fillRef idx="1">
+            <a:schemeClr val="accent1"/>
+          </a:fillRef>
+          <a:effectRef idx="0">
+            <a:schemeClr val="accent1"/>
+          </a:effectRef>
+          <a:fontRef idx="minor">
+            <a:schemeClr val="lt1"/>
+          </a:fontRef>
+        </p:style>
+        <p:txBody>
+          <a:bodyPr rtlCol="0" anchor="ctr"/>
+          <a:lstStyle/>
+          <a:p>
+            <a:pPr algn="ctr"/>
+            <a:endParaRPr lang="fr-FR"/>
+          </a:p>
+        </p:txBody>
+      </p:sp>
+      <p:sp>
+        <p:nvSpPr>
+          <p:cNvPr id="20" name="Triangle rectangle 19">
+            <a:extLst>
+              <a:ext uri="{FF2B5EF4-FFF2-40B4-BE49-F238E27FC236}">
+                <a16:creationId xmlns:a16="http://schemas.microsoft.com/office/drawing/2014/main" id="{DA99995B-F617-4E79-898E-589DE9F85819}"/>
+              </a:ext>
+            </a:extLst>
+          </p:cNvPr>
+          <p:cNvSpPr/>
+          <p:nvPr/>
+        </p:nvSpPr>
+        <p:spPr>
+          <a:xfrm flipH="1">
+            <a:off x="9104687" y="-1104901"/>
+            <a:ext cx="3084932" cy="14592301"/>
+          </a:xfrm>
+          <a:prstGeom prst="rtTriangle">
+            <a:avLst/>
+          </a:prstGeom>
+          <a:solidFill>
+            <a:schemeClr val="accent1">
+              <a:alpha val="30000"/>
+            </a:schemeClr>
+          </a:solidFill>
+          <a:ln>
+            <a:noFill/>
+          </a:ln>
+        </p:spPr>
+        <p:style>
+          <a:lnRef idx="2">
+            <a:schemeClr val="accent1">
+              <a:shade val="50000"/>
+            </a:schemeClr>
+          </a:lnRef>
+          <a:fillRef idx="1">
+            <a:schemeClr val="accent1"/>
+          </a:fillRef>
+          <a:effectRef idx="0">
+            <a:schemeClr val="accent1"/>
+          </a:effectRef>
+          <a:fontRef idx="minor">
+            <a:schemeClr val="lt1"/>
+          </a:fontRef>
+        </p:style>
+        <p:txBody>
+          <a:bodyPr rtlCol="0" anchor="ctr"/>
+          <a:lstStyle/>
+          <a:p>
+            <a:pPr algn="ctr"/>
+            <a:endParaRPr lang="fr-FR"/>
+          </a:p>
+        </p:txBody>
+      </p:sp>
+      <p:sp>
+        <p:nvSpPr>
+          <p:cNvPr id="21" name="Triangle rectangle 20">
+            <a:extLst>
+              <a:ext uri="{FF2B5EF4-FFF2-40B4-BE49-F238E27FC236}">
+                <a16:creationId xmlns:a16="http://schemas.microsoft.com/office/drawing/2014/main" id="{94C7DAED-1B09-42BA-AC58-4187D4620CF5}"/>
+              </a:ext>
+            </a:extLst>
+          </p:cNvPr>
+          <p:cNvSpPr/>
+          <p:nvPr/>
+        </p:nvSpPr>
+        <p:spPr>
+          <a:xfrm flipH="1">
+            <a:off x="10063540" y="-1104901"/>
+            <a:ext cx="2107028" cy="14592301"/>
+          </a:xfrm>
+          <a:prstGeom prst="rtTriangle">
+            <a:avLst/>
+          </a:prstGeom>
+          <a:solidFill>
+            <a:schemeClr val="accent1">
+              <a:alpha val="30000"/>
+            </a:schemeClr>
+          </a:solidFill>
+          <a:ln>
+            <a:noFill/>
+          </a:ln>
+        </p:spPr>
+        <p:style>
+          <a:lnRef idx="2">
+            <a:schemeClr val="accent1">
+              <a:shade val="50000"/>
+            </a:schemeClr>
+          </a:lnRef>
+          <a:fillRef idx="1">
+            <a:schemeClr val="accent1"/>
+          </a:fillRef>
+          <a:effectRef idx="0">
+            <a:schemeClr val="accent1"/>
+          </a:effectRef>
+          <a:fontRef idx="minor">
+            <a:schemeClr val="lt1"/>
+          </a:fontRef>
+        </p:style>
+        <p:txBody>
+          <a:bodyPr rtlCol="0" anchor="ctr"/>
+          <a:lstStyle/>
+          <a:p>
+            <a:pPr algn="ctr"/>
+            <a:endParaRPr lang="fr-FR"/>
+          </a:p>
+        </p:txBody>
+      </p:sp>
+      <p:sp>
+        <p:nvSpPr>
+          <p:cNvPr id="22" name="Triangle rectangle 21">
+            <a:extLst>
+              <a:ext uri="{FF2B5EF4-FFF2-40B4-BE49-F238E27FC236}">
+                <a16:creationId xmlns:a16="http://schemas.microsoft.com/office/drawing/2014/main" id="{DA708C79-7C01-40E1-A6A1-EC7A2418B9CD}"/>
+              </a:ext>
+            </a:extLst>
+          </p:cNvPr>
+          <p:cNvSpPr/>
+          <p:nvPr/>
+        </p:nvSpPr>
+        <p:spPr>
+          <a:xfrm flipH="1" flipV="1">
+            <a:off x="10060236" y="-1104902"/>
+            <a:ext cx="2131763" cy="7917674"/>
+          </a:xfrm>
+          <a:prstGeom prst="rtTriangle">
+            <a:avLst/>
+          </a:prstGeom>
+          <a:solidFill>
+            <a:schemeClr val="accent1">
+              <a:alpha val="30000"/>
+            </a:schemeClr>
+          </a:solidFill>
+          <a:ln>
+            <a:noFill/>
+          </a:ln>
+        </p:spPr>
+        <p:style>
+          <a:lnRef idx="2">
+            <a:schemeClr val="accent1">
+              <a:shade val="50000"/>
+            </a:schemeClr>
+          </a:lnRef>
+          <a:fillRef idx="1">
+            <a:schemeClr val="accent1"/>
+          </a:fillRef>
+          <a:effectRef idx="0">
+            <a:schemeClr val="accent1"/>
+          </a:effectRef>
+          <a:fontRef idx="minor">
+            <a:schemeClr val="lt1"/>
+          </a:fontRef>
+        </p:style>
+        <p:txBody>
+          <a:bodyPr rtlCol="0" anchor="ctr"/>
+          <a:lstStyle/>
+          <a:p>
+            <a:pPr algn="ctr"/>
+            <a:endParaRPr lang="fr-FR"/>
+          </a:p>
+        </p:txBody>
+      </p:sp>
+      <p:sp>
+        <p:nvSpPr>
+          <p:cNvPr id="23" name="Triangle rectangle 22">
+            <a:extLst>
+              <a:ext uri="{FF2B5EF4-FFF2-40B4-BE49-F238E27FC236}">
+                <a16:creationId xmlns:a16="http://schemas.microsoft.com/office/drawing/2014/main" id="{1A0E9608-3D70-4A9C-8381-CBCF97A72F40}"/>
+              </a:ext>
+            </a:extLst>
+          </p:cNvPr>
+          <p:cNvSpPr/>
+          <p:nvPr/>
+        </p:nvSpPr>
+        <p:spPr>
+          <a:xfrm flipH="1" flipV="1">
+            <a:off x="10554057" y="-1104902"/>
+            <a:ext cx="1630799" cy="7917674"/>
+          </a:xfrm>
+          <a:prstGeom prst="rtTriangle">
+            <a:avLst/>
+          </a:prstGeom>
+          <a:solidFill>
+            <a:schemeClr val="accent1">
+              <a:alpha val="30000"/>
+            </a:schemeClr>
+          </a:solidFill>
+          <a:ln>
+            <a:noFill/>
+          </a:ln>
+        </p:spPr>
+        <p:style>
+          <a:lnRef idx="2">
+            <a:schemeClr val="accent1">
+              <a:shade val="50000"/>
+            </a:schemeClr>
+          </a:lnRef>
+          <a:fillRef idx="1">
+            <a:schemeClr val="accent1"/>
+          </a:fillRef>
+          <a:effectRef idx="0">
+            <a:schemeClr val="accent1"/>
+          </a:effectRef>
+          <a:fontRef idx="minor">
+            <a:schemeClr val="lt1"/>
+          </a:fontRef>
+        </p:style>
+        <p:txBody>
+          <a:bodyPr rtlCol="0" anchor="ctr"/>
+          <a:lstStyle/>
+          <a:p>
+            <a:pPr algn="ctr"/>
+            <a:endParaRPr lang="fr-FR"/>
+          </a:p>
+        </p:txBody>
+      </p:sp>
+      <p:sp>
+        <p:nvSpPr>
+          <p:cNvPr id="24" name="Triangle rectangle 23">
+            <a:extLst>
+              <a:ext uri="{FF2B5EF4-FFF2-40B4-BE49-F238E27FC236}">
+                <a16:creationId xmlns:a16="http://schemas.microsoft.com/office/drawing/2014/main" id="{77460008-F034-4886-9D87-526A91C1AD45}"/>
+              </a:ext>
+            </a:extLst>
+          </p:cNvPr>
+          <p:cNvSpPr/>
+          <p:nvPr/>
+        </p:nvSpPr>
+        <p:spPr>
+          <a:xfrm flipH="1" flipV="1">
+            <a:off x="11078156" y="-1104902"/>
+            <a:ext cx="1113846" cy="7917674"/>
+          </a:xfrm>
+          <a:prstGeom prst="rtTriangle">
+            <a:avLst/>
+          </a:prstGeom>
+          <a:solidFill>
+            <a:schemeClr val="accent1">
+              <a:alpha val="30000"/>
+            </a:schemeClr>
+          </a:solidFill>
+          <a:ln>
+            <a:noFill/>
+          </a:ln>
+        </p:spPr>
+        <p:style>
+          <a:lnRef idx="2">
+            <a:schemeClr val="accent1">
+              <a:shade val="50000"/>
+            </a:schemeClr>
+          </a:lnRef>
+          <a:fillRef idx="1">
+            <a:schemeClr val="accent1"/>
+          </a:fillRef>
+          <a:effectRef idx="0">
+            <a:schemeClr val="accent1"/>
+          </a:effectRef>
+          <a:fontRef idx="minor">
+            <a:schemeClr val="lt1"/>
+          </a:fontRef>
+        </p:style>
+        <p:txBody>
+          <a:bodyPr rtlCol="0" anchor="ctr"/>
+          <a:lstStyle/>
+          <a:p>
+            <a:pPr algn="ctr"/>
+            <a:endParaRPr lang="fr-FR"/>
+          </a:p>
+        </p:txBody>
+      </p:sp>
+    </p:spTree>
+    <p:extLst>
+      <p:ext uri="{BB962C8B-B14F-4D97-AF65-F5344CB8AC3E}">
+        <p14:creationId xmlns:p14="http://schemas.microsoft.com/office/powerpoint/2010/main" val="621299044"/>
+      </p:ext>
+    </p:extLst>
+  </p:cSld>
+  <p:clrMapOvr>
+    <a:masterClrMapping/>
+  </p:clrMapOvr>
+</p:sld>
+</file>
+
+<file path=ppt/slides/slide17.xml><?xml version="1.0" encoding="utf-8"?>
+<p:sld xmlns:a="http://schemas.openxmlformats.org/drawingml/2006/main" xmlns:r="http://schemas.openxmlformats.org/officeDocument/2006/relationships" xmlns:p="http://schemas.openxmlformats.org/presentationml/2006/main">
+  <p:cSld>
+    <p:spTree>
+      <p:nvGrpSpPr>
+        <p:cNvPr id="1" name=""/>
+        <p:cNvGrpSpPr/>
+        <p:nvPr/>
+      </p:nvGrpSpPr>
+      <p:grpSpPr>
+        <a:xfrm>
+          <a:off x="0" y="0"/>
+          <a:ext cx="0" cy="0"/>
+          <a:chOff x="0" y="0"/>
+          <a:chExt cx="0" cy="0"/>
+        </a:xfrm>
+      </p:grpSpPr>
+      <p:sp>
+        <p:nvSpPr>
+          <p:cNvPr id="7" name="ZoneTexte 6">
+            <a:extLst>
+              <a:ext uri="{FF2B5EF4-FFF2-40B4-BE49-F238E27FC236}">
+                <a16:creationId xmlns:a16="http://schemas.microsoft.com/office/drawing/2014/main" id="{2C8B6EA8-1910-4810-918C-B0360DAAAD8A}"/>
+              </a:ext>
+            </a:extLst>
+          </p:cNvPr>
+          <p:cNvSpPr txBox="1"/>
+          <p:nvPr/>
+        </p:nvSpPr>
+        <p:spPr>
+          <a:xfrm>
+            <a:off x="0" y="380712"/>
+            <a:ext cx="12192000" cy="584775"/>
+          </a:xfrm>
+          <a:prstGeom prst="rect">
+            <a:avLst/>
+          </a:prstGeom>
+          <a:noFill/>
+        </p:spPr>
+        <p:txBody>
+          <a:bodyPr wrap="square" rtlCol="0">
+            <a:spAutoFit/>
+          </a:bodyPr>
+          <a:lstStyle/>
+          <a:p>
+            <a:pPr algn="ctr"/>
+            <a:r>
+              <a:rPr lang="fr-FR" sz="3200" b="1" dirty="0"/>
+              <a:t>Extensions WordPress</a:t>
+            </a:r>
+          </a:p>
+        </p:txBody>
+      </p:sp>
+      <p:sp>
+        <p:nvSpPr>
+          <p:cNvPr id="19" name="Triangle rectangle 18">
+            <a:extLst>
+              <a:ext uri="{FF2B5EF4-FFF2-40B4-BE49-F238E27FC236}">
+                <a16:creationId xmlns:a16="http://schemas.microsoft.com/office/drawing/2014/main" id="{8CEB9BC8-6BD3-4CCA-9D70-21A1B3CC6435}"/>
+              </a:ext>
+            </a:extLst>
+          </p:cNvPr>
+          <p:cNvSpPr/>
+          <p:nvPr/>
+        </p:nvSpPr>
+        <p:spPr>
+          <a:xfrm flipH="1">
+            <a:off x="8157029" y="-1104901"/>
+            <a:ext cx="4032590" cy="14592301"/>
+          </a:xfrm>
+          <a:prstGeom prst="rtTriangle">
+            <a:avLst/>
+          </a:prstGeom>
+          <a:solidFill>
+            <a:schemeClr val="accent1">
+              <a:alpha val="30000"/>
+            </a:schemeClr>
+          </a:solidFill>
+          <a:ln>
+            <a:noFill/>
+          </a:ln>
+        </p:spPr>
+        <p:style>
+          <a:lnRef idx="2">
+            <a:schemeClr val="accent1">
+              <a:shade val="50000"/>
+            </a:schemeClr>
+          </a:lnRef>
+          <a:fillRef idx="1">
+            <a:schemeClr val="accent1"/>
+          </a:fillRef>
+          <a:effectRef idx="0">
+            <a:schemeClr val="accent1"/>
+          </a:effectRef>
+          <a:fontRef idx="minor">
+            <a:schemeClr val="lt1"/>
+          </a:fontRef>
+        </p:style>
+        <p:txBody>
+          <a:bodyPr rtlCol="0" anchor="ctr"/>
+          <a:lstStyle/>
+          <a:p>
+            <a:pPr algn="ctr"/>
+            <a:endParaRPr lang="fr-FR"/>
+          </a:p>
+        </p:txBody>
+      </p:sp>
+      <p:sp>
+        <p:nvSpPr>
+          <p:cNvPr id="20" name="Triangle rectangle 19">
+            <a:extLst>
+              <a:ext uri="{FF2B5EF4-FFF2-40B4-BE49-F238E27FC236}">
+                <a16:creationId xmlns:a16="http://schemas.microsoft.com/office/drawing/2014/main" id="{DA99995B-F617-4E79-898E-589DE9F85819}"/>
+              </a:ext>
+            </a:extLst>
+          </p:cNvPr>
+          <p:cNvSpPr/>
+          <p:nvPr/>
+        </p:nvSpPr>
+        <p:spPr>
+          <a:xfrm flipH="1">
+            <a:off x="9104687" y="-1104901"/>
+            <a:ext cx="3084932" cy="14592301"/>
+          </a:xfrm>
+          <a:prstGeom prst="rtTriangle">
+            <a:avLst/>
+          </a:prstGeom>
+          <a:solidFill>
+            <a:schemeClr val="accent1">
+              <a:alpha val="30000"/>
+            </a:schemeClr>
+          </a:solidFill>
+          <a:ln>
+            <a:noFill/>
+          </a:ln>
+        </p:spPr>
+        <p:style>
+          <a:lnRef idx="2">
+            <a:schemeClr val="accent1">
+              <a:shade val="50000"/>
+            </a:schemeClr>
+          </a:lnRef>
+          <a:fillRef idx="1">
+            <a:schemeClr val="accent1"/>
+          </a:fillRef>
+          <a:effectRef idx="0">
+            <a:schemeClr val="accent1"/>
+          </a:effectRef>
+          <a:fontRef idx="minor">
+            <a:schemeClr val="lt1"/>
+          </a:fontRef>
+        </p:style>
+        <p:txBody>
+          <a:bodyPr rtlCol="0" anchor="ctr"/>
+          <a:lstStyle/>
+          <a:p>
+            <a:pPr algn="ctr"/>
+            <a:endParaRPr lang="fr-FR"/>
+          </a:p>
+        </p:txBody>
+      </p:sp>
+      <p:sp>
+        <p:nvSpPr>
+          <p:cNvPr id="21" name="Triangle rectangle 20">
+            <a:extLst>
+              <a:ext uri="{FF2B5EF4-FFF2-40B4-BE49-F238E27FC236}">
+                <a16:creationId xmlns:a16="http://schemas.microsoft.com/office/drawing/2014/main" id="{94C7DAED-1B09-42BA-AC58-4187D4620CF5}"/>
+              </a:ext>
+            </a:extLst>
+          </p:cNvPr>
+          <p:cNvSpPr/>
+          <p:nvPr/>
+        </p:nvSpPr>
+        <p:spPr>
+          <a:xfrm flipH="1">
+            <a:off x="10063540" y="-1104901"/>
+            <a:ext cx="2107028" cy="14592301"/>
+          </a:xfrm>
+          <a:prstGeom prst="rtTriangle">
+            <a:avLst/>
+          </a:prstGeom>
+          <a:solidFill>
+            <a:schemeClr val="accent1">
+              <a:alpha val="30000"/>
+            </a:schemeClr>
+          </a:solidFill>
+          <a:ln>
+            <a:noFill/>
+          </a:ln>
+        </p:spPr>
+        <p:style>
+          <a:lnRef idx="2">
+            <a:schemeClr val="accent1">
+              <a:shade val="50000"/>
+            </a:schemeClr>
+          </a:lnRef>
+          <a:fillRef idx="1">
+            <a:schemeClr val="accent1"/>
+          </a:fillRef>
+          <a:effectRef idx="0">
+            <a:schemeClr val="accent1"/>
+          </a:effectRef>
+          <a:fontRef idx="minor">
+            <a:schemeClr val="lt1"/>
+          </a:fontRef>
+        </p:style>
+        <p:txBody>
+          <a:bodyPr rtlCol="0" anchor="ctr"/>
+          <a:lstStyle/>
+          <a:p>
+            <a:pPr algn="ctr"/>
+            <a:endParaRPr lang="fr-FR"/>
+          </a:p>
+        </p:txBody>
+      </p:sp>
+      <p:sp>
+        <p:nvSpPr>
+          <p:cNvPr id="22" name="Triangle rectangle 21">
+            <a:extLst>
+              <a:ext uri="{FF2B5EF4-FFF2-40B4-BE49-F238E27FC236}">
+                <a16:creationId xmlns:a16="http://schemas.microsoft.com/office/drawing/2014/main" id="{DA708C79-7C01-40E1-A6A1-EC7A2418B9CD}"/>
+              </a:ext>
+            </a:extLst>
+          </p:cNvPr>
+          <p:cNvSpPr/>
+          <p:nvPr/>
+        </p:nvSpPr>
+        <p:spPr>
+          <a:xfrm flipH="1" flipV="1">
+            <a:off x="10060236" y="-1104902"/>
+            <a:ext cx="2131763" cy="7917674"/>
+          </a:xfrm>
+          <a:prstGeom prst="rtTriangle">
+            <a:avLst/>
+          </a:prstGeom>
+          <a:solidFill>
+            <a:schemeClr val="accent1">
+              <a:alpha val="30000"/>
+            </a:schemeClr>
+          </a:solidFill>
+          <a:ln>
+            <a:noFill/>
+          </a:ln>
+        </p:spPr>
+        <p:style>
+          <a:lnRef idx="2">
+            <a:schemeClr val="accent1">
+              <a:shade val="50000"/>
+            </a:schemeClr>
+          </a:lnRef>
+          <a:fillRef idx="1">
+            <a:schemeClr val="accent1"/>
+          </a:fillRef>
+          <a:effectRef idx="0">
+            <a:schemeClr val="accent1"/>
+          </a:effectRef>
+          <a:fontRef idx="minor">
+            <a:schemeClr val="lt1"/>
+          </a:fontRef>
+        </p:style>
+        <p:txBody>
+          <a:bodyPr rtlCol="0" anchor="ctr"/>
+          <a:lstStyle/>
+          <a:p>
+            <a:pPr algn="ctr"/>
+            <a:endParaRPr lang="fr-FR"/>
+          </a:p>
+        </p:txBody>
+      </p:sp>
+      <p:sp>
+        <p:nvSpPr>
+          <p:cNvPr id="23" name="Triangle rectangle 22">
+            <a:extLst>
+              <a:ext uri="{FF2B5EF4-FFF2-40B4-BE49-F238E27FC236}">
+                <a16:creationId xmlns:a16="http://schemas.microsoft.com/office/drawing/2014/main" id="{1A0E9608-3D70-4A9C-8381-CBCF97A72F40}"/>
+              </a:ext>
+            </a:extLst>
+          </p:cNvPr>
+          <p:cNvSpPr/>
+          <p:nvPr/>
+        </p:nvSpPr>
+        <p:spPr>
+          <a:xfrm flipH="1" flipV="1">
+            <a:off x="10554057" y="-1104902"/>
+            <a:ext cx="1630799" cy="7917674"/>
+          </a:xfrm>
+          <a:prstGeom prst="rtTriangle">
+            <a:avLst/>
+          </a:prstGeom>
+          <a:solidFill>
+            <a:schemeClr val="accent1">
+              <a:alpha val="30000"/>
+            </a:schemeClr>
+          </a:solidFill>
+          <a:ln>
+            <a:noFill/>
+          </a:ln>
+        </p:spPr>
+        <p:style>
+          <a:lnRef idx="2">
+            <a:schemeClr val="accent1">
+              <a:shade val="50000"/>
+            </a:schemeClr>
+          </a:lnRef>
+          <a:fillRef idx="1">
+            <a:schemeClr val="accent1"/>
+          </a:fillRef>
+          <a:effectRef idx="0">
+            <a:schemeClr val="accent1"/>
+          </a:effectRef>
+          <a:fontRef idx="minor">
+            <a:schemeClr val="lt1"/>
+          </a:fontRef>
+        </p:style>
+        <p:txBody>
+          <a:bodyPr rtlCol="0" anchor="ctr"/>
+          <a:lstStyle/>
+          <a:p>
+            <a:pPr algn="ctr"/>
+            <a:endParaRPr lang="fr-FR"/>
+          </a:p>
+        </p:txBody>
+      </p:sp>
+      <p:sp>
+        <p:nvSpPr>
+          <p:cNvPr id="24" name="Triangle rectangle 23">
+            <a:extLst>
+              <a:ext uri="{FF2B5EF4-FFF2-40B4-BE49-F238E27FC236}">
+                <a16:creationId xmlns:a16="http://schemas.microsoft.com/office/drawing/2014/main" id="{77460008-F034-4886-9D87-526A91C1AD45}"/>
+              </a:ext>
+            </a:extLst>
+          </p:cNvPr>
+          <p:cNvSpPr/>
+          <p:nvPr/>
+        </p:nvSpPr>
+        <p:spPr>
+          <a:xfrm flipH="1" flipV="1">
+            <a:off x="11078156" y="-1104902"/>
+            <a:ext cx="1113846" cy="7917674"/>
+          </a:xfrm>
+          <a:prstGeom prst="rtTriangle">
+            <a:avLst/>
+          </a:prstGeom>
+          <a:solidFill>
+            <a:schemeClr val="accent1">
+              <a:alpha val="30000"/>
+            </a:schemeClr>
+          </a:solidFill>
+          <a:ln>
+            <a:noFill/>
+          </a:ln>
+        </p:spPr>
+        <p:style>
+          <a:lnRef idx="2">
+            <a:schemeClr val="accent1">
+              <a:shade val="50000"/>
+            </a:schemeClr>
+          </a:lnRef>
+          <a:fillRef idx="1">
+            <a:schemeClr val="accent1"/>
+          </a:fillRef>
+          <a:effectRef idx="0">
+            <a:schemeClr val="accent1"/>
+          </a:effectRef>
+          <a:fontRef idx="minor">
+            <a:schemeClr val="lt1"/>
+          </a:fontRef>
+        </p:style>
+        <p:txBody>
+          <a:bodyPr rtlCol="0" anchor="ctr"/>
+          <a:lstStyle/>
+          <a:p>
+            <a:pPr algn="ctr"/>
+            <a:endParaRPr lang="fr-FR"/>
+          </a:p>
+        </p:txBody>
+      </p:sp>
+    </p:spTree>
+    <p:extLst>
+      <p:ext uri="{BB962C8B-B14F-4D97-AF65-F5344CB8AC3E}">
+        <p14:creationId xmlns:p14="http://schemas.microsoft.com/office/powerpoint/2010/main" val="3988552272"/>
+      </p:ext>
+    </p:extLst>
+  </p:cSld>
+  <p:clrMapOvr>
+    <a:masterClrMapping/>
+  </p:clrMapOvr>
+</p:sld>
+</file>
+
+<file path=ppt/slides/slide18.xml><?xml version="1.0" encoding="utf-8"?>
 <p:sld xmlns:a="http://schemas.openxmlformats.org/drawingml/2006/main" xmlns:r="http://schemas.openxmlformats.org/officeDocument/2006/relationships" xmlns:p="http://schemas.openxmlformats.org/presentationml/2006/main">
   <p:cSld>
     <p:spTree>
@@ -5998,6 +7567,41 @@
           </a:p>
         </p:txBody>
       </p:sp>
+      <p:sp>
+        <p:nvSpPr>
+          <p:cNvPr id="2" name="ZoneTexte 1">
+            <a:extLst>
+              <a:ext uri="{FF2B5EF4-FFF2-40B4-BE49-F238E27FC236}">
+                <a16:creationId xmlns:a16="http://schemas.microsoft.com/office/drawing/2014/main" id="{35C8E692-B6EB-4C31-9E41-0BEE9EF9723F}"/>
+              </a:ext>
+            </a:extLst>
+          </p:cNvPr>
+          <p:cNvSpPr txBox="1"/>
+          <p:nvPr/>
+        </p:nvSpPr>
+        <p:spPr>
+          <a:xfrm>
+            <a:off x="733646" y="1789380"/>
+            <a:ext cx="3870251" cy="1323439"/>
+          </a:xfrm>
+          <a:prstGeom prst="rect">
+            <a:avLst/>
+          </a:prstGeom>
+          <a:noFill/>
+        </p:spPr>
+        <p:txBody>
+          <a:bodyPr wrap="square" rtlCol="0">
+            <a:spAutoFit/>
+          </a:bodyPr>
+          <a:lstStyle/>
+          <a:p>
+            <a:r>
+              <a:rPr lang="fr-FR" sz="2000" dirty="0"/>
+              <a:t>Fonder une Web Agency, définir son identité graphique et créer un site d’agence basé sur un thème Wordpress.</a:t>
+            </a:r>
+          </a:p>
+        </p:txBody>
+      </p:sp>
     </p:spTree>
     <p:extLst>
       <p:ext uri="{BB962C8B-B14F-4D97-AF65-F5344CB8AC3E}">
@@ -6449,17 +8053,17 @@
             <a:pPr algn="ctr"/>
             <a:r>
               <a:rPr lang="fr-FR" sz="3200" b="1" dirty="0"/>
-              <a:t>Publique cible</a:t>
+              <a:t>Présentation de l’équipe</a:t>
             </a:r>
           </a:p>
         </p:txBody>
       </p:sp>
       <p:sp>
         <p:nvSpPr>
-          <p:cNvPr id="22" name="Triangle rectangle 21">
-            <a:extLst>
-              <a:ext uri="{FF2B5EF4-FFF2-40B4-BE49-F238E27FC236}">
-                <a16:creationId xmlns:a16="http://schemas.microsoft.com/office/drawing/2014/main" id="{CE1AF5BE-BFE7-444C-B125-9B1C0E52A1E5}"/>
+          <p:cNvPr id="25" name="Triangle rectangle 24">
+            <a:extLst>
+              <a:ext uri="{FF2B5EF4-FFF2-40B4-BE49-F238E27FC236}">
+                <a16:creationId xmlns:a16="http://schemas.microsoft.com/office/drawing/2014/main" id="{4115706E-6462-42C1-822B-D8A1DA9EBBF2}"/>
               </a:ext>
             </a:extLst>
           </p:cNvPr>
@@ -6510,10 +8114,10 @@
       </p:sp>
       <p:sp>
         <p:nvSpPr>
-          <p:cNvPr id="23" name="Triangle rectangle 22">
-            <a:extLst>
-              <a:ext uri="{FF2B5EF4-FFF2-40B4-BE49-F238E27FC236}">
-                <a16:creationId xmlns:a16="http://schemas.microsoft.com/office/drawing/2014/main" id="{B8AC1EAF-63D7-4C8E-B3F5-8164535A1635}"/>
+          <p:cNvPr id="26" name="Triangle rectangle 25">
+            <a:extLst>
+              <a:ext uri="{FF2B5EF4-FFF2-40B4-BE49-F238E27FC236}">
+                <a16:creationId xmlns:a16="http://schemas.microsoft.com/office/drawing/2014/main" id="{10CB554E-83CF-4BFA-AAD1-E0F8B980B477}"/>
               </a:ext>
             </a:extLst>
           </p:cNvPr>
@@ -6564,10 +8168,10 @@
       </p:sp>
       <p:sp>
         <p:nvSpPr>
-          <p:cNvPr id="24" name="Triangle rectangle 23">
-            <a:extLst>
-              <a:ext uri="{FF2B5EF4-FFF2-40B4-BE49-F238E27FC236}">
-                <a16:creationId xmlns:a16="http://schemas.microsoft.com/office/drawing/2014/main" id="{9F250202-8F7A-44A8-B222-2D189B0F9D55}"/>
+          <p:cNvPr id="27" name="Triangle rectangle 26">
+            <a:extLst>
+              <a:ext uri="{FF2B5EF4-FFF2-40B4-BE49-F238E27FC236}">
+                <a16:creationId xmlns:a16="http://schemas.microsoft.com/office/drawing/2014/main" id="{E556F98A-8117-4B17-BC8B-48962E84B6B3}"/>
               </a:ext>
             </a:extLst>
           </p:cNvPr>
@@ -6618,10 +8222,10 @@
       </p:sp>
       <p:sp>
         <p:nvSpPr>
-          <p:cNvPr id="25" name="Triangle rectangle 24">
-            <a:extLst>
-              <a:ext uri="{FF2B5EF4-FFF2-40B4-BE49-F238E27FC236}">
-                <a16:creationId xmlns:a16="http://schemas.microsoft.com/office/drawing/2014/main" id="{2F89881F-86E4-4C76-8666-E74A9D45FE75}"/>
+          <p:cNvPr id="28" name="Triangle rectangle 27">
+            <a:extLst>
+              <a:ext uri="{FF2B5EF4-FFF2-40B4-BE49-F238E27FC236}">
+                <a16:creationId xmlns:a16="http://schemas.microsoft.com/office/drawing/2014/main" id="{8ABF7E82-E3F8-4FAC-B414-B5B688752112}"/>
               </a:ext>
             </a:extLst>
           </p:cNvPr>
@@ -6672,10 +8276,10 @@
       </p:sp>
       <p:sp>
         <p:nvSpPr>
-          <p:cNvPr id="26" name="Triangle rectangle 25">
-            <a:extLst>
-              <a:ext uri="{FF2B5EF4-FFF2-40B4-BE49-F238E27FC236}">
-                <a16:creationId xmlns:a16="http://schemas.microsoft.com/office/drawing/2014/main" id="{2950EB5C-6596-4B1C-BAFD-3DD54BF53633}"/>
+          <p:cNvPr id="29" name="Triangle rectangle 28">
+            <a:extLst>
+              <a:ext uri="{FF2B5EF4-FFF2-40B4-BE49-F238E27FC236}">
+                <a16:creationId xmlns:a16="http://schemas.microsoft.com/office/drawing/2014/main" id="{DAE675BA-9D0A-4AA0-A140-88F6DD97B943}"/>
               </a:ext>
             </a:extLst>
           </p:cNvPr>
@@ -6726,10 +8330,10 @@
       </p:sp>
       <p:sp>
         <p:nvSpPr>
-          <p:cNvPr id="27" name="Triangle rectangle 26">
-            <a:extLst>
-              <a:ext uri="{FF2B5EF4-FFF2-40B4-BE49-F238E27FC236}">
-                <a16:creationId xmlns:a16="http://schemas.microsoft.com/office/drawing/2014/main" id="{410846C8-B01E-44B3-9C12-6CED9951F6A8}"/>
+          <p:cNvPr id="30" name="Triangle rectangle 29">
+            <a:extLst>
+              <a:ext uri="{FF2B5EF4-FFF2-40B4-BE49-F238E27FC236}">
+                <a16:creationId xmlns:a16="http://schemas.microsoft.com/office/drawing/2014/main" id="{A275168B-9807-4864-A7BC-F070D3658026}"/>
               </a:ext>
             </a:extLst>
           </p:cNvPr>
@@ -6781,7 +8385,7 @@
     </p:spTree>
     <p:extLst>
       <p:ext uri="{BB962C8B-B14F-4D97-AF65-F5344CB8AC3E}">
-        <p14:creationId xmlns:p14="http://schemas.microsoft.com/office/powerpoint/2010/main" val="1092056584"/>
+        <p14:creationId xmlns:p14="http://schemas.microsoft.com/office/powerpoint/2010/main" val="2951746845"/>
       </p:ext>
     </p:extLst>
   </p:cSld>
@@ -6839,7 +8443,7 @@
             <a:pPr algn="ctr"/>
             <a:r>
               <a:rPr lang="fr-FR" sz="3200" b="1" dirty="0"/>
-              <a:t>Support cible</a:t>
+              <a:t>Publique cible</a:t>
             </a:r>
           </a:p>
         </p:txBody>
@@ -6849,7 +8453,7 @@
           <p:cNvPr id="22" name="Triangle rectangle 21">
             <a:extLst>
               <a:ext uri="{FF2B5EF4-FFF2-40B4-BE49-F238E27FC236}">
-                <a16:creationId xmlns:a16="http://schemas.microsoft.com/office/drawing/2014/main" id="{540779BE-97C0-4B83-9847-806C65A6E5A3}"/>
+                <a16:creationId xmlns:a16="http://schemas.microsoft.com/office/drawing/2014/main" id="{CE1AF5BE-BFE7-444C-B125-9B1C0E52A1E5}"/>
               </a:ext>
             </a:extLst>
           </p:cNvPr>
@@ -6903,7 +8507,7 @@
           <p:cNvPr id="23" name="Triangle rectangle 22">
             <a:extLst>
               <a:ext uri="{FF2B5EF4-FFF2-40B4-BE49-F238E27FC236}">
-                <a16:creationId xmlns:a16="http://schemas.microsoft.com/office/drawing/2014/main" id="{D1B766A9-9413-4678-A2E7-C2A08981BE16}"/>
+                <a16:creationId xmlns:a16="http://schemas.microsoft.com/office/drawing/2014/main" id="{B8AC1EAF-63D7-4C8E-B3F5-8164535A1635}"/>
               </a:ext>
             </a:extLst>
           </p:cNvPr>
@@ -6957,7 +8561,7 @@
           <p:cNvPr id="24" name="Triangle rectangle 23">
             <a:extLst>
               <a:ext uri="{FF2B5EF4-FFF2-40B4-BE49-F238E27FC236}">
-                <a16:creationId xmlns:a16="http://schemas.microsoft.com/office/drawing/2014/main" id="{8757729C-7B63-40C3-80E2-8E0144ABC2DD}"/>
+                <a16:creationId xmlns:a16="http://schemas.microsoft.com/office/drawing/2014/main" id="{9F250202-8F7A-44A8-B222-2D189B0F9D55}"/>
               </a:ext>
             </a:extLst>
           </p:cNvPr>
@@ -7011,7 +8615,7 @@
           <p:cNvPr id="25" name="Triangle rectangle 24">
             <a:extLst>
               <a:ext uri="{FF2B5EF4-FFF2-40B4-BE49-F238E27FC236}">
-                <a16:creationId xmlns:a16="http://schemas.microsoft.com/office/drawing/2014/main" id="{89113396-07C7-4220-BBB8-7F2066A43C66}"/>
+                <a16:creationId xmlns:a16="http://schemas.microsoft.com/office/drawing/2014/main" id="{2F89881F-86E4-4C76-8666-E74A9D45FE75}"/>
               </a:ext>
             </a:extLst>
           </p:cNvPr>
@@ -7065,7 +8669,7 @@
           <p:cNvPr id="26" name="Triangle rectangle 25">
             <a:extLst>
               <a:ext uri="{FF2B5EF4-FFF2-40B4-BE49-F238E27FC236}">
-                <a16:creationId xmlns:a16="http://schemas.microsoft.com/office/drawing/2014/main" id="{61ECD093-B5B7-4BC2-82AF-845581C52994}"/>
+                <a16:creationId xmlns:a16="http://schemas.microsoft.com/office/drawing/2014/main" id="{2950EB5C-6596-4B1C-BAFD-3DD54BF53633}"/>
               </a:ext>
             </a:extLst>
           </p:cNvPr>
@@ -7119,7 +8723,7 @@
           <p:cNvPr id="27" name="Triangle rectangle 26">
             <a:extLst>
               <a:ext uri="{FF2B5EF4-FFF2-40B4-BE49-F238E27FC236}">
-                <a16:creationId xmlns:a16="http://schemas.microsoft.com/office/drawing/2014/main" id="{5DF64269-648D-47E1-A405-25CFA201E626}"/>
+                <a16:creationId xmlns:a16="http://schemas.microsoft.com/office/drawing/2014/main" id="{410846C8-B01E-44B3-9C12-6CED9951F6A8}"/>
               </a:ext>
             </a:extLst>
           </p:cNvPr>
@@ -7171,7 +8775,7 @@
     </p:spTree>
     <p:extLst>
       <p:ext uri="{BB962C8B-B14F-4D97-AF65-F5344CB8AC3E}">
-        <p14:creationId xmlns:p14="http://schemas.microsoft.com/office/powerpoint/2010/main" val="54333111"/>
+        <p14:creationId xmlns:p14="http://schemas.microsoft.com/office/powerpoint/2010/main" val="1092056584"/>
       </p:ext>
     </p:extLst>
   </p:cSld>
@@ -7229,7 +8833,7 @@
             <a:pPr algn="ctr"/>
             <a:r>
               <a:rPr lang="fr-FR" sz="3200" b="1" dirty="0"/>
-              <a:t>Benchmark</a:t>
+              <a:t>Support cible</a:t>
             </a:r>
           </a:p>
         </p:txBody>
@@ -7239,7 +8843,7 @@
           <p:cNvPr id="22" name="Triangle rectangle 21">
             <a:extLst>
               <a:ext uri="{FF2B5EF4-FFF2-40B4-BE49-F238E27FC236}">
-                <a16:creationId xmlns:a16="http://schemas.microsoft.com/office/drawing/2014/main" id="{D42A9609-72D2-49DD-94A3-CE5B2AB05F3E}"/>
+                <a16:creationId xmlns:a16="http://schemas.microsoft.com/office/drawing/2014/main" id="{540779BE-97C0-4B83-9847-806C65A6E5A3}"/>
               </a:ext>
             </a:extLst>
           </p:cNvPr>
@@ -7293,7 +8897,7 @@
           <p:cNvPr id="23" name="Triangle rectangle 22">
             <a:extLst>
               <a:ext uri="{FF2B5EF4-FFF2-40B4-BE49-F238E27FC236}">
-                <a16:creationId xmlns:a16="http://schemas.microsoft.com/office/drawing/2014/main" id="{926262D8-975C-466C-98EE-1A815955630B}"/>
+                <a16:creationId xmlns:a16="http://schemas.microsoft.com/office/drawing/2014/main" id="{D1B766A9-9413-4678-A2E7-C2A08981BE16}"/>
               </a:ext>
             </a:extLst>
           </p:cNvPr>
@@ -7347,7 +8951,7 @@
           <p:cNvPr id="24" name="Triangle rectangle 23">
             <a:extLst>
               <a:ext uri="{FF2B5EF4-FFF2-40B4-BE49-F238E27FC236}">
-                <a16:creationId xmlns:a16="http://schemas.microsoft.com/office/drawing/2014/main" id="{763B3809-72A7-423C-BA60-EDDD6D0A5917}"/>
+                <a16:creationId xmlns:a16="http://schemas.microsoft.com/office/drawing/2014/main" id="{8757729C-7B63-40C3-80E2-8E0144ABC2DD}"/>
               </a:ext>
             </a:extLst>
           </p:cNvPr>
@@ -7401,7 +9005,7 @@
           <p:cNvPr id="25" name="Triangle rectangle 24">
             <a:extLst>
               <a:ext uri="{FF2B5EF4-FFF2-40B4-BE49-F238E27FC236}">
-                <a16:creationId xmlns:a16="http://schemas.microsoft.com/office/drawing/2014/main" id="{92F5B8C9-8E08-4425-AAE8-8054DCAA9346}"/>
+                <a16:creationId xmlns:a16="http://schemas.microsoft.com/office/drawing/2014/main" id="{89113396-07C7-4220-BBB8-7F2066A43C66}"/>
               </a:ext>
             </a:extLst>
           </p:cNvPr>
@@ -7455,7 +9059,7 @@
           <p:cNvPr id="26" name="Triangle rectangle 25">
             <a:extLst>
               <a:ext uri="{FF2B5EF4-FFF2-40B4-BE49-F238E27FC236}">
-                <a16:creationId xmlns:a16="http://schemas.microsoft.com/office/drawing/2014/main" id="{067901F9-496D-4856-9AB1-144582F20B45}"/>
+                <a16:creationId xmlns:a16="http://schemas.microsoft.com/office/drawing/2014/main" id="{61ECD093-B5B7-4BC2-82AF-845581C52994}"/>
               </a:ext>
             </a:extLst>
           </p:cNvPr>
@@ -7509,7 +9113,7 @@
           <p:cNvPr id="27" name="Triangle rectangle 26">
             <a:extLst>
               <a:ext uri="{FF2B5EF4-FFF2-40B4-BE49-F238E27FC236}">
-                <a16:creationId xmlns:a16="http://schemas.microsoft.com/office/drawing/2014/main" id="{44075EC5-A22D-4BD8-A527-8E046EB4A675}"/>
+                <a16:creationId xmlns:a16="http://schemas.microsoft.com/office/drawing/2014/main" id="{5DF64269-648D-47E1-A405-25CFA201E626}"/>
               </a:ext>
             </a:extLst>
           </p:cNvPr>
@@ -7561,7 +9165,7 @@
     </p:spTree>
     <p:extLst>
       <p:ext uri="{BB962C8B-B14F-4D97-AF65-F5344CB8AC3E}">
-        <p14:creationId xmlns:p14="http://schemas.microsoft.com/office/powerpoint/2010/main" val="1530365088"/>
+        <p14:creationId xmlns:p14="http://schemas.microsoft.com/office/powerpoint/2010/main" val="54333111"/>
       </p:ext>
     </p:extLst>
   </p:cSld>
@@ -7619,7 +9223,7 @@
             <a:pPr algn="ctr"/>
             <a:r>
               <a:rPr lang="fr-FR" sz="3200" b="1" dirty="0"/>
-              <a:t>Palettes chromatique</a:t>
+              <a:t>Normes &amp; Législation</a:t>
             </a:r>
           </a:p>
         </p:txBody>
@@ -7629,7 +9233,7 @@
           <p:cNvPr id="22" name="Triangle rectangle 21">
             <a:extLst>
               <a:ext uri="{FF2B5EF4-FFF2-40B4-BE49-F238E27FC236}">
-                <a16:creationId xmlns:a16="http://schemas.microsoft.com/office/drawing/2014/main" id="{4896320B-88BF-4C98-83DC-A284691900C2}"/>
+                <a16:creationId xmlns:a16="http://schemas.microsoft.com/office/drawing/2014/main" id="{540779BE-97C0-4B83-9847-806C65A6E5A3}"/>
               </a:ext>
             </a:extLst>
           </p:cNvPr>
@@ -7683,7 +9287,7 @@
           <p:cNvPr id="23" name="Triangle rectangle 22">
             <a:extLst>
               <a:ext uri="{FF2B5EF4-FFF2-40B4-BE49-F238E27FC236}">
-                <a16:creationId xmlns:a16="http://schemas.microsoft.com/office/drawing/2014/main" id="{7281E34A-3F84-49EE-B3F8-A9B4FF23A6A3}"/>
+                <a16:creationId xmlns:a16="http://schemas.microsoft.com/office/drawing/2014/main" id="{D1B766A9-9413-4678-A2E7-C2A08981BE16}"/>
               </a:ext>
             </a:extLst>
           </p:cNvPr>
@@ -7737,7 +9341,7 @@
           <p:cNvPr id="24" name="Triangle rectangle 23">
             <a:extLst>
               <a:ext uri="{FF2B5EF4-FFF2-40B4-BE49-F238E27FC236}">
-                <a16:creationId xmlns:a16="http://schemas.microsoft.com/office/drawing/2014/main" id="{E9968B8E-EF13-4108-BCA0-DAE4F24286C2}"/>
+                <a16:creationId xmlns:a16="http://schemas.microsoft.com/office/drawing/2014/main" id="{8757729C-7B63-40C3-80E2-8E0144ABC2DD}"/>
               </a:ext>
             </a:extLst>
           </p:cNvPr>
@@ -7791,7 +9395,7 @@
           <p:cNvPr id="25" name="Triangle rectangle 24">
             <a:extLst>
               <a:ext uri="{FF2B5EF4-FFF2-40B4-BE49-F238E27FC236}">
-                <a16:creationId xmlns:a16="http://schemas.microsoft.com/office/drawing/2014/main" id="{E0C74688-81A8-4270-AEC4-2061F7D1D655}"/>
+                <a16:creationId xmlns:a16="http://schemas.microsoft.com/office/drawing/2014/main" id="{89113396-07C7-4220-BBB8-7F2066A43C66}"/>
               </a:ext>
             </a:extLst>
           </p:cNvPr>
@@ -7845,7 +9449,7 @@
           <p:cNvPr id="26" name="Triangle rectangle 25">
             <a:extLst>
               <a:ext uri="{FF2B5EF4-FFF2-40B4-BE49-F238E27FC236}">
-                <a16:creationId xmlns:a16="http://schemas.microsoft.com/office/drawing/2014/main" id="{72495A5F-79D4-4C25-927B-536AFF85E60B}"/>
+                <a16:creationId xmlns:a16="http://schemas.microsoft.com/office/drawing/2014/main" id="{61ECD093-B5B7-4BC2-82AF-845581C52994}"/>
               </a:ext>
             </a:extLst>
           </p:cNvPr>
@@ -7899,7 +9503,7 @@
           <p:cNvPr id="27" name="Triangle rectangle 26">
             <a:extLst>
               <a:ext uri="{FF2B5EF4-FFF2-40B4-BE49-F238E27FC236}">
-                <a16:creationId xmlns:a16="http://schemas.microsoft.com/office/drawing/2014/main" id="{CE839738-9A84-46CD-B8B8-817E8B454E28}"/>
+                <a16:creationId xmlns:a16="http://schemas.microsoft.com/office/drawing/2014/main" id="{5DF64269-648D-47E1-A405-25CFA201E626}"/>
               </a:ext>
             </a:extLst>
           </p:cNvPr>
@@ -7951,7 +9555,7 @@
     </p:spTree>
     <p:extLst>
       <p:ext uri="{BB962C8B-B14F-4D97-AF65-F5344CB8AC3E}">
-        <p14:creationId xmlns:p14="http://schemas.microsoft.com/office/powerpoint/2010/main" val="335850422"/>
+        <p14:creationId xmlns:p14="http://schemas.microsoft.com/office/powerpoint/2010/main" val="761368362"/>
       </p:ext>
     </p:extLst>
   </p:cSld>
@@ -7980,10 +9584,10 @@
       </p:grpSpPr>
       <p:sp>
         <p:nvSpPr>
-          <p:cNvPr id="6" name="ZoneTexte 5">
-            <a:extLst>
-              <a:ext uri="{FF2B5EF4-FFF2-40B4-BE49-F238E27FC236}">
-                <a16:creationId xmlns:a16="http://schemas.microsoft.com/office/drawing/2014/main" id="{6D4D10E8-E3A3-4FD4-BDD0-79A87FCCDFD5}"/>
+          <p:cNvPr id="12" name="ZoneTexte 11">
+            <a:extLst>
+              <a:ext uri="{FF2B5EF4-FFF2-40B4-BE49-F238E27FC236}">
+                <a16:creationId xmlns:a16="http://schemas.microsoft.com/office/drawing/2014/main" id="{89516551-2831-4658-BE49-6903654BDAA1}"/>
               </a:ext>
             </a:extLst>
           </p:cNvPr>
@@ -8009,17 +9613,17 @@
             <a:pPr algn="ctr"/>
             <a:r>
               <a:rPr lang="fr-FR" sz="3200" b="1" dirty="0"/>
-              <a:t>Logo</a:t>
+              <a:t>Benchmark</a:t>
             </a:r>
           </a:p>
         </p:txBody>
       </p:sp>
       <p:sp>
         <p:nvSpPr>
-          <p:cNvPr id="23" name="Triangle rectangle 22">
-            <a:extLst>
-              <a:ext uri="{FF2B5EF4-FFF2-40B4-BE49-F238E27FC236}">
-                <a16:creationId xmlns:a16="http://schemas.microsoft.com/office/drawing/2014/main" id="{1C352AEB-3521-4B68-AF9C-07003762BDAF}"/>
+          <p:cNvPr id="22" name="Triangle rectangle 21">
+            <a:extLst>
+              <a:ext uri="{FF2B5EF4-FFF2-40B4-BE49-F238E27FC236}">
+                <a16:creationId xmlns:a16="http://schemas.microsoft.com/office/drawing/2014/main" id="{D42A9609-72D2-49DD-94A3-CE5B2AB05F3E}"/>
               </a:ext>
             </a:extLst>
           </p:cNvPr>
@@ -8070,10 +9674,10 @@
       </p:sp>
       <p:sp>
         <p:nvSpPr>
-          <p:cNvPr id="24" name="Triangle rectangle 23">
-            <a:extLst>
-              <a:ext uri="{FF2B5EF4-FFF2-40B4-BE49-F238E27FC236}">
-                <a16:creationId xmlns:a16="http://schemas.microsoft.com/office/drawing/2014/main" id="{19F18013-0D35-4FC0-8A91-5816BCD2DA97}"/>
+          <p:cNvPr id="23" name="Triangle rectangle 22">
+            <a:extLst>
+              <a:ext uri="{FF2B5EF4-FFF2-40B4-BE49-F238E27FC236}">
+                <a16:creationId xmlns:a16="http://schemas.microsoft.com/office/drawing/2014/main" id="{926262D8-975C-466C-98EE-1A815955630B}"/>
               </a:ext>
             </a:extLst>
           </p:cNvPr>
@@ -8124,10 +9728,10 @@
       </p:sp>
       <p:sp>
         <p:nvSpPr>
-          <p:cNvPr id="25" name="Triangle rectangle 24">
-            <a:extLst>
-              <a:ext uri="{FF2B5EF4-FFF2-40B4-BE49-F238E27FC236}">
-                <a16:creationId xmlns:a16="http://schemas.microsoft.com/office/drawing/2014/main" id="{703E9C31-A7E5-4A40-AF76-2BF37094C8B8}"/>
+          <p:cNvPr id="24" name="Triangle rectangle 23">
+            <a:extLst>
+              <a:ext uri="{FF2B5EF4-FFF2-40B4-BE49-F238E27FC236}">
+                <a16:creationId xmlns:a16="http://schemas.microsoft.com/office/drawing/2014/main" id="{763B3809-72A7-423C-BA60-EDDD6D0A5917}"/>
               </a:ext>
             </a:extLst>
           </p:cNvPr>
@@ -8178,10 +9782,10 @@
       </p:sp>
       <p:sp>
         <p:nvSpPr>
-          <p:cNvPr id="26" name="Triangle rectangle 25">
-            <a:extLst>
-              <a:ext uri="{FF2B5EF4-FFF2-40B4-BE49-F238E27FC236}">
-                <a16:creationId xmlns:a16="http://schemas.microsoft.com/office/drawing/2014/main" id="{3D3EBB9A-33A8-45F9-A026-AF41142E0CAA}"/>
+          <p:cNvPr id="25" name="Triangle rectangle 24">
+            <a:extLst>
+              <a:ext uri="{FF2B5EF4-FFF2-40B4-BE49-F238E27FC236}">
+                <a16:creationId xmlns:a16="http://schemas.microsoft.com/office/drawing/2014/main" id="{92F5B8C9-8E08-4425-AAE8-8054DCAA9346}"/>
               </a:ext>
             </a:extLst>
           </p:cNvPr>
@@ -8232,10 +9836,10 @@
       </p:sp>
       <p:sp>
         <p:nvSpPr>
-          <p:cNvPr id="27" name="Triangle rectangle 26">
-            <a:extLst>
-              <a:ext uri="{FF2B5EF4-FFF2-40B4-BE49-F238E27FC236}">
-                <a16:creationId xmlns:a16="http://schemas.microsoft.com/office/drawing/2014/main" id="{5295005C-236F-45D0-B885-68F747CE36D8}"/>
+          <p:cNvPr id="26" name="Triangle rectangle 25">
+            <a:extLst>
+              <a:ext uri="{FF2B5EF4-FFF2-40B4-BE49-F238E27FC236}">
+                <a16:creationId xmlns:a16="http://schemas.microsoft.com/office/drawing/2014/main" id="{067901F9-496D-4856-9AB1-144582F20B45}"/>
               </a:ext>
             </a:extLst>
           </p:cNvPr>
@@ -8286,10 +9890,10 @@
       </p:sp>
       <p:sp>
         <p:nvSpPr>
-          <p:cNvPr id="28" name="Triangle rectangle 27">
-            <a:extLst>
-              <a:ext uri="{FF2B5EF4-FFF2-40B4-BE49-F238E27FC236}">
-                <a16:creationId xmlns:a16="http://schemas.microsoft.com/office/drawing/2014/main" id="{5E120059-9EE0-4232-974A-B1028CB2BB68}"/>
+          <p:cNvPr id="27" name="Triangle rectangle 26">
+            <a:extLst>
+              <a:ext uri="{FF2B5EF4-FFF2-40B4-BE49-F238E27FC236}">
+                <a16:creationId xmlns:a16="http://schemas.microsoft.com/office/drawing/2014/main" id="{44075EC5-A22D-4BD8-A527-8E046EB4A675}"/>
               </a:ext>
             </a:extLst>
           </p:cNvPr>
@@ -8341,7 +9945,7 @@
     </p:spTree>
     <p:extLst>
       <p:ext uri="{BB962C8B-B14F-4D97-AF65-F5344CB8AC3E}">
-        <p14:creationId xmlns:p14="http://schemas.microsoft.com/office/powerpoint/2010/main" val="1302480680"/>
+        <p14:creationId xmlns:p14="http://schemas.microsoft.com/office/powerpoint/2010/main" val="1530365088"/>
       </p:ext>
     </p:extLst>
   </p:cSld>
@@ -8370,10 +9974,10 @@
       </p:grpSpPr>
       <p:sp>
         <p:nvSpPr>
-          <p:cNvPr id="6" name="ZoneTexte 5">
-            <a:extLst>
-              <a:ext uri="{FF2B5EF4-FFF2-40B4-BE49-F238E27FC236}">
-                <a16:creationId xmlns:a16="http://schemas.microsoft.com/office/drawing/2014/main" id="{6D4D10E8-E3A3-4FD4-BDD0-79A87FCCDFD5}"/>
+          <p:cNvPr id="12" name="ZoneTexte 11">
+            <a:extLst>
+              <a:ext uri="{FF2B5EF4-FFF2-40B4-BE49-F238E27FC236}">
+                <a16:creationId xmlns:a16="http://schemas.microsoft.com/office/drawing/2014/main" id="{89516551-2831-4658-BE49-6903654BDAA1}"/>
               </a:ext>
             </a:extLst>
           </p:cNvPr>
@@ -8399,7 +10003,7 @@
             <a:pPr algn="ctr"/>
             <a:r>
               <a:rPr lang="fr-FR" sz="3200" b="1" dirty="0"/>
-              <a:t>Charte graphique</a:t>
+              <a:t>Palettes chromatique</a:t>
             </a:r>
           </a:p>
         </p:txBody>
@@ -8409,7 +10013,7 @@
           <p:cNvPr id="22" name="Triangle rectangle 21">
             <a:extLst>
               <a:ext uri="{FF2B5EF4-FFF2-40B4-BE49-F238E27FC236}">
-                <a16:creationId xmlns:a16="http://schemas.microsoft.com/office/drawing/2014/main" id="{BC19DEDF-9050-4C49-B936-D5D7999FE2E6}"/>
+                <a16:creationId xmlns:a16="http://schemas.microsoft.com/office/drawing/2014/main" id="{4896320B-88BF-4C98-83DC-A284691900C2}"/>
               </a:ext>
             </a:extLst>
           </p:cNvPr>
@@ -8463,7 +10067,7 @@
           <p:cNvPr id="23" name="Triangle rectangle 22">
             <a:extLst>
               <a:ext uri="{FF2B5EF4-FFF2-40B4-BE49-F238E27FC236}">
-                <a16:creationId xmlns:a16="http://schemas.microsoft.com/office/drawing/2014/main" id="{AFEEA887-9BE9-4D87-A0E9-9BDB7AC8A838}"/>
+                <a16:creationId xmlns:a16="http://schemas.microsoft.com/office/drawing/2014/main" id="{7281E34A-3F84-49EE-B3F8-A9B4FF23A6A3}"/>
               </a:ext>
             </a:extLst>
           </p:cNvPr>
@@ -8517,7 +10121,7 @@
           <p:cNvPr id="24" name="Triangle rectangle 23">
             <a:extLst>
               <a:ext uri="{FF2B5EF4-FFF2-40B4-BE49-F238E27FC236}">
-                <a16:creationId xmlns:a16="http://schemas.microsoft.com/office/drawing/2014/main" id="{E620B325-E43C-4A6D-A35A-14C581497397}"/>
+                <a16:creationId xmlns:a16="http://schemas.microsoft.com/office/drawing/2014/main" id="{E9968B8E-EF13-4108-BCA0-DAE4F24286C2}"/>
               </a:ext>
             </a:extLst>
           </p:cNvPr>
@@ -8571,7 +10175,7 @@
           <p:cNvPr id="25" name="Triangle rectangle 24">
             <a:extLst>
               <a:ext uri="{FF2B5EF4-FFF2-40B4-BE49-F238E27FC236}">
-                <a16:creationId xmlns:a16="http://schemas.microsoft.com/office/drawing/2014/main" id="{5C6EF744-CF2C-4E72-AFE9-71DA4579A05E}"/>
+                <a16:creationId xmlns:a16="http://schemas.microsoft.com/office/drawing/2014/main" id="{E0C74688-81A8-4270-AEC4-2061F7D1D655}"/>
               </a:ext>
             </a:extLst>
           </p:cNvPr>
@@ -8625,7 +10229,7 @@
           <p:cNvPr id="26" name="Triangle rectangle 25">
             <a:extLst>
               <a:ext uri="{FF2B5EF4-FFF2-40B4-BE49-F238E27FC236}">
-                <a16:creationId xmlns:a16="http://schemas.microsoft.com/office/drawing/2014/main" id="{E5DCC439-05AF-4781-8AF3-0863C9F0ACDB}"/>
+                <a16:creationId xmlns:a16="http://schemas.microsoft.com/office/drawing/2014/main" id="{72495A5F-79D4-4C25-927B-536AFF85E60B}"/>
               </a:ext>
             </a:extLst>
           </p:cNvPr>
@@ -8679,7 +10283,7 @@
           <p:cNvPr id="27" name="Triangle rectangle 26">
             <a:extLst>
               <a:ext uri="{FF2B5EF4-FFF2-40B4-BE49-F238E27FC236}">
-                <a16:creationId xmlns:a16="http://schemas.microsoft.com/office/drawing/2014/main" id="{BAC0F6BF-4D4E-480E-8A96-AB4476C9F11F}"/>
+                <a16:creationId xmlns:a16="http://schemas.microsoft.com/office/drawing/2014/main" id="{CE839738-9A84-46CD-B8B8-817E8B454E28}"/>
               </a:ext>
             </a:extLst>
           </p:cNvPr>
@@ -8731,7 +10335,7 @@
     </p:spTree>
     <p:extLst>
       <p:ext uri="{BB962C8B-B14F-4D97-AF65-F5344CB8AC3E}">
-        <p14:creationId xmlns:p14="http://schemas.microsoft.com/office/powerpoint/2010/main" val="3474965173"/>
+        <p14:creationId xmlns:p14="http://schemas.microsoft.com/office/powerpoint/2010/main" val="335850422"/>
       </p:ext>
     </p:extLst>
   </p:cSld>

--- a/design/dossier-conception.pptx
+++ b/design/dossier-conception.pptx
@@ -15,14 +15,15 @@
     <p:sldId id="261" r:id="rId9"/>
     <p:sldId id="265" r:id="rId10"/>
     <p:sldId id="263" r:id="rId11"/>
-    <p:sldId id="264" r:id="rId12"/>
-    <p:sldId id="266" r:id="rId13"/>
-    <p:sldId id="267" r:id="rId14"/>
-    <p:sldId id="268" r:id="rId15"/>
-    <p:sldId id="269" r:id="rId16"/>
-    <p:sldId id="272" r:id="rId17"/>
-    <p:sldId id="273" r:id="rId18"/>
-    <p:sldId id="262" r:id="rId19"/>
+    <p:sldId id="274" r:id="rId12"/>
+    <p:sldId id="264" r:id="rId13"/>
+    <p:sldId id="266" r:id="rId14"/>
+    <p:sldId id="267" r:id="rId15"/>
+    <p:sldId id="268" r:id="rId16"/>
+    <p:sldId id="269" r:id="rId17"/>
+    <p:sldId id="272" r:id="rId18"/>
+    <p:sldId id="273" r:id="rId19"/>
+    <p:sldId id="262" r:id="rId20"/>
   </p:sldIdLst>
   <p:sldSz cx="12192000" cy="6858000"/>
   <p:notesSz cx="6858000" cy="9144000"/>
@@ -276,7 +277,7 @@
           <a:p>
             <a:fld id="{6954CCDD-B82E-4A0E-9E12-DE1043336CEC}" type="datetimeFigureOut">
               <a:rPr lang="fr-FR" smtClean="0"/>
-              <a:t>06/07/2021</a:t>
+              <a:t>08/07/2021</a:t>
             </a:fld>
             <a:endParaRPr lang="fr-FR"/>
           </a:p>
@@ -474,7 +475,7 @@
           <a:p>
             <a:fld id="{6954CCDD-B82E-4A0E-9E12-DE1043336CEC}" type="datetimeFigureOut">
               <a:rPr lang="fr-FR" smtClean="0"/>
-              <a:t>06/07/2021</a:t>
+              <a:t>08/07/2021</a:t>
             </a:fld>
             <a:endParaRPr lang="fr-FR"/>
           </a:p>
@@ -682,7 +683,7 @@
           <a:p>
             <a:fld id="{6954CCDD-B82E-4A0E-9E12-DE1043336CEC}" type="datetimeFigureOut">
               <a:rPr lang="fr-FR" smtClean="0"/>
-              <a:t>06/07/2021</a:t>
+              <a:t>08/07/2021</a:t>
             </a:fld>
             <a:endParaRPr lang="fr-FR"/>
           </a:p>
@@ -880,7 +881,7 @@
           <a:p>
             <a:fld id="{6954CCDD-B82E-4A0E-9E12-DE1043336CEC}" type="datetimeFigureOut">
               <a:rPr lang="fr-FR" smtClean="0"/>
-              <a:t>06/07/2021</a:t>
+              <a:t>08/07/2021</a:t>
             </a:fld>
             <a:endParaRPr lang="fr-FR"/>
           </a:p>
@@ -1155,7 +1156,7 @@
           <a:p>
             <a:fld id="{6954CCDD-B82E-4A0E-9E12-DE1043336CEC}" type="datetimeFigureOut">
               <a:rPr lang="fr-FR" smtClean="0"/>
-              <a:t>06/07/2021</a:t>
+              <a:t>08/07/2021</a:t>
             </a:fld>
             <a:endParaRPr lang="fr-FR"/>
           </a:p>
@@ -1420,7 +1421,7 @@
           <a:p>
             <a:fld id="{6954CCDD-B82E-4A0E-9E12-DE1043336CEC}" type="datetimeFigureOut">
               <a:rPr lang="fr-FR" smtClean="0"/>
-              <a:t>06/07/2021</a:t>
+              <a:t>08/07/2021</a:t>
             </a:fld>
             <a:endParaRPr lang="fr-FR"/>
           </a:p>
@@ -1832,7 +1833,7 @@
           <a:p>
             <a:fld id="{6954CCDD-B82E-4A0E-9E12-DE1043336CEC}" type="datetimeFigureOut">
               <a:rPr lang="fr-FR" smtClean="0"/>
-              <a:t>06/07/2021</a:t>
+              <a:t>08/07/2021</a:t>
             </a:fld>
             <a:endParaRPr lang="fr-FR"/>
           </a:p>
@@ -1973,7 +1974,7 @@
           <a:p>
             <a:fld id="{6954CCDD-B82E-4A0E-9E12-DE1043336CEC}" type="datetimeFigureOut">
               <a:rPr lang="fr-FR" smtClean="0"/>
-              <a:t>06/07/2021</a:t>
+              <a:t>08/07/2021</a:t>
             </a:fld>
             <a:endParaRPr lang="fr-FR"/>
           </a:p>
@@ -2086,7 +2087,7 @@
           <a:p>
             <a:fld id="{6954CCDD-B82E-4A0E-9E12-DE1043336CEC}" type="datetimeFigureOut">
               <a:rPr lang="fr-FR" smtClean="0"/>
-              <a:t>06/07/2021</a:t>
+              <a:t>08/07/2021</a:t>
             </a:fld>
             <a:endParaRPr lang="fr-FR"/>
           </a:p>
@@ -2397,7 +2398,7 @@
           <a:p>
             <a:fld id="{6954CCDD-B82E-4A0E-9E12-DE1043336CEC}" type="datetimeFigureOut">
               <a:rPr lang="fr-FR" smtClean="0"/>
-              <a:t>06/07/2021</a:t>
+              <a:t>08/07/2021</a:t>
             </a:fld>
             <a:endParaRPr lang="fr-FR"/>
           </a:p>
@@ -2685,7 +2686,7 @@
           <a:p>
             <a:fld id="{6954CCDD-B82E-4A0E-9E12-DE1043336CEC}" type="datetimeFigureOut">
               <a:rPr lang="fr-FR" smtClean="0"/>
-              <a:t>06/07/2021</a:t>
+              <a:t>08/07/2021</a:t>
             </a:fld>
             <a:endParaRPr lang="fr-FR"/>
           </a:p>
@@ -2926,7 +2927,7 @@
           <a:p>
             <a:fld id="{6954CCDD-B82E-4A0E-9E12-DE1043336CEC}" type="datetimeFigureOut">
               <a:rPr lang="fr-FR" smtClean="0"/>
-              <a:t>06/07/2021</a:t>
+              <a:t>08/07/2021</a:t>
             </a:fld>
             <a:endParaRPr lang="fr-FR"/>
           </a:p>
@@ -3667,6 +3668,78 @@
           </a:p>
         </p:txBody>
       </p:sp>
+      <p:pic>
+        <p:nvPicPr>
+          <p:cNvPr id="9" name="Image 8">
+            <a:extLst>
+              <a:ext uri="{FF2B5EF4-FFF2-40B4-BE49-F238E27FC236}">
+                <a16:creationId xmlns:a16="http://schemas.microsoft.com/office/drawing/2014/main" id="{7E6A597A-AB5E-4711-B0C1-7048F4277D59}"/>
+              </a:ext>
+            </a:extLst>
+          </p:cNvPr>
+          <p:cNvPicPr>
+            <a:picLocks noChangeAspect="1"/>
+          </p:cNvPicPr>
+          <p:nvPr/>
+        </p:nvPicPr>
+        <p:blipFill>
+          <a:blip r:embed="rId2">
+            <a:extLst>
+              <a:ext uri="{28A0092B-C50C-407E-A947-70E740481C1C}">
+                <a14:useLocalDpi xmlns:a14="http://schemas.microsoft.com/office/drawing/2010/main" val="0"/>
+              </a:ext>
+            </a:extLst>
+          </a:blip>
+          <a:stretch>
+            <a:fillRect/>
+          </a:stretch>
+        </p:blipFill>
+        <p:spPr>
+          <a:xfrm>
+            <a:off x="2721935" y="0"/>
+            <a:ext cx="5379644" cy="5379644"/>
+          </a:xfrm>
+          <a:prstGeom prst="rect">
+            <a:avLst/>
+          </a:prstGeom>
+        </p:spPr>
+      </p:pic>
+      <p:sp>
+        <p:nvSpPr>
+          <p:cNvPr id="8" name="ZoneTexte 7">
+            <a:extLst>
+              <a:ext uri="{FF2B5EF4-FFF2-40B4-BE49-F238E27FC236}">
+                <a16:creationId xmlns:a16="http://schemas.microsoft.com/office/drawing/2014/main" id="{3A851421-3240-4E59-AD49-CD802BCB70F2}"/>
+              </a:ext>
+            </a:extLst>
+          </p:cNvPr>
+          <p:cNvSpPr txBox="1"/>
+          <p:nvPr/>
+        </p:nvSpPr>
+        <p:spPr>
+          <a:xfrm>
+            <a:off x="0" y="4750694"/>
+            <a:ext cx="10792047" cy="923330"/>
+          </a:xfrm>
+          <a:prstGeom prst="rect">
+            <a:avLst/>
+          </a:prstGeom>
+          <a:noFill/>
+        </p:spPr>
+        <p:txBody>
+          <a:bodyPr wrap="square" rtlCol="0">
+            <a:spAutoFit/>
+          </a:bodyPr>
+          <a:lstStyle/>
+          <a:p>
+            <a:pPr algn="ctr"/>
+            <a:r>
+              <a:rPr lang="fr-FR" sz="5400" b="1" dirty="0"/>
+              <a:t>ALPHAWEB</a:t>
+            </a:r>
+          </a:p>
+        </p:txBody>
+      </p:sp>
     </p:spTree>
     <p:extLst>
       <p:ext uri="{BB962C8B-B14F-4D97-AF65-F5344CB8AC3E}">
@@ -4057,6 +4130,114 @@
           </a:p>
         </p:txBody>
       </p:sp>
+      <p:pic>
+        <p:nvPicPr>
+          <p:cNvPr id="4" name="Image 3">
+            <a:extLst>
+              <a:ext uri="{FF2B5EF4-FFF2-40B4-BE49-F238E27FC236}">
+                <a16:creationId xmlns:a16="http://schemas.microsoft.com/office/drawing/2014/main" id="{A3652703-4451-4752-884C-45AB5CAE5F71}"/>
+              </a:ext>
+            </a:extLst>
+          </p:cNvPr>
+          <p:cNvPicPr>
+            <a:picLocks noChangeAspect="1"/>
+          </p:cNvPicPr>
+          <p:nvPr/>
+        </p:nvPicPr>
+        <p:blipFill>
+          <a:blip r:embed="rId2">
+            <a:extLst>
+              <a:ext uri="{28A0092B-C50C-407E-A947-70E740481C1C}">
+                <a14:useLocalDpi xmlns:a14="http://schemas.microsoft.com/office/drawing/2010/main" val="0"/>
+              </a:ext>
+            </a:extLst>
+          </a:blip>
+          <a:stretch>
+            <a:fillRect/>
+          </a:stretch>
+        </p:blipFill>
+        <p:spPr>
+          <a:xfrm>
+            <a:off x="657379" y="1524695"/>
+            <a:ext cx="1691086" cy="1474494"/>
+          </a:xfrm>
+          <a:prstGeom prst="rect">
+            <a:avLst/>
+          </a:prstGeom>
+        </p:spPr>
+      </p:pic>
+      <p:pic>
+        <p:nvPicPr>
+          <p:cNvPr id="7" name="Image 6">
+            <a:extLst>
+              <a:ext uri="{FF2B5EF4-FFF2-40B4-BE49-F238E27FC236}">
+                <a16:creationId xmlns:a16="http://schemas.microsoft.com/office/drawing/2014/main" id="{E777EE06-5E04-4357-BCB9-B655EDB92541}"/>
+              </a:ext>
+            </a:extLst>
+          </p:cNvPr>
+          <p:cNvPicPr>
+            <a:picLocks noChangeAspect="1"/>
+          </p:cNvPicPr>
+          <p:nvPr/>
+        </p:nvPicPr>
+        <p:blipFill>
+          <a:blip r:embed="rId3">
+            <a:extLst>
+              <a:ext uri="{28A0092B-C50C-407E-A947-70E740481C1C}">
+                <a14:useLocalDpi xmlns:a14="http://schemas.microsoft.com/office/drawing/2010/main" val="0"/>
+              </a:ext>
+            </a:extLst>
+          </a:blip>
+          <a:stretch>
+            <a:fillRect/>
+          </a:stretch>
+        </p:blipFill>
+        <p:spPr>
+          <a:xfrm>
+            <a:off x="675133" y="3558398"/>
+            <a:ext cx="1646101" cy="1578045"/>
+          </a:xfrm>
+          <a:prstGeom prst="rect">
+            <a:avLst/>
+          </a:prstGeom>
+        </p:spPr>
+      </p:pic>
+      <p:pic>
+        <p:nvPicPr>
+          <p:cNvPr id="9" name="Image 8">
+            <a:extLst>
+              <a:ext uri="{FF2B5EF4-FFF2-40B4-BE49-F238E27FC236}">
+                <a16:creationId xmlns:a16="http://schemas.microsoft.com/office/drawing/2014/main" id="{8BFC25A1-8940-474F-9760-914F1D737048}"/>
+              </a:ext>
+            </a:extLst>
+          </p:cNvPr>
+          <p:cNvPicPr>
+            <a:picLocks noChangeAspect="1"/>
+          </p:cNvPicPr>
+          <p:nvPr/>
+        </p:nvPicPr>
+        <p:blipFill>
+          <a:blip r:embed="rId4">
+            <a:extLst>
+              <a:ext uri="{28A0092B-C50C-407E-A947-70E740481C1C}">
+                <a14:useLocalDpi xmlns:a14="http://schemas.microsoft.com/office/drawing/2010/main" val="0"/>
+              </a:ext>
+            </a:extLst>
+          </a:blip>
+          <a:stretch>
+            <a:fillRect/>
+          </a:stretch>
+        </p:blipFill>
+        <p:spPr>
+          <a:xfrm>
+            <a:off x="3195660" y="1460583"/>
+            <a:ext cx="6738562" cy="3936834"/>
+          </a:xfrm>
+          <a:prstGeom prst="rect">
+            <a:avLst/>
+          </a:prstGeom>
+        </p:spPr>
+      </p:pic>
     </p:spTree>
     <p:extLst>
       <p:ext uri="{BB962C8B-B14F-4D97-AF65-F5344CB8AC3E}">
@@ -4089,6 +4270,91 @@
       </p:grpSpPr>
       <p:sp>
         <p:nvSpPr>
+          <p:cNvPr id="10" name="Rectangle 9">
+            <a:extLst>
+              <a:ext uri="{FF2B5EF4-FFF2-40B4-BE49-F238E27FC236}">
+                <a16:creationId xmlns:a16="http://schemas.microsoft.com/office/drawing/2014/main" id="{674976A1-7A2E-4220-8D57-89E9F9A9E496}"/>
+              </a:ext>
+            </a:extLst>
+          </p:cNvPr>
+          <p:cNvSpPr/>
+          <p:nvPr/>
+        </p:nvSpPr>
+        <p:spPr>
+          <a:xfrm>
+            <a:off x="1472116" y="1939925"/>
+            <a:ext cx="3700546" cy="3047984"/>
+          </a:xfrm>
+          <a:prstGeom prst="rect">
+            <a:avLst/>
+          </a:prstGeom>
+          <a:solidFill>
+            <a:schemeClr val="tx1"/>
+          </a:solidFill>
+        </p:spPr>
+        <p:style>
+          <a:lnRef idx="2">
+            <a:schemeClr val="accent1">
+              <a:shade val="50000"/>
+            </a:schemeClr>
+          </a:lnRef>
+          <a:fillRef idx="1">
+            <a:schemeClr val="accent1"/>
+          </a:fillRef>
+          <a:effectRef idx="0">
+            <a:schemeClr val="accent1"/>
+          </a:effectRef>
+          <a:fontRef idx="minor">
+            <a:schemeClr val="lt1"/>
+          </a:fontRef>
+        </p:style>
+        <p:txBody>
+          <a:bodyPr rtlCol="0" anchor="ctr"/>
+          <a:lstStyle/>
+          <a:p>
+            <a:pPr algn="ctr"/>
+            <a:endParaRPr lang="fr-FR"/>
+          </a:p>
+        </p:txBody>
+      </p:sp>
+      <p:pic>
+        <p:nvPicPr>
+          <p:cNvPr id="3" name="Image 2">
+            <a:extLst>
+              <a:ext uri="{FF2B5EF4-FFF2-40B4-BE49-F238E27FC236}">
+                <a16:creationId xmlns:a16="http://schemas.microsoft.com/office/drawing/2014/main" id="{ABE9C738-2099-4D21-BFD4-56F71995E848}"/>
+              </a:ext>
+            </a:extLst>
+          </p:cNvPr>
+          <p:cNvPicPr>
+            <a:picLocks noChangeAspect="1"/>
+          </p:cNvPicPr>
+          <p:nvPr/>
+        </p:nvPicPr>
+        <p:blipFill>
+          <a:blip r:embed="rId2">
+            <a:extLst>
+              <a:ext uri="{28A0092B-C50C-407E-A947-70E740481C1C}">
+                <a14:useLocalDpi xmlns:a14="http://schemas.microsoft.com/office/drawing/2010/main" val="0"/>
+              </a:ext>
+            </a:extLst>
+          </a:blip>
+          <a:stretch>
+            <a:fillRect/>
+          </a:stretch>
+        </p:blipFill>
+        <p:spPr>
+          <a:xfrm>
+            <a:off x="1833314" y="1939925"/>
+            <a:ext cx="2978150" cy="2978150"/>
+          </a:xfrm>
+          <a:prstGeom prst="rect">
+            <a:avLst/>
+          </a:prstGeom>
+        </p:spPr>
+      </p:pic>
+      <p:sp>
+        <p:nvSpPr>
           <p:cNvPr id="6" name="ZoneTexte 5">
             <a:extLst>
               <a:ext uri="{FF2B5EF4-FFF2-40B4-BE49-F238E27FC236}">
@@ -4118,17 +4384,17 @@
             <a:pPr algn="ctr"/>
             <a:r>
               <a:rPr lang="fr-FR" sz="3200" b="1" dirty="0"/>
-              <a:t>Charte graphique</a:t>
+              <a:t>Logo Final</a:t>
             </a:r>
           </a:p>
         </p:txBody>
       </p:sp>
       <p:sp>
         <p:nvSpPr>
-          <p:cNvPr id="22" name="Triangle rectangle 21">
-            <a:extLst>
-              <a:ext uri="{FF2B5EF4-FFF2-40B4-BE49-F238E27FC236}">
-                <a16:creationId xmlns:a16="http://schemas.microsoft.com/office/drawing/2014/main" id="{BC19DEDF-9050-4C49-B936-D5D7999FE2E6}"/>
+          <p:cNvPr id="23" name="Triangle rectangle 22">
+            <a:extLst>
+              <a:ext uri="{FF2B5EF4-FFF2-40B4-BE49-F238E27FC236}">
+                <a16:creationId xmlns:a16="http://schemas.microsoft.com/office/drawing/2014/main" id="{1C352AEB-3521-4B68-AF9C-07003762BDAF}"/>
               </a:ext>
             </a:extLst>
           </p:cNvPr>
@@ -4179,10 +4445,10 @@
       </p:sp>
       <p:sp>
         <p:nvSpPr>
-          <p:cNvPr id="23" name="Triangle rectangle 22">
-            <a:extLst>
-              <a:ext uri="{FF2B5EF4-FFF2-40B4-BE49-F238E27FC236}">
-                <a16:creationId xmlns:a16="http://schemas.microsoft.com/office/drawing/2014/main" id="{AFEEA887-9BE9-4D87-A0E9-9BDB7AC8A838}"/>
+          <p:cNvPr id="24" name="Triangle rectangle 23">
+            <a:extLst>
+              <a:ext uri="{FF2B5EF4-FFF2-40B4-BE49-F238E27FC236}">
+                <a16:creationId xmlns:a16="http://schemas.microsoft.com/office/drawing/2014/main" id="{19F18013-0D35-4FC0-8A91-5816BCD2DA97}"/>
               </a:ext>
             </a:extLst>
           </p:cNvPr>
@@ -4233,10 +4499,10 @@
       </p:sp>
       <p:sp>
         <p:nvSpPr>
-          <p:cNvPr id="24" name="Triangle rectangle 23">
-            <a:extLst>
-              <a:ext uri="{FF2B5EF4-FFF2-40B4-BE49-F238E27FC236}">
-                <a16:creationId xmlns:a16="http://schemas.microsoft.com/office/drawing/2014/main" id="{E620B325-E43C-4A6D-A35A-14C581497397}"/>
+          <p:cNvPr id="25" name="Triangle rectangle 24">
+            <a:extLst>
+              <a:ext uri="{FF2B5EF4-FFF2-40B4-BE49-F238E27FC236}">
+                <a16:creationId xmlns:a16="http://schemas.microsoft.com/office/drawing/2014/main" id="{703E9C31-A7E5-4A40-AF76-2BF37094C8B8}"/>
               </a:ext>
             </a:extLst>
           </p:cNvPr>
@@ -4287,10 +4553,10 @@
       </p:sp>
       <p:sp>
         <p:nvSpPr>
-          <p:cNvPr id="25" name="Triangle rectangle 24">
-            <a:extLst>
-              <a:ext uri="{FF2B5EF4-FFF2-40B4-BE49-F238E27FC236}">
-                <a16:creationId xmlns:a16="http://schemas.microsoft.com/office/drawing/2014/main" id="{5C6EF744-CF2C-4E72-AFE9-71DA4579A05E}"/>
+          <p:cNvPr id="26" name="Triangle rectangle 25">
+            <a:extLst>
+              <a:ext uri="{FF2B5EF4-FFF2-40B4-BE49-F238E27FC236}">
+                <a16:creationId xmlns:a16="http://schemas.microsoft.com/office/drawing/2014/main" id="{3D3EBB9A-33A8-45F9-A026-AF41142E0CAA}"/>
               </a:ext>
             </a:extLst>
           </p:cNvPr>
@@ -4341,10 +4607,10 @@
       </p:sp>
       <p:sp>
         <p:nvSpPr>
-          <p:cNvPr id="26" name="Triangle rectangle 25">
-            <a:extLst>
-              <a:ext uri="{FF2B5EF4-FFF2-40B4-BE49-F238E27FC236}">
-                <a16:creationId xmlns:a16="http://schemas.microsoft.com/office/drawing/2014/main" id="{E5DCC439-05AF-4781-8AF3-0863C9F0ACDB}"/>
+          <p:cNvPr id="27" name="Triangle rectangle 26">
+            <a:extLst>
+              <a:ext uri="{FF2B5EF4-FFF2-40B4-BE49-F238E27FC236}">
+                <a16:creationId xmlns:a16="http://schemas.microsoft.com/office/drawing/2014/main" id="{5295005C-236F-45D0-B885-68F747CE36D8}"/>
               </a:ext>
             </a:extLst>
           </p:cNvPr>
@@ -4395,10 +4661,10 @@
       </p:sp>
       <p:sp>
         <p:nvSpPr>
-          <p:cNvPr id="27" name="Triangle rectangle 26">
-            <a:extLst>
-              <a:ext uri="{FF2B5EF4-FFF2-40B4-BE49-F238E27FC236}">
-                <a16:creationId xmlns:a16="http://schemas.microsoft.com/office/drawing/2014/main" id="{BAC0F6BF-4D4E-480E-8A96-AB4476C9F11F}"/>
+          <p:cNvPr id="28" name="Triangle rectangle 27">
+            <a:extLst>
+              <a:ext uri="{FF2B5EF4-FFF2-40B4-BE49-F238E27FC236}">
+                <a16:creationId xmlns:a16="http://schemas.microsoft.com/office/drawing/2014/main" id="{5E120059-9EE0-4232-974A-B1028CB2BB68}"/>
               </a:ext>
             </a:extLst>
           </p:cNvPr>
@@ -4447,10 +4713,46 @@
           </a:p>
         </p:txBody>
       </p:sp>
+      <p:pic>
+        <p:nvPicPr>
+          <p:cNvPr id="8" name="Image 7">
+            <a:extLst>
+              <a:ext uri="{FF2B5EF4-FFF2-40B4-BE49-F238E27FC236}">
+                <a16:creationId xmlns:a16="http://schemas.microsoft.com/office/drawing/2014/main" id="{87D82B6E-1CAB-4400-B7F4-0CE9743FBBBB}"/>
+              </a:ext>
+            </a:extLst>
+          </p:cNvPr>
+          <p:cNvPicPr>
+            <a:picLocks noChangeAspect="1"/>
+          </p:cNvPicPr>
+          <p:nvPr/>
+        </p:nvPicPr>
+        <p:blipFill>
+          <a:blip r:embed="rId3">
+            <a:extLst>
+              <a:ext uri="{28A0092B-C50C-407E-A947-70E740481C1C}">
+                <a14:useLocalDpi xmlns:a14="http://schemas.microsoft.com/office/drawing/2010/main" val="0"/>
+              </a:ext>
+            </a:extLst>
+          </a:blip>
+          <a:stretch>
+            <a:fillRect/>
+          </a:stretch>
+        </p:blipFill>
+        <p:spPr>
+          <a:xfrm>
+            <a:off x="6379996" y="1944731"/>
+            <a:ext cx="2973344" cy="2973344"/>
+          </a:xfrm>
+          <a:prstGeom prst="rect">
+            <a:avLst/>
+          </a:prstGeom>
+        </p:spPr>
+      </p:pic>
     </p:spTree>
     <p:extLst>
       <p:ext uri="{BB962C8B-B14F-4D97-AF65-F5344CB8AC3E}">
-        <p14:creationId xmlns:p14="http://schemas.microsoft.com/office/powerpoint/2010/main" val="3474965173"/>
+        <p14:creationId xmlns:p14="http://schemas.microsoft.com/office/powerpoint/2010/main" val="2991756591"/>
       </p:ext>
     </p:extLst>
   </p:cSld>
@@ -4508,7 +4810,7 @@
             <a:pPr algn="ctr"/>
             <a:r>
               <a:rPr lang="fr-FR" sz="3200" b="1" dirty="0"/>
-              <a:t>Arborescence</a:t>
+              <a:t>Charte graphique</a:t>
             </a:r>
           </a:p>
         </p:txBody>
@@ -4518,7 +4820,7 @@
           <p:cNvPr id="22" name="Triangle rectangle 21">
             <a:extLst>
               <a:ext uri="{FF2B5EF4-FFF2-40B4-BE49-F238E27FC236}">
-                <a16:creationId xmlns:a16="http://schemas.microsoft.com/office/drawing/2014/main" id="{A5F7D3F7-A8DA-4882-B231-6ECA1D6B937B}"/>
+                <a16:creationId xmlns:a16="http://schemas.microsoft.com/office/drawing/2014/main" id="{BC19DEDF-9050-4C49-B936-D5D7999FE2E6}"/>
               </a:ext>
             </a:extLst>
           </p:cNvPr>
@@ -4572,7 +4874,7 @@
           <p:cNvPr id="23" name="Triangle rectangle 22">
             <a:extLst>
               <a:ext uri="{FF2B5EF4-FFF2-40B4-BE49-F238E27FC236}">
-                <a16:creationId xmlns:a16="http://schemas.microsoft.com/office/drawing/2014/main" id="{3232A79E-48DF-4F11-BB05-9C09DC911F00}"/>
+                <a16:creationId xmlns:a16="http://schemas.microsoft.com/office/drawing/2014/main" id="{AFEEA887-9BE9-4D87-A0E9-9BDB7AC8A838}"/>
               </a:ext>
             </a:extLst>
           </p:cNvPr>
@@ -4626,7 +4928,7 @@
           <p:cNvPr id="24" name="Triangle rectangle 23">
             <a:extLst>
               <a:ext uri="{FF2B5EF4-FFF2-40B4-BE49-F238E27FC236}">
-                <a16:creationId xmlns:a16="http://schemas.microsoft.com/office/drawing/2014/main" id="{B897A02A-BCD9-4E77-BB4F-B0DC2589CFA4}"/>
+                <a16:creationId xmlns:a16="http://schemas.microsoft.com/office/drawing/2014/main" id="{E620B325-E43C-4A6D-A35A-14C581497397}"/>
               </a:ext>
             </a:extLst>
           </p:cNvPr>
@@ -4680,7 +4982,7 @@
           <p:cNvPr id="25" name="Triangle rectangle 24">
             <a:extLst>
               <a:ext uri="{FF2B5EF4-FFF2-40B4-BE49-F238E27FC236}">
-                <a16:creationId xmlns:a16="http://schemas.microsoft.com/office/drawing/2014/main" id="{2E5D904F-7833-4BBF-83D7-A261E1005204}"/>
+                <a16:creationId xmlns:a16="http://schemas.microsoft.com/office/drawing/2014/main" id="{5C6EF744-CF2C-4E72-AFE9-71DA4579A05E}"/>
               </a:ext>
             </a:extLst>
           </p:cNvPr>
@@ -4734,7 +5036,7 @@
           <p:cNvPr id="26" name="Triangle rectangle 25">
             <a:extLst>
               <a:ext uri="{FF2B5EF4-FFF2-40B4-BE49-F238E27FC236}">
-                <a16:creationId xmlns:a16="http://schemas.microsoft.com/office/drawing/2014/main" id="{37D1F6C9-3C9B-4D49-B87C-D6EDA7D3648E}"/>
+                <a16:creationId xmlns:a16="http://schemas.microsoft.com/office/drawing/2014/main" id="{E5DCC439-05AF-4781-8AF3-0863C9F0ACDB}"/>
               </a:ext>
             </a:extLst>
           </p:cNvPr>
@@ -4788,7 +5090,7 @@
           <p:cNvPr id="27" name="Triangle rectangle 26">
             <a:extLst>
               <a:ext uri="{FF2B5EF4-FFF2-40B4-BE49-F238E27FC236}">
-                <a16:creationId xmlns:a16="http://schemas.microsoft.com/office/drawing/2014/main" id="{B05D112F-0D24-4667-A8BF-6515131C5497}"/>
+                <a16:creationId xmlns:a16="http://schemas.microsoft.com/office/drawing/2014/main" id="{BAC0F6BF-4D4E-480E-8A96-AB4476C9F11F}"/>
               </a:ext>
             </a:extLst>
           </p:cNvPr>
@@ -4840,7 +5142,7 @@
     </p:spTree>
     <p:extLst>
       <p:ext uri="{BB962C8B-B14F-4D97-AF65-F5344CB8AC3E}">
-        <p14:creationId xmlns:p14="http://schemas.microsoft.com/office/powerpoint/2010/main" val="3848902161"/>
+        <p14:creationId xmlns:p14="http://schemas.microsoft.com/office/powerpoint/2010/main" val="3474965173"/>
       </p:ext>
     </p:extLst>
   </p:cSld>
@@ -4869,10 +5171,10 @@
       </p:grpSpPr>
       <p:sp>
         <p:nvSpPr>
-          <p:cNvPr id="7" name="ZoneTexte 6">
-            <a:extLst>
-              <a:ext uri="{FF2B5EF4-FFF2-40B4-BE49-F238E27FC236}">
-                <a16:creationId xmlns:a16="http://schemas.microsoft.com/office/drawing/2014/main" id="{2C8B6EA8-1910-4810-918C-B0360DAAAD8A}"/>
+          <p:cNvPr id="6" name="ZoneTexte 5">
+            <a:extLst>
+              <a:ext uri="{FF2B5EF4-FFF2-40B4-BE49-F238E27FC236}">
+                <a16:creationId xmlns:a16="http://schemas.microsoft.com/office/drawing/2014/main" id="{6D4D10E8-E3A3-4FD4-BDD0-79A87FCCDFD5}"/>
               </a:ext>
             </a:extLst>
           </p:cNvPr>
@@ -4882,7 +5184,7 @@
         <p:spPr>
           <a:xfrm>
             <a:off x="0" y="380712"/>
-            <a:ext cx="12192000" cy="584775"/>
+            <a:ext cx="10554054" cy="584775"/>
           </a:xfrm>
           <a:prstGeom prst="rect">
             <a:avLst/>
@@ -4898,17 +5200,17 @@
             <a:pPr algn="ctr"/>
             <a:r>
               <a:rPr lang="fr-FR" sz="3200" b="1" dirty="0"/>
-              <a:t>Zoning &amp; wireframe</a:t>
+              <a:t>Arborescence</a:t>
             </a:r>
           </a:p>
         </p:txBody>
       </p:sp>
       <p:sp>
         <p:nvSpPr>
-          <p:cNvPr id="24" name="Triangle rectangle 23">
-            <a:extLst>
-              <a:ext uri="{FF2B5EF4-FFF2-40B4-BE49-F238E27FC236}">
-                <a16:creationId xmlns:a16="http://schemas.microsoft.com/office/drawing/2014/main" id="{394CE20D-DF0B-42A4-B085-E6D020BED555}"/>
+          <p:cNvPr id="22" name="Triangle rectangle 21">
+            <a:extLst>
+              <a:ext uri="{FF2B5EF4-FFF2-40B4-BE49-F238E27FC236}">
+                <a16:creationId xmlns:a16="http://schemas.microsoft.com/office/drawing/2014/main" id="{A5F7D3F7-A8DA-4882-B231-6ECA1D6B937B}"/>
               </a:ext>
             </a:extLst>
           </p:cNvPr>
@@ -4959,10 +5261,10 @@
       </p:sp>
       <p:sp>
         <p:nvSpPr>
-          <p:cNvPr id="25" name="Triangle rectangle 24">
-            <a:extLst>
-              <a:ext uri="{FF2B5EF4-FFF2-40B4-BE49-F238E27FC236}">
-                <a16:creationId xmlns:a16="http://schemas.microsoft.com/office/drawing/2014/main" id="{3C24593C-73DB-42D6-B7CA-BE1C81748867}"/>
+          <p:cNvPr id="23" name="Triangle rectangle 22">
+            <a:extLst>
+              <a:ext uri="{FF2B5EF4-FFF2-40B4-BE49-F238E27FC236}">
+                <a16:creationId xmlns:a16="http://schemas.microsoft.com/office/drawing/2014/main" id="{3232A79E-48DF-4F11-BB05-9C09DC911F00}"/>
               </a:ext>
             </a:extLst>
           </p:cNvPr>
@@ -5013,10 +5315,10 @@
       </p:sp>
       <p:sp>
         <p:nvSpPr>
-          <p:cNvPr id="26" name="Triangle rectangle 25">
-            <a:extLst>
-              <a:ext uri="{FF2B5EF4-FFF2-40B4-BE49-F238E27FC236}">
-                <a16:creationId xmlns:a16="http://schemas.microsoft.com/office/drawing/2014/main" id="{2820B7E6-8CB5-4A19-A00F-5EE546C0FC74}"/>
+          <p:cNvPr id="24" name="Triangle rectangle 23">
+            <a:extLst>
+              <a:ext uri="{FF2B5EF4-FFF2-40B4-BE49-F238E27FC236}">
+                <a16:creationId xmlns:a16="http://schemas.microsoft.com/office/drawing/2014/main" id="{B897A02A-BCD9-4E77-BB4F-B0DC2589CFA4}"/>
               </a:ext>
             </a:extLst>
           </p:cNvPr>
@@ -5067,10 +5369,10 @@
       </p:sp>
       <p:sp>
         <p:nvSpPr>
-          <p:cNvPr id="27" name="Triangle rectangle 26">
-            <a:extLst>
-              <a:ext uri="{FF2B5EF4-FFF2-40B4-BE49-F238E27FC236}">
-                <a16:creationId xmlns:a16="http://schemas.microsoft.com/office/drawing/2014/main" id="{3C31AA80-38A9-48B5-95C8-2D30D056FBBD}"/>
+          <p:cNvPr id="25" name="Triangle rectangle 24">
+            <a:extLst>
+              <a:ext uri="{FF2B5EF4-FFF2-40B4-BE49-F238E27FC236}">
+                <a16:creationId xmlns:a16="http://schemas.microsoft.com/office/drawing/2014/main" id="{2E5D904F-7833-4BBF-83D7-A261E1005204}"/>
               </a:ext>
             </a:extLst>
           </p:cNvPr>
@@ -5121,10 +5423,10 @@
       </p:sp>
       <p:sp>
         <p:nvSpPr>
-          <p:cNvPr id="28" name="Triangle rectangle 27">
-            <a:extLst>
-              <a:ext uri="{FF2B5EF4-FFF2-40B4-BE49-F238E27FC236}">
-                <a16:creationId xmlns:a16="http://schemas.microsoft.com/office/drawing/2014/main" id="{1E9F18E8-2E84-4DFE-9B21-C6C8F73C5D72}"/>
+          <p:cNvPr id="26" name="Triangle rectangle 25">
+            <a:extLst>
+              <a:ext uri="{FF2B5EF4-FFF2-40B4-BE49-F238E27FC236}">
+                <a16:creationId xmlns:a16="http://schemas.microsoft.com/office/drawing/2014/main" id="{37D1F6C9-3C9B-4D49-B87C-D6EDA7D3648E}"/>
               </a:ext>
             </a:extLst>
           </p:cNvPr>
@@ -5175,10 +5477,10 @@
       </p:sp>
       <p:sp>
         <p:nvSpPr>
-          <p:cNvPr id="29" name="Triangle rectangle 28">
-            <a:extLst>
-              <a:ext uri="{FF2B5EF4-FFF2-40B4-BE49-F238E27FC236}">
-                <a16:creationId xmlns:a16="http://schemas.microsoft.com/office/drawing/2014/main" id="{F9EB5312-FCB5-44BC-B3DA-F98FF0DFB016}"/>
+          <p:cNvPr id="27" name="Triangle rectangle 26">
+            <a:extLst>
+              <a:ext uri="{FF2B5EF4-FFF2-40B4-BE49-F238E27FC236}">
+                <a16:creationId xmlns:a16="http://schemas.microsoft.com/office/drawing/2014/main" id="{B05D112F-0D24-4667-A8BF-6515131C5497}"/>
               </a:ext>
             </a:extLst>
           </p:cNvPr>
@@ -5227,10 +5529,254 @@
           </a:p>
         </p:txBody>
       </p:sp>
+      <p:sp>
+        <p:nvSpPr>
+          <p:cNvPr id="2" name="Rectangle : coins arrondis 1">
+            <a:extLst>
+              <a:ext uri="{FF2B5EF4-FFF2-40B4-BE49-F238E27FC236}">
+                <a16:creationId xmlns:a16="http://schemas.microsoft.com/office/drawing/2014/main" id="{5DA65554-DFCB-4E10-95C9-57D710751F3F}"/>
+              </a:ext>
+            </a:extLst>
+          </p:cNvPr>
+          <p:cNvSpPr/>
+          <p:nvPr/>
+        </p:nvSpPr>
+        <p:spPr>
+          <a:xfrm>
+            <a:off x="2289278" y="1163358"/>
+            <a:ext cx="5975498" cy="1690577"/>
+          </a:xfrm>
+          <a:prstGeom prst="roundRect">
+            <a:avLst/>
+          </a:prstGeom>
+          <a:solidFill>
+            <a:schemeClr val="bg1"/>
+          </a:solidFill>
+          <a:ln>
+            <a:solidFill>
+              <a:schemeClr val="tx1"/>
+            </a:solidFill>
+          </a:ln>
+        </p:spPr>
+        <p:style>
+          <a:lnRef idx="2">
+            <a:schemeClr val="accent1">
+              <a:shade val="50000"/>
+            </a:schemeClr>
+          </a:lnRef>
+          <a:fillRef idx="1">
+            <a:schemeClr val="accent1"/>
+          </a:fillRef>
+          <a:effectRef idx="0">
+            <a:schemeClr val="accent1"/>
+          </a:effectRef>
+          <a:fontRef idx="minor">
+            <a:schemeClr val="lt1"/>
+          </a:fontRef>
+        </p:style>
+        <p:txBody>
+          <a:bodyPr rtlCol="0" anchor="t"/>
+          <a:lstStyle/>
+          <a:p>
+            <a:pPr algn="ctr"/>
+            <a:r>
+              <a:rPr lang="fr-FR" dirty="0">
+                <a:solidFill>
+                  <a:schemeClr val="tx1"/>
+                </a:solidFill>
+              </a:rPr>
+              <a:t>accueil</a:t>
+            </a:r>
+          </a:p>
+        </p:txBody>
+      </p:sp>
+      <p:sp>
+        <p:nvSpPr>
+          <p:cNvPr id="10" name="Rectangle : coins arrondis 9">
+            <a:extLst>
+              <a:ext uri="{FF2B5EF4-FFF2-40B4-BE49-F238E27FC236}">
+                <a16:creationId xmlns:a16="http://schemas.microsoft.com/office/drawing/2014/main" id="{827A59CF-63BC-4D67-9CFF-32007A0ADA1B}"/>
+              </a:ext>
+            </a:extLst>
+          </p:cNvPr>
+          <p:cNvSpPr/>
+          <p:nvPr/>
+        </p:nvSpPr>
+        <p:spPr>
+          <a:xfrm>
+            <a:off x="755867" y="4082038"/>
+            <a:ext cx="2704480" cy="1690577"/>
+          </a:xfrm>
+          <a:prstGeom prst="roundRect">
+            <a:avLst/>
+          </a:prstGeom>
+          <a:solidFill>
+            <a:schemeClr val="bg1"/>
+          </a:solidFill>
+          <a:ln>
+            <a:solidFill>
+              <a:schemeClr val="tx1"/>
+            </a:solidFill>
+          </a:ln>
+        </p:spPr>
+        <p:style>
+          <a:lnRef idx="2">
+            <a:schemeClr val="accent1">
+              <a:shade val="50000"/>
+            </a:schemeClr>
+          </a:lnRef>
+          <a:fillRef idx="1">
+            <a:schemeClr val="accent1"/>
+          </a:fillRef>
+          <a:effectRef idx="0">
+            <a:schemeClr val="accent1"/>
+          </a:effectRef>
+          <a:fontRef idx="minor">
+            <a:schemeClr val="lt1"/>
+          </a:fontRef>
+        </p:style>
+        <p:txBody>
+          <a:bodyPr rtlCol="0" anchor="t"/>
+          <a:lstStyle/>
+          <a:p>
+            <a:pPr algn="ctr"/>
+            <a:r>
+              <a:rPr lang="fr-FR" dirty="0">
+                <a:solidFill>
+                  <a:schemeClr val="tx1"/>
+                </a:solidFill>
+              </a:rPr>
+              <a:t>accueil</a:t>
+            </a:r>
+          </a:p>
+        </p:txBody>
+      </p:sp>
+      <p:sp>
+        <p:nvSpPr>
+          <p:cNvPr id="11" name="Rectangle : coins arrondis 10">
+            <a:extLst>
+              <a:ext uri="{FF2B5EF4-FFF2-40B4-BE49-F238E27FC236}">
+                <a16:creationId xmlns:a16="http://schemas.microsoft.com/office/drawing/2014/main" id="{85D662A4-CEED-43A6-8950-CDCDA2CBDE83}"/>
+              </a:ext>
+            </a:extLst>
+          </p:cNvPr>
+          <p:cNvSpPr/>
+          <p:nvPr/>
+        </p:nvSpPr>
+        <p:spPr>
+          <a:xfrm>
+            <a:off x="3924787" y="4082038"/>
+            <a:ext cx="2704480" cy="1690577"/>
+          </a:xfrm>
+          <a:prstGeom prst="roundRect">
+            <a:avLst/>
+          </a:prstGeom>
+          <a:solidFill>
+            <a:schemeClr val="bg1"/>
+          </a:solidFill>
+          <a:ln>
+            <a:solidFill>
+              <a:schemeClr val="tx1"/>
+            </a:solidFill>
+          </a:ln>
+        </p:spPr>
+        <p:style>
+          <a:lnRef idx="2">
+            <a:schemeClr val="accent1">
+              <a:shade val="50000"/>
+            </a:schemeClr>
+          </a:lnRef>
+          <a:fillRef idx="1">
+            <a:schemeClr val="accent1"/>
+          </a:fillRef>
+          <a:effectRef idx="0">
+            <a:schemeClr val="accent1"/>
+          </a:effectRef>
+          <a:fontRef idx="minor">
+            <a:schemeClr val="lt1"/>
+          </a:fontRef>
+        </p:style>
+        <p:txBody>
+          <a:bodyPr rtlCol="0" anchor="t"/>
+          <a:lstStyle/>
+          <a:p>
+            <a:pPr algn="ctr"/>
+            <a:r>
+              <a:rPr lang="fr-FR" dirty="0">
+                <a:solidFill>
+                  <a:schemeClr val="tx1"/>
+                </a:solidFill>
+              </a:rPr>
+              <a:t>accueil</a:t>
+            </a:r>
+          </a:p>
+        </p:txBody>
+      </p:sp>
+      <p:sp>
+        <p:nvSpPr>
+          <p:cNvPr id="12" name="Rectangle : coins arrondis 11">
+            <a:extLst>
+              <a:ext uri="{FF2B5EF4-FFF2-40B4-BE49-F238E27FC236}">
+                <a16:creationId xmlns:a16="http://schemas.microsoft.com/office/drawing/2014/main" id="{4957B615-9AD3-4625-9CA7-3355C0AFD944}"/>
+              </a:ext>
+            </a:extLst>
+          </p:cNvPr>
+          <p:cNvSpPr/>
+          <p:nvPr/>
+        </p:nvSpPr>
+        <p:spPr>
+          <a:xfrm>
+            <a:off x="7093707" y="4004065"/>
+            <a:ext cx="2704480" cy="1690577"/>
+          </a:xfrm>
+          <a:prstGeom prst="roundRect">
+            <a:avLst/>
+          </a:prstGeom>
+          <a:solidFill>
+            <a:schemeClr val="bg1"/>
+          </a:solidFill>
+          <a:ln>
+            <a:solidFill>
+              <a:schemeClr val="tx1"/>
+            </a:solidFill>
+          </a:ln>
+        </p:spPr>
+        <p:style>
+          <a:lnRef idx="2">
+            <a:schemeClr val="accent1">
+              <a:shade val="50000"/>
+            </a:schemeClr>
+          </a:lnRef>
+          <a:fillRef idx="1">
+            <a:schemeClr val="accent1"/>
+          </a:fillRef>
+          <a:effectRef idx="0">
+            <a:schemeClr val="accent1"/>
+          </a:effectRef>
+          <a:fontRef idx="minor">
+            <a:schemeClr val="lt1"/>
+          </a:fontRef>
+        </p:style>
+        <p:txBody>
+          <a:bodyPr rtlCol="0" anchor="t"/>
+          <a:lstStyle/>
+          <a:p>
+            <a:pPr algn="ctr"/>
+            <a:r>
+              <a:rPr lang="fr-FR" dirty="0">
+                <a:solidFill>
+                  <a:schemeClr val="tx1"/>
+                </a:solidFill>
+              </a:rPr>
+              <a:t>accueil</a:t>
+            </a:r>
+          </a:p>
+        </p:txBody>
+      </p:sp>
     </p:spTree>
     <p:extLst>
       <p:ext uri="{BB962C8B-B14F-4D97-AF65-F5344CB8AC3E}">
-        <p14:creationId xmlns:p14="http://schemas.microsoft.com/office/powerpoint/2010/main" val="3269211375"/>
+        <p14:creationId xmlns:p14="http://schemas.microsoft.com/office/powerpoint/2010/main" val="3848902161"/>
       </p:ext>
     </p:extLst>
   </p:cSld>
@@ -5288,17 +5834,17 @@
             <a:pPr algn="ctr"/>
             <a:r>
               <a:rPr lang="fr-FR" sz="3200" b="1" dirty="0"/>
-              <a:t>Maquette</a:t>
+              <a:t>Zoning &amp; wireframe</a:t>
             </a:r>
           </a:p>
         </p:txBody>
       </p:sp>
       <p:sp>
         <p:nvSpPr>
-          <p:cNvPr id="22" name="Triangle rectangle 21">
-            <a:extLst>
-              <a:ext uri="{FF2B5EF4-FFF2-40B4-BE49-F238E27FC236}">
-                <a16:creationId xmlns:a16="http://schemas.microsoft.com/office/drawing/2014/main" id="{DA26ACA7-D13C-49A9-83E7-61B1DE117760}"/>
+          <p:cNvPr id="24" name="Triangle rectangle 23">
+            <a:extLst>
+              <a:ext uri="{FF2B5EF4-FFF2-40B4-BE49-F238E27FC236}">
+                <a16:creationId xmlns:a16="http://schemas.microsoft.com/office/drawing/2014/main" id="{394CE20D-DF0B-42A4-B085-E6D020BED555}"/>
               </a:ext>
             </a:extLst>
           </p:cNvPr>
@@ -5349,10 +5895,10 @@
       </p:sp>
       <p:sp>
         <p:nvSpPr>
-          <p:cNvPr id="23" name="Triangle rectangle 22">
-            <a:extLst>
-              <a:ext uri="{FF2B5EF4-FFF2-40B4-BE49-F238E27FC236}">
-                <a16:creationId xmlns:a16="http://schemas.microsoft.com/office/drawing/2014/main" id="{E55FD0F8-65AA-45D9-AE49-752D281B5A7C}"/>
+          <p:cNvPr id="25" name="Triangle rectangle 24">
+            <a:extLst>
+              <a:ext uri="{FF2B5EF4-FFF2-40B4-BE49-F238E27FC236}">
+                <a16:creationId xmlns:a16="http://schemas.microsoft.com/office/drawing/2014/main" id="{3C24593C-73DB-42D6-B7CA-BE1C81748867}"/>
               </a:ext>
             </a:extLst>
           </p:cNvPr>
@@ -5403,10 +5949,10 @@
       </p:sp>
       <p:sp>
         <p:nvSpPr>
-          <p:cNvPr id="24" name="Triangle rectangle 23">
-            <a:extLst>
-              <a:ext uri="{FF2B5EF4-FFF2-40B4-BE49-F238E27FC236}">
-                <a16:creationId xmlns:a16="http://schemas.microsoft.com/office/drawing/2014/main" id="{DB36E4A4-A9C9-4D8C-A3DA-4A3382BE859E}"/>
+          <p:cNvPr id="26" name="Triangle rectangle 25">
+            <a:extLst>
+              <a:ext uri="{FF2B5EF4-FFF2-40B4-BE49-F238E27FC236}">
+                <a16:creationId xmlns:a16="http://schemas.microsoft.com/office/drawing/2014/main" id="{2820B7E6-8CB5-4A19-A00F-5EE546C0FC74}"/>
               </a:ext>
             </a:extLst>
           </p:cNvPr>
@@ -5457,10 +6003,10 @@
       </p:sp>
       <p:sp>
         <p:nvSpPr>
-          <p:cNvPr id="25" name="Triangle rectangle 24">
-            <a:extLst>
-              <a:ext uri="{FF2B5EF4-FFF2-40B4-BE49-F238E27FC236}">
-                <a16:creationId xmlns:a16="http://schemas.microsoft.com/office/drawing/2014/main" id="{19725314-79C6-44A8-93AD-915ACF4BDC66}"/>
+          <p:cNvPr id="27" name="Triangle rectangle 26">
+            <a:extLst>
+              <a:ext uri="{FF2B5EF4-FFF2-40B4-BE49-F238E27FC236}">
+                <a16:creationId xmlns:a16="http://schemas.microsoft.com/office/drawing/2014/main" id="{3C31AA80-38A9-48B5-95C8-2D30D056FBBD}"/>
               </a:ext>
             </a:extLst>
           </p:cNvPr>
@@ -5511,10 +6057,10 @@
       </p:sp>
       <p:sp>
         <p:nvSpPr>
-          <p:cNvPr id="26" name="Triangle rectangle 25">
-            <a:extLst>
-              <a:ext uri="{FF2B5EF4-FFF2-40B4-BE49-F238E27FC236}">
-                <a16:creationId xmlns:a16="http://schemas.microsoft.com/office/drawing/2014/main" id="{C03BF5B9-853F-4F8B-A41D-EEECB200DCA3}"/>
+          <p:cNvPr id="28" name="Triangle rectangle 27">
+            <a:extLst>
+              <a:ext uri="{FF2B5EF4-FFF2-40B4-BE49-F238E27FC236}">
+                <a16:creationId xmlns:a16="http://schemas.microsoft.com/office/drawing/2014/main" id="{1E9F18E8-2E84-4DFE-9B21-C6C8F73C5D72}"/>
               </a:ext>
             </a:extLst>
           </p:cNvPr>
@@ -5565,10 +6111,10 @@
       </p:sp>
       <p:sp>
         <p:nvSpPr>
-          <p:cNvPr id="27" name="Triangle rectangle 26">
-            <a:extLst>
-              <a:ext uri="{FF2B5EF4-FFF2-40B4-BE49-F238E27FC236}">
-                <a16:creationId xmlns:a16="http://schemas.microsoft.com/office/drawing/2014/main" id="{7AD08F64-5C44-44E4-AAAA-D472DB0F0BEE}"/>
+          <p:cNvPr id="29" name="Triangle rectangle 28">
+            <a:extLst>
+              <a:ext uri="{FF2B5EF4-FFF2-40B4-BE49-F238E27FC236}">
+                <a16:creationId xmlns:a16="http://schemas.microsoft.com/office/drawing/2014/main" id="{F9EB5312-FCB5-44BC-B3DA-F98FF0DFB016}"/>
               </a:ext>
             </a:extLst>
           </p:cNvPr>
@@ -5620,7 +6166,7 @@
     </p:spTree>
     <p:extLst>
       <p:ext uri="{BB962C8B-B14F-4D97-AF65-F5344CB8AC3E}">
-        <p14:creationId xmlns:p14="http://schemas.microsoft.com/office/powerpoint/2010/main" val="3185614080"/>
+        <p14:creationId xmlns:p14="http://schemas.microsoft.com/office/powerpoint/2010/main" val="3269211375"/>
       </p:ext>
     </p:extLst>
   </p:cSld>
@@ -5678,17 +6224,17 @@
             <a:pPr algn="ctr"/>
             <a:r>
               <a:rPr lang="fr-FR" sz="3200" b="1" dirty="0"/>
-              <a:t>Prototype</a:t>
+              <a:t>Maquette</a:t>
             </a:r>
           </a:p>
         </p:txBody>
       </p:sp>
       <p:sp>
         <p:nvSpPr>
-          <p:cNvPr id="19" name="Triangle rectangle 18">
-            <a:extLst>
-              <a:ext uri="{FF2B5EF4-FFF2-40B4-BE49-F238E27FC236}">
-                <a16:creationId xmlns:a16="http://schemas.microsoft.com/office/drawing/2014/main" id="{8CEB9BC8-6BD3-4CCA-9D70-21A1B3CC6435}"/>
+          <p:cNvPr id="22" name="Triangle rectangle 21">
+            <a:extLst>
+              <a:ext uri="{FF2B5EF4-FFF2-40B4-BE49-F238E27FC236}">
+                <a16:creationId xmlns:a16="http://schemas.microsoft.com/office/drawing/2014/main" id="{DA26ACA7-D13C-49A9-83E7-61B1DE117760}"/>
               </a:ext>
             </a:extLst>
           </p:cNvPr>
@@ -5739,10 +6285,10 @@
       </p:sp>
       <p:sp>
         <p:nvSpPr>
-          <p:cNvPr id="20" name="Triangle rectangle 19">
-            <a:extLst>
-              <a:ext uri="{FF2B5EF4-FFF2-40B4-BE49-F238E27FC236}">
-                <a16:creationId xmlns:a16="http://schemas.microsoft.com/office/drawing/2014/main" id="{DA99995B-F617-4E79-898E-589DE9F85819}"/>
+          <p:cNvPr id="23" name="Triangle rectangle 22">
+            <a:extLst>
+              <a:ext uri="{FF2B5EF4-FFF2-40B4-BE49-F238E27FC236}">
+                <a16:creationId xmlns:a16="http://schemas.microsoft.com/office/drawing/2014/main" id="{E55FD0F8-65AA-45D9-AE49-752D281B5A7C}"/>
               </a:ext>
             </a:extLst>
           </p:cNvPr>
@@ -5793,10 +6339,10 @@
       </p:sp>
       <p:sp>
         <p:nvSpPr>
-          <p:cNvPr id="21" name="Triangle rectangle 20">
-            <a:extLst>
-              <a:ext uri="{FF2B5EF4-FFF2-40B4-BE49-F238E27FC236}">
-                <a16:creationId xmlns:a16="http://schemas.microsoft.com/office/drawing/2014/main" id="{94C7DAED-1B09-42BA-AC58-4187D4620CF5}"/>
+          <p:cNvPr id="24" name="Triangle rectangle 23">
+            <a:extLst>
+              <a:ext uri="{FF2B5EF4-FFF2-40B4-BE49-F238E27FC236}">
+                <a16:creationId xmlns:a16="http://schemas.microsoft.com/office/drawing/2014/main" id="{DB36E4A4-A9C9-4D8C-A3DA-4A3382BE859E}"/>
               </a:ext>
             </a:extLst>
           </p:cNvPr>
@@ -5847,10 +6393,10 @@
       </p:sp>
       <p:sp>
         <p:nvSpPr>
-          <p:cNvPr id="22" name="Triangle rectangle 21">
-            <a:extLst>
-              <a:ext uri="{FF2B5EF4-FFF2-40B4-BE49-F238E27FC236}">
-                <a16:creationId xmlns:a16="http://schemas.microsoft.com/office/drawing/2014/main" id="{DA708C79-7C01-40E1-A6A1-EC7A2418B9CD}"/>
+          <p:cNvPr id="25" name="Triangle rectangle 24">
+            <a:extLst>
+              <a:ext uri="{FF2B5EF4-FFF2-40B4-BE49-F238E27FC236}">
+                <a16:creationId xmlns:a16="http://schemas.microsoft.com/office/drawing/2014/main" id="{19725314-79C6-44A8-93AD-915ACF4BDC66}"/>
               </a:ext>
             </a:extLst>
           </p:cNvPr>
@@ -5901,10 +6447,10 @@
       </p:sp>
       <p:sp>
         <p:nvSpPr>
-          <p:cNvPr id="23" name="Triangle rectangle 22">
-            <a:extLst>
-              <a:ext uri="{FF2B5EF4-FFF2-40B4-BE49-F238E27FC236}">
-                <a16:creationId xmlns:a16="http://schemas.microsoft.com/office/drawing/2014/main" id="{1A0E9608-3D70-4A9C-8381-CBCF97A72F40}"/>
+          <p:cNvPr id="26" name="Triangle rectangle 25">
+            <a:extLst>
+              <a:ext uri="{FF2B5EF4-FFF2-40B4-BE49-F238E27FC236}">
+                <a16:creationId xmlns:a16="http://schemas.microsoft.com/office/drawing/2014/main" id="{C03BF5B9-853F-4F8B-A41D-EEECB200DCA3}"/>
               </a:ext>
             </a:extLst>
           </p:cNvPr>
@@ -5955,10 +6501,10 @@
       </p:sp>
       <p:sp>
         <p:nvSpPr>
-          <p:cNvPr id="24" name="Triangle rectangle 23">
-            <a:extLst>
-              <a:ext uri="{FF2B5EF4-FFF2-40B4-BE49-F238E27FC236}">
-                <a16:creationId xmlns:a16="http://schemas.microsoft.com/office/drawing/2014/main" id="{77460008-F034-4886-9D87-526A91C1AD45}"/>
+          <p:cNvPr id="27" name="Triangle rectangle 26">
+            <a:extLst>
+              <a:ext uri="{FF2B5EF4-FFF2-40B4-BE49-F238E27FC236}">
+                <a16:creationId xmlns:a16="http://schemas.microsoft.com/office/drawing/2014/main" id="{7AD08F64-5C44-44E4-AAAA-D472DB0F0BEE}"/>
               </a:ext>
             </a:extLst>
           </p:cNvPr>
@@ -6010,7 +6556,7 @@
     </p:spTree>
     <p:extLst>
       <p:ext uri="{BB962C8B-B14F-4D97-AF65-F5344CB8AC3E}">
-        <p14:creationId xmlns:p14="http://schemas.microsoft.com/office/powerpoint/2010/main" val="279971249"/>
+        <p14:creationId xmlns:p14="http://schemas.microsoft.com/office/powerpoint/2010/main" val="3185614080"/>
       </p:ext>
     </p:extLst>
   </p:cSld>
@@ -6068,7 +6614,7 @@
             <a:pPr algn="ctr"/>
             <a:r>
               <a:rPr lang="fr-FR" sz="3200" b="1" dirty="0"/>
-              <a:t>Technologies utilisées pour l’intégration</a:t>
+              <a:t>Prototype</a:t>
             </a:r>
           </a:p>
         </p:txBody>
@@ -6400,7 +6946,7 @@
     </p:spTree>
     <p:extLst>
       <p:ext uri="{BB962C8B-B14F-4D97-AF65-F5344CB8AC3E}">
-        <p14:creationId xmlns:p14="http://schemas.microsoft.com/office/powerpoint/2010/main" val="621299044"/>
+        <p14:creationId xmlns:p14="http://schemas.microsoft.com/office/powerpoint/2010/main" val="279971249"/>
       </p:ext>
     </p:extLst>
   </p:cSld>
@@ -6458,6 +7004,396 @@
             <a:pPr algn="ctr"/>
             <a:r>
               <a:rPr lang="fr-FR" sz="3200" b="1" dirty="0"/>
+              <a:t>Technologies utilisées pour l’intégration</a:t>
+            </a:r>
+          </a:p>
+        </p:txBody>
+      </p:sp>
+      <p:sp>
+        <p:nvSpPr>
+          <p:cNvPr id="19" name="Triangle rectangle 18">
+            <a:extLst>
+              <a:ext uri="{FF2B5EF4-FFF2-40B4-BE49-F238E27FC236}">
+                <a16:creationId xmlns:a16="http://schemas.microsoft.com/office/drawing/2014/main" id="{8CEB9BC8-6BD3-4CCA-9D70-21A1B3CC6435}"/>
+              </a:ext>
+            </a:extLst>
+          </p:cNvPr>
+          <p:cNvSpPr/>
+          <p:nvPr/>
+        </p:nvSpPr>
+        <p:spPr>
+          <a:xfrm flipH="1">
+            <a:off x="8157029" y="-1104901"/>
+            <a:ext cx="4032590" cy="14592301"/>
+          </a:xfrm>
+          <a:prstGeom prst="rtTriangle">
+            <a:avLst/>
+          </a:prstGeom>
+          <a:solidFill>
+            <a:schemeClr val="accent1">
+              <a:alpha val="30000"/>
+            </a:schemeClr>
+          </a:solidFill>
+          <a:ln>
+            <a:noFill/>
+          </a:ln>
+        </p:spPr>
+        <p:style>
+          <a:lnRef idx="2">
+            <a:schemeClr val="accent1">
+              <a:shade val="50000"/>
+            </a:schemeClr>
+          </a:lnRef>
+          <a:fillRef idx="1">
+            <a:schemeClr val="accent1"/>
+          </a:fillRef>
+          <a:effectRef idx="0">
+            <a:schemeClr val="accent1"/>
+          </a:effectRef>
+          <a:fontRef idx="minor">
+            <a:schemeClr val="lt1"/>
+          </a:fontRef>
+        </p:style>
+        <p:txBody>
+          <a:bodyPr rtlCol="0" anchor="ctr"/>
+          <a:lstStyle/>
+          <a:p>
+            <a:pPr algn="ctr"/>
+            <a:endParaRPr lang="fr-FR"/>
+          </a:p>
+        </p:txBody>
+      </p:sp>
+      <p:sp>
+        <p:nvSpPr>
+          <p:cNvPr id="20" name="Triangle rectangle 19">
+            <a:extLst>
+              <a:ext uri="{FF2B5EF4-FFF2-40B4-BE49-F238E27FC236}">
+                <a16:creationId xmlns:a16="http://schemas.microsoft.com/office/drawing/2014/main" id="{DA99995B-F617-4E79-898E-589DE9F85819}"/>
+              </a:ext>
+            </a:extLst>
+          </p:cNvPr>
+          <p:cNvSpPr/>
+          <p:nvPr/>
+        </p:nvSpPr>
+        <p:spPr>
+          <a:xfrm flipH="1">
+            <a:off x="9104687" y="-1104901"/>
+            <a:ext cx="3084932" cy="14592301"/>
+          </a:xfrm>
+          <a:prstGeom prst="rtTriangle">
+            <a:avLst/>
+          </a:prstGeom>
+          <a:solidFill>
+            <a:schemeClr val="accent1">
+              <a:alpha val="30000"/>
+            </a:schemeClr>
+          </a:solidFill>
+          <a:ln>
+            <a:noFill/>
+          </a:ln>
+        </p:spPr>
+        <p:style>
+          <a:lnRef idx="2">
+            <a:schemeClr val="accent1">
+              <a:shade val="50000"/>
+            </a:schemeClr>
+          </a:lnRef>
+          <a:fillRef idx="1">
+            <a:schemeClr val="accent1"/>
+          </a:fillRef>
+          <a:effectRef idx="0">
+            <a:schemeClr val="accent1"/>
+          </a:effectRef>
+          <a:fontRef idx="minor">
+            <a:schemeClr val="lt1"/>
+          </a:fontRef>
+        </p:style>
+        <p:txBody>
+          <a:bodyPr rtlCol="0" anchor="ctr"/>
+          <a:lstStyle/>
+          <a:p>
+            <a:pPr algn="ctr"/>
+            <a:endParaRPr lang="fr-FR"/>
+          </a:p>
+        </p:txBody>
+      </p:sp>
+      <p:sp>
+        <p:nvSpPr>
+          <p:cNvPr id="21" name="Triangle rectangle 20">
+            <a:extLst>
+              <a:ext uri="{FF2B5EF4-FFF2-40B4-BE49-F238E27FC236}">
+                <a16:creationId xmlns:a16="http://schemas.microsoft.com/office/drawing/2014/main" id="{94C7DAED-1B09-42BA-AC58-4187D4620CF5}"/>
+              </a:ext>
+            </a:extLst>
+          </p:cNvPr>
+          <p:cNvSpPr/>
+          <p:nvPr/>
+        </p:nvSpPr>
+        <p:spPr>
+          <a:xfrm flipH="1">
+            <a:off x="10063540" y="-1104901"/>
+            <a:ext cx="2107028" cy="14592301"/>
+          </a:xfrm>
+          <a:prstGeom prst="rtTriangle">
+            <a:avLst/>
+          </a:prstGeom>
+          <a:solidFill>
+            <a:schemeClr val="accent1">
+              <a:alpha val="30000"/>
+            </a:schemeClr>
+          </a:solidFill>
+          <a:ln>
+            <a:noFill/>
+          </a:ln>
+        </p:spPr>
+        <p:style>
+          <a:lnRef idx="2">
+            <a:schemeClr val="accent1">
+              <a:shade val="50000"/>
+            </a:schemeClr>
+          </a:lnRef>
+          <a:fillRef idx="1">
+            <a:schemeClr val="accent1"/>
+          </a:fillRef>
+          <a:effectRef idx="0">
+            <a:schemeClr val="accent1"/>
+          </a:effectRef>
+          <a:fontRef idx="minor">
+            <a:schemeClr val="lt1"/>
+          </a:fontRef>
+        </p:style>
+        <p:txBody>
+          <a:bodyPr rtlCol="0" anchor="ctr"/>
+          <a:lstStyle/>
+          <a:p>
+            <a:pPr algn="ctr"/>
+            <a:endParaRPr lang="fr-FR"/>
+          </a:p>
+        </p:txBody>
+      </p:sp>
+      <p:sp>
+        <p:nvSpPr>
+          <p:cNvPr id="22" name="Triangle rectangle 21">
+            <a:extLst>
+              <a:ext uri="{FF2B5EF4-FFF2-40B4-BE49-F238E27FC236}">
+                <a16:creationId xmlns:a16="http://schemas.microsoft.com/office/drawing/2014/main" id="{DA708C79-7C01-40E1-A6A1-EC7A2418B9CD}"/>
+              </a:ext>
+            </a:extLst>
+          </p:cNvPr>
+          <p:cNvSpPr/>
+          <p:nvPr/>
+        </p:nvSpPr>
+        <p:spPr>
+          <a:xfrm flipH="1" flipV="1">
+            <a:off x="10060236" y="-1104902"/>
+            <a:ext cx="2131763" cy="7917674"/>
+          </a:xfrm>
+          <a:prstGeom prst="rtTriangle">
+            <a:avLst/>
+          </a:prstGeom>
+          <a:solidFill>
+            <a:schemeClr val="accent1">
+              <a:alpha val="30000"/>
+            </a:schemeClr>
+          </a:solidFill>
+          <a:ln>
+            <a:noFill/>
+          </a:ln>
+        </p:spPr>
+        <p:style>
+          <a:lnRef idx="2">
+            <a:schemeClr val="accent1">
+              <a:shade val="50000"/>
+            </a:schemeClr>
+          </a:lnRef>
+          <a:fillRef idx="1">
+            <a:schemeClr val="accent1"/>
+          </a:fillRef>
+          <a:effectRef idx="0">
+            <a:schemeClr val="accent1"/>
+          </a:effectRef>
+          <a:fontRef idx="minor">
+            <a:schemeClr val="lt1"/>
+          </a:fontRef>
+        </p:style>
+        <p:txBody>
+          <a:bodyPr rtlCol="0" anchor="ctr"/>
+          <a:lstStyle/>
+          <a:p>
+            <a:pPr algn="ctr"/>
+            <a:endParaRPr lang="fr-FR"/>
+          </a:p>
+        </p:txBody>
+      </p:sp>
+      <p:sp>
+        <p:nvSpPr>
+          <p:cNvPr id="23" name="Triangle rectangle 22">
+            <a:extLst>
+              <a:ext uri="{FF2B5EF4-FFF2-40B4-BE49-F238E27FC236}">
+                <a16:creationId xmlns:a16="http://schemas.microsoft.com/office/drawing/2014/main" id="{1A0E9608-3D70-4A9C-8381-CBCF97A72F40}"/>
+              </a:ext>
+            </a:extLst>
+          </p:cNvPr>
+          <p:cNvSpPr/>
+          <p:nvPr/>
+        </p:nvSpPr>
+        <p:spPr>
+          <a:xfrm flipH="1" flipV="1">
+            <a:off x="10554057" y="-1104902"/>
+            <a:ext cx="1630799" cy="7917674"/>
+          </a:xfrm>
+          <a:prstGeom prst="rtTriangle">
+            <a:avLst/>
+          </a:prstGeom>
+          <a:solidFill>
+            <a:schemeClr val="accent1">
+              <a:alpha val="30000"/>
+            </a:schemeClr>
+          </a:solidFill>
+          <a:ln>
+            <a:noFill/>
+          </a:ln>
+        </p:spPr>
+        <p:style>
+          <a:lnRef idx="2">
+            <a:schemeClr val="accent1">
+              <a:shade val="50000"/>
+            </a:schemeClr>
+          </a:lnRef>
+          <a:fillRef idx="1">
+            <a:schemeClr val="accent1"/>
+          </a:fillRef>
+          <a:effectRef idx="0">
+            <a:schemeClr val="accent1"/>
+          </a:effectRef>
+          <a:fontRef idx="minor">
+            <a:schemeClr val="lt1"/>
+          </a:fontRef>
+        </p:style>
+        <p:txBody>
+          <a:bodyPr rtlCol="0" anchor="ctr"/>
+          <a:lstStyle/>
+          <a:p>
+            <a:pPr algn="ctr"/>
+            <a:endParaRPr lang="fr-FR"/>
+          </a:p>
+        </p:txBody>
+      </p:sp>
+      <p:sp>
+        <p:nvSpPr>
+          <p:cNvPr id="24" name="Triangle rectangle 23">
+            <a:extLst>
+              <a:ext uri="{FF2B5EF4-FFF2-40B4-BE49-F238E27FC236}">
+                <a16:creationId xmlns:a16="http://schemas.microsoft.com/office/drawing/2014/main" id="{77460008-F034-4886-9D87-526A91C1AD45}"/>
+              </a:ext>
+            </a:extLst>
+          </p:cNvPr>
+          <p:cNvSpPr/>
+          <p:nvPr/>
+        </p:nvSpPr>
+        <p:spPr>
+          <a:xfrm flipH="1" flipV="1">
+            <a:off x="11078156" y="-1104902"/>
+            <a:ext cx="1113846" cy="7917674"/>
+          </a:xfrm>
+          <a:prstGeom prst="rtTriangle">
+            <a:avLst/>
+          </a:prstGeom>
+          <a:solidFill>
+            <a:schemeClr val="accent1">
+              <a:alpha val="30000"/>
+            </a:schemeClr>
+          </a:solidFill>
+          <a:ln>
+            <a:noFill/>
+          </a:ln>
+        </p:spPr>
+        <p:style>
+          <a:lnRef idx="2">
+            <a:schemeClr val="accent1">
+              <a:shade val="50000"/>
+            </a:schemeClr>
+          </a:lnRef>
+          <a:fillRef idx="1">
+            <a:schemeClr val="accent1"/>
+          </a:fillRef>
+          <a:effectRef idx="0">
+            <a:schemeClr val="accent1"/>
+          </a:effectRef>
+          <a:fontRef idx="minor">
+            <a:schemeClr val="lt1"/>
+          </a:fontRef>
+        </p:style>
+        <p:txBody>
+          <a:bodyPr rtlCol="0" anchor="ctr"/>
+          <a:lstStyle/>
+          <a:p>
+            <a:pPr algn="ctr"/>
+            <a:endParaRPr lang="fr-FR"/>
+          </a:p>
+        </p:txBody>
+      </p:sp>
+    </p:spTree>
+    <p:extLst>
+      <p:ext uri="{BB962C8B-B14F-4D97-AF65-F5344CB8AC3E}">
+        <p14:creationId xmlns:p14="http://schemas.microsoft.com/office/powerpoint/2010/main" val="621299044"/>
+      </p:ext>
+    </p:extLst>
+  </p:cSld>
+  <p:clrMapOvr>
+    <a:masterClrMapping/>
+  </p:clrMapOvr>
+</p:sld>
+</file>
+
+<file path=ppt/slides/slide18.xml><?xml version="1.0" encoding="utf-8"?>
+<p:sld xmlns:a="http://schemas.openxmlformats.org/drawingml/2006/main" xmlns:r="http://schemas.openxmlformats.org/officeDocument/2006/relationships" xmlns:p="http://schemas.openxmlformats.org/presentationml/2006/main">
+  <p:cSld>
+    <p:spTree>
+      <p:nvGrpSpPr>
+        <p:cNvPr id="1" name=""/>
+        <p:cNvGrpSpPr/>
+        <p:nvPr/>
+      </p:nvGrpSpPr>
+      <p:grpSpPr>
+        <a:xfrm>
+          <a:off x="0" y="0"/>
+          <a:ext cx="0" cy="0"/>
+          <a:chOff x="0" y="0"/>
+          <a:chExt cx="0" cy="0"/>
+        </a:xfrm>
+      </p:grpSpPr>
+      <p:sp>
+        <p:nvSpPr>
+          <p:cNvPr id="7" name="ZoneTexte 6">
+            <a:extLst>
+              <a:ext uri="{FF2B5EF4-FFF2-40B4-BE49-F238E27FC236}">
+                <a16:creationId xmlns:a16="http://schemas.microsoft.com/office/drawing/2014/main" id="{2C8B6EA8-1910-4810-918C-B0360DAAAD8A}"/>
+              </a:ext>
+            </a:extLst>
+          </p:cNvPr>
+          <p:cNvSpPr txBox="1"/>
+          <p:nvPr/>
+        </p:nvSpPr>
+        <p:spPr>
+          <a:xfrm>
+            <a:off x="0" y="380712"/>
+            <a:ext cx="12192000" cy="584775"/>
+          </a:xfrm>
+          <a:prstGeom prst="rect">
+            <a:avLst/>
+          </a:prstGeom>
+          <a:noFill/>
+        </p:spPr>
+        <p:txBody>
+          <a:bodyPr wrap="square" rtlCol="0">
+            <a:spAutoFit/>
+          </a:bodyPr>
+          <a:lstStyle/>
+          <a:p>
+            <a:pPr algn="ctr"/>
+            <a:r>
+              <a:rPr lang="fr-FR" sz="3200" b="1" dirty="0"/>
               <a:t>Extensions WordPress</a:t>
             </a:r>
           </a:p>
@@ -6800,7 +7736,7 @@
 </p:sld>
 </file>
 
-<file path=ppt/slides/slide18.xml><?xml version="1.0" encoding="utf-8"?>
+<file path=ppt/slides/slide19.xml><?xml version="1.0" encoding="utf-8"?>
 <p:sld xmlns:a="http://schemas.openxmlformats.org/drawingml/2006/main" xmlns:r="http://schemas.openxmlformats.org/officeDocument/2006/relationships" xmlns:p="http://schemas.openxmlformats.org/presentationml/2006/main">
   <p:cSld>
     <p:spTree>
@@ -8772,6 +9708,41 @@
           </a:p>
         </p:txBody>
       </p:sp>
+      <p:sp>
+        <p:nvSpPr>
+          <p:cNvPr id="9" name="ZoneTexte 8">
+            <a:extLst>
+              <a:ext uri="{FF2B5EF4-FFF2-40B4-BE49-F238E27FC236}">
+                <a16:creationId xmlns:a16="http://schemas.microsoft.com/office/drawing/2014/main" id="{695BB82E-8487-4C68-9247-679D986772D2}"/>
+              </a:ext>
+            </a:extLst>
+          </p:cNvPr>
+          <p:cNvSpPr txBox="1"/>
+          <p:nvPr/>
+        </p:nvSpPr>
+        <p:spPr>
+          <a:xfrm>
+            <a:off x="864464" y="1943268"/>
+            <a:ext cx="4859080" cy="1015663"/>
+          </a:xfrm>
+          <a:prstGeom prst="rect">
+            <a:avLst/>
+          </a:prstGeom>
+          <a:noFill/>
+        </p:spPr>
+        <p:txBody>
+          <a:bodyPr wrap="square" rtlCol="0">
+            <a:spAutoFit/>
+          </a:bodyPr>
+          <a:lstStyle/>
+          <a:p>
+            <a:r>
+              <a:rPr lang="fr-FR" sz="2000" dirty="0"/>
+              <a:t>TPE, PME, micro-entrepreneur, artisans, commerçants, particulier,… Il n’y a pas de limite établi quand à la cible de clientèle. </a:t>
+            </a:r>
+          </a:p>
+        </p:txBody>
+      </p:sp>
     </p:spTree>
     <p:extLst>
       <p:ext uri="{BB962C8B-B14F-4D97-AF65-F5344CB8AC3E}">
@@ -9159,6 +10130,74 @@
           <a:p>
             <a:pPr algn="ctr"/>
             <a:endParaRPr lang="fr-FR"/>
+          </a:p>
+        </p:txBody>
+      </p:sp>
+      <p:sp>
+        <p:nvSpPr>
+          <p:cNvPr id="9" name="ZoneTexte 8">
+            <a:extLst>
+              <a:ext uri="{FF2B5EF4-FFF2-40B4-BE49-F238E27FC236}">
+                <a16:creationId xmlns:a16="http://schemas.microsoft.com/office/drawing/2014/main" id="{80D597B8-2D95-42A9-931E-F8A3F263AC06}"/>
+              </a:ext>
+            </a:extLst>
+          </p:cNvPr>
+          <p:cNvSpPr txBox="1"/>
+          <p:nvPr/>
+        </p:nvSpPr>
+        <p:spPr>
+          <a:xfrm>
+            <a:off x="1255731" y="1964532"/>
+            <a:ext cx="5231536" cy="2246769"/>
+          </a:xfrm>
+          <a:prstGeom prst="rect">
+            <a:avLst/>
+          </a:prstGeom>
+          <a:noFill/>
+        </p:spPr>
+        <p:txBody>
+          <a:bodyPr wrap="square" rtlCol="0">
+            <a:spAutoFit/>
+          </a:bodyPr>
+          <a:lstStyle/>
+          <a:p>
+            <a:r>
+              <a:rPr lang="fr-FR" sz="2000" dirty="0"/>
+              <a:t>Tout les principaux supports doivent être compatibles avec le site de l’agence (et a priori avec tout les sites qu’elle créera) à savoir: </a:t>
+            </a:r>
+          </a:p>
+          <a:p>
+            <a:endParaRPr lang="fr-FR" sz="2000" dirty="0"/>
+          </a:p>
+          <a:p>
+            <a:pPr marL="342900" indent="-342900">
+              <a:buFont typeface="Arial" panose="020B0604020202020204" pitchFamily="34" charset="0"/>
+              <a:buChar char="•"/>
+            </a:pPr>
+            <a:r>
+              <a:rPr lang="fr-FR" sz="2000" dirty="0"/>
+              <a:t>Desktop</a:t>
+            </a:r>
+          </a:p>
+          <a:p>
+            <a:pPr marL="342900" indent="-342900">
+              <a:buFont typeface="Arial" panose="020B0604020202020204" pitchFamily="34" charset="0"/>
+              <a:buChar char="•"/>
+            </a:pPr>
+            <a:r>
+              <a:rPr lang="fr-FR" sz="2000" dirty="0"/>
+              <a:t>Tablette</a:t>
+            </a:r>
+          </a:p>
+          <a:p>
+            <a:pPr marL="342900" indent="-342900">
+              <a:buFont typeface="Arial" panose="020B0604020202020204" pitchFamily="34" charset="0"/>
+              <a:buChar char="•"/>
+            </a:pPr>
+            <a:r>
+              <a:rPr lang="fr-FR" sz="2000" dirty="0"/>
+              <a:t>mobile</a:t>
+            </a:r>
           </a:p>
         </p:txBody>
       </p:sp>
